--- a/jdocs/Macro1/basics1_4.pptx
+++ b/jdocs/Macro1/basics1_4.pptx
@@ -2,7 +2,7 @@
 <file path=ppt/presentation.xml><?xml version="1.0" encoding="utf-8"?>
 <p:presentation xmlns:a="http://schemas.openxmlformats.org/drawingml/2006/main" xmlns:r="http://schemas.openxmlformats.org/officeDocument/2006/relationships" xmlns:p="http://schemas.openxmlformats.org/presentationml/2006/main" showSpecialPlsOnTitleSld="0" saveSubsetFonts="1">
   <p:sldMasterIdLst>
-    <p:sldMasterId id="2147483766" r:id="rId1"/>
+    <p:sldMasterId id="2147483779" r:id="rId1"/>
   </p:sldMasterIdLst>
   <p:notesMasterIdLst>
     <p:notesMasterId r:id="rId54"/>
@@ -12,7 +12,7 @@
   </p:handoutMasterIdLst>
   <p:sldIdLst>
     <p:sldId id="256" r:id="rId2"/>
-    <p:sldId id="261" r:id="rId3"/>
+    <p:sldId id="308" r:id="rId3"/>
     <p:sldId id="298" r:id="rId4"/>
     <p:sldId id="262" r:id="rId5"/>
     <p:sldId id="299" r:id="rId6"/>
@@ -276,7 +276,7 @@
           <a:p>
             <a:fld id="{6462868B-7F42-4912-9FCD-61CCAC9142CC}" type="datetimeFigureOut">
               <a:rPr lang="en-US" smtClean="0"/>
-              <a:t>12/8/2015</a:t>
+              <a:t>1/4/2016</a:t>
             </a:fld>
             <a:endParaRPr lang="en-US"/>
           </a:p>
@@ -525,7 +525,7 @@
         <p:nvSpPr>
           <p:cNvPr id="6148" name="Rectangle 4"/>
           <p:cNvSpPr>
-            <a:spLocks noRot="1" noChangeArrowheads="1" noTextEdit="1"/>
+            <a:spLocks noGrp="1" noRot="1" noChangeAspect="1" noChangeArrowheads="1" noTextEdit="1"/>
           </p:cNvSpPr>
           <p:nvPr>
             <p:ph type="sldImg" idx="2"/>
@@ -1021,93 +1021,8 @@
 </p:notes>
 </file>
 
-<file path=ppt/notesSlides/notesSlide2.xml><?xml version="1.0" encoding="utf-8"?>
-<p:notes xmlns:a="http://schemas.openxmlformats.org/drawingml/2006/main" xmlns:r="http://schemas.openxmlformats.org/officeDocument/2006/relationships" xmlns:p="http://schemas.openxmlformats.org/presentationml/2006/main">
-  <p:cSld>
-    <p:spTree>
-      <p:nvGrpSpPr>
-        <p:cNvPr id="1" name=""/>
-        <p:cNvGrpSpPr/>
-        <p:nvPr/>
-      </p:nvGrpSpPr>
-      <p:grpSpPr>
-        <a:xfrm>
-          <a:off x="0" y="0"/>
-          <a:ext cx="0" cy="0"/>
-          <a:chOff x="0" y="0"/>
-          <a:chExt cx="0" cy="0"/>
-        </a:xfrm>
-      </p:grpSpPr>
-      <p:sp>
-        <p:nvSpPr>
-          <p:cNvPr id="2" name="Slide Image Placeholder 1"/>
-          <p:cNvSpPr>
-            <a:spLocks noGrp="1" noRot="1" noChangeAspect="1"/>
-          </p:cNvSpPr>
-          <p:nvPr>
-            <p:ph type="sldImg"/>
-          </p:nvPr>
-        </p:nvSpPr>
-        <p:spPr/>
-      </p:sp>
-      <p:sp>
-        <p:nvSpPr>
-          <p:cNvPr id="3" name="Notes Placeholder 2"/>
-          <p:cNvSpPr>
-            <a:spLocks noGrp="1"/>
-          </p:cNvSpPr>
-          <p:nvPr>
-            <p:ph type="body" idx="1"/>
-          </p:nvPr>
-        </p:nvSpPr>
-        <p:spPr/>
-        <p:txBody>
-          <a:bodyPr/>
-          <a:lstStyle/>
-          <a:p>
-            <a:endParaRPr lang="en-US"/>
-          </a:p>
-        </p:txBody>
-      </p:sp>
-      <p:sp>
-        <p:nvSpPr>
-          <p:cNvPr id="4" name="Slide Number Placeholder 3"/>
-          <p:cNvSpPr>
-            <a:spLocks noGrp="1"/>
-          </p:cNvSpPr>
-          <p:nvPr>
-            <p:ph type="sldNum" sz="quarter" idx="10"/>
-          </p:nvPr>
-        </p:nvSpPr>
-        <p:spPr/>
-        <p:txBody>
-          <a:bodyPr/>
-          <a:lstStyle/>
-          <a:p>
-            <a:fld id="{1978D479-680E-476B-A217-A863A33B00EB}" type="slidenum">
-              <a:rPr lang="en-US" altLang="en-US" smtClean="0"/>
-              <a:pPr/>
-              <a:t>2</a:t>
-            </a:fld>
-            <a:endParaRPr lang="en-US" altLang="en-US"/>
-          </a:p>
-        </p:txBody>
-      </p:sp>
-    </p:spTree>
-    <p:extLst>
-      <p:ext uri="{BB962C8B-B14F-4D97-AF65-F5344CB8AC3E}">
-        <p14:creationId xmlns:p14="http://schemas.microsoft.com/office/powerpoint/2010/main" val="1843285365"/>
-      </p:ext>
-    </p:extLst>
-  </p:cSld>
-  <p:clrMapOvr>
-    <a:masterClrMapping/>
-  </p:clrMapOvr>
-</p:notes>
-</file>
-
 <file path=ppt/slideLayouts/slideLayout1.xml><?xml version="1.0" encoding="utf-8"?>
-<p:sldLayout xmlns:a="http://schemas.openxmlformats.org/drawingml/2006/main" xmlns:r="http://schemas.openxmlformats.org/officeDocument/2006/relationships" xmlns:p="http://schemas.openxmlformats.org/presentationml/2006/main" type="title" preserve="1">
+<p:sldLayout xmlns:a="http://schemas.openxmlformats.org/drawingml/2006/main" xmlns:r="http://schemas.openxmlformats.org/officeDocument/2006/relationships" xmlns:p="http://schemas.openxmlformats.org/presentationml/2006/main" preserve="1">
   <p:cSld name="Title Slide">
     <p:spTree>
       <p:nvGrpSpPr>
@@ -1125,23 +1040,259 @@
       </p:grpSpPr>
       <p:sp>
         <p:nvSpPr>
-          <p:cNvPr id="2" name="Title 1"/>
-          <p:cNvSpPr>
-            <a:spLocks noGrp="1"/>
-          </p:cNvSpPr>
-          <p:nvPr>
-            <p:ph type="ctrTitle"/>
-          </p:nvPr>
+          <p:cNvPr id="4" name="Rectangle 3"/>
+          <p:cNvSpPr/>
+          <p:nvPr/>
         </p:nvSpPr>
         <p:spPr>
           <a:xfrm>
-            <a:off x="685800" y="2130425"/>
-            <a:ext cx="7772400" cy="1470025"/>
-          </a:xfrm>
-        </p:spPr>
-        <p:txBody>
-          <a:bodyPr/>
-          <a:lstStyle/>
+            <a:off x="4572000" y="6477000"/>
+            <a:ext cx="4572000" cy="381000"/>
+          </a:xfrm>
+          <a:prstGeom prst="rect">
+            <a:avLst/>
+          </a:prstGeom>
+          <a:solidFill>
+            <a:srgbClr val="3333B2"/>
+          </a:solidFill>
+          <a:ln>
+            <a:noFill/>
+          </a:ln>
+        </p:spPr>
+        <p:style>
+          <a:lnRef idx="2">
+            <a:schemeClr val="accent1">
+              <a:shade val="50000"/>
+            </a:schemeClr>
+          </a:lnRef>
+          <a:fillRef idx="1">
+            <a:schemeClr val="accent1"/>
+          </a:fillRef>
+          <a:effectRef idx="0">
+            <a:schemeClr val="accent1"/>
+          </a:effectRef>
+          <a:fontRef idx="minor">
+            <a:schemeClr val="lt1"/>
+          </a:fontRef>
+        </p:style>
+        <p:txBody>
+          <a:bodyPr anchor="ctr"/>
+          <a:lstStyle/>
+          <a:p>
+            <a:pPr algn="ctr" fontAlgn="auto">
+              <a:spcBef>
+                <a:spcPts val="0"/>
+              </a:spcBef>
+              <a:spcAft>
+                <a:spcPts val="0"/>
+              </a:spcAft>
+              <a:defRPr/>
+            </a:pPr>
+            <a:endParaRPr lang="en-US">
+              <a:solidFill>
+                <a:schemeClr val="bg1"/>
+              </a:solidFill>
+            </a:endParaRPr>
+          </a:p>
+        </p:txBody>
+      </p:sp>
+      <p:sp>
+        <p:nvSpPr>
+          <p:cNvPr id="5" name="Rectangle 4"/>
+          <p:cNvSpPr/>
+          <p:nvPr/>
+        </p:nvSpPr>
+        <p:spPr>
+          <a:xfrm>
+            <a:off x="0" y="6477000"/>
+            <a:ext cx="4572000" cy="381000"/>
+          </a:xfrm>
+          <a:prstGeom prst="rect">
+            <a:avLst/>
+          </a:prstGeom>
+          <a:solidFill>
+            <a:schemeClr val="tx1"/>
+          </a:solidFill>
+          <a:ln>
+            <a:noFill/>
+          </a:ln>
+        </p:spPr>
+        <p:style>
+          <a:lnRef idx="2">
+            <a:schemeClr val="accent1">
+              <a:shade val="50000"/>
+            </a:schemeClr>
+          </a:lnRef>
+          <a:fillRef idx="1">
+            <a:schemeClr val="accent1"/>
+          </a:fillRef>
+          <a:effectRef idx="0">
+            <a:schemeClr val="accent1"/>
+          </a:effectRef>
+          <a:fontRef idx="minor">
+            <a:schemeClr val="lt1"/>
+          </a:fontRef>
+        </p:style>
+        <p:txBody>
+          <a:bodyPr anchor="ctr"/>
+          <a:lstStyle/>
+          <a:p>
+            <a:pPr algn="ctr" fontAlgn="auto">
+              <a:spcBef>
+                <a:spcPts val="0"/>
+              </a:spcBef>
+              <a:spcAft>
+                <a:spcPts val="0"/>
+              </a:spcAft>
+              <a:defRPr/>
+            </a:pPr>
+            <a:endParaRPr lang="en-US">
+              <a:solidFill>
+                <a:schemeClr val="bg1"/>
+              </a:solidFill>
+            </a:endParaRPr>
+          </a:p>
+        </p:txBody>
+      </p:sp>
+      <p:sp>
+        <p:nvSpPr>
+          <p:cNvPr id="6" name="Rounded Rectangle 5"/>
+          <p:cNvSpPr/>
+          <p:nvPr/>
+        </p:nvSpPr>
+        <p:spPr>
+          <a:xfrm>
+            <a:off x="381000" y="1295400"/>
+            <a:ext cx="8229600" cy="2057400"/>
+          </a:xfrm>
+          <a:prstGeom prst="roundRect">
+            <a:avLst/>
+          </a:prstGeom>
+          <a:solidFill>
+            <a:srgbClr val="3333B2"/>
+          </a:solidFill>
+          <a:ln>
+            <a:solidFill>
+              <a:srgbClr val="3333B2"/>
+            </a:solidFill>
+          </a:ln>
+          <a:effectLst>
+            <a:outerShdw blurRad="114300" dist="152400" dir="2700000" algn="tl" rotWithShape="0">
+              <a:prstClr val="black">
+                <a:alpha val="40000"/>
+              </a:prstClr>
+            </a:outerShdw>
+          </a:effectLst>
+        </p:spPr>
+        <p:style>
+          <a:lnRef idx="2">
+            <a:schemeClr val="accent1">
+              <a:shade val="50000"/>
+            </a:schemeClr>
+          </a:lnRef>
+          <a:fillRef idx="1">
+            <a:schemeClr val="accent1"/>
+          </a:fillRef>
+          <a:effectRef idx="0">
+            <a:schemeClr val="accent1"/>
+          </a:effectRef>
+          <a:fontRef idx="minor">
+            <a:schemeClr val="lt1"/>
+          </a:fontRef>
+        </p:style>
+        <p:txBody>
+          <a:bodyPr anchor="ctr"/>
+          <a:lstStyle/>
+          <a:p>
+            <a:pPr algn="ctr" fontAlgn="auto">
+              <a:spcBef>
+                <a:spcPts val="0"/>
+              </a:spcBef>
+              <a:spcAft>
+                <a:spcPts val="0"/>
+              </a:spcAft>
+              <a:defRPr/>
+            </a:pPr>
+            <a:endParaRPr lang="en-US"/>
+          </a:p>
+        </p:txBody>
+      </p:sp>
+      <p:sp>
+        <p:nvSpPr>
+          <p:cNvPr id="7" name="TextBox 6"/>
+          <p:cNvSpPr txBox="1"/>
+          <p:nvPr/>
+        </p:nvSpPr>
+        <p:spPr>
+          <a:xfrm>
+            <a:off x="1071563" y="6488113"/>
+            <a:ext cx="3500437" cy="369887"/>
+          </a:xfrm>
+          <a:prstGeom prst="rect">
+            <a:avLst/>
+          </a:prstGeom>
+          <a:noFill/>
+        </p:spPr>
+        <p:txBody>
+          <a:bodyPr anchor="ctr"/>
+          <a:lstStyle/>
+          <a:p>
+            <a:pPr algn="r" fontAlgn="auto">
+              <a:spcBef>
+                <a:spcPts val="0"/>
+              </a:spcBef>
+              <a:spcAft>
+                <a:spcPts val="0"/>
+              </a:spcAft>
+              <a:defRPr/>
+            </a:pPr>
+            <a:r>
+              <a:rPr lang="en-US" sz="1200" dirty="0" smtClean="0">
+                <a:solidFill>
+                  <a:schemeClr val="bg1"/>
+                </a:solidFill>
+                <a:latin typeface="+mn-lt"/>
+                <a:cs typeface="+mn-cs"/>
+              </a:rPr>
+              <a:t>Juergen Jung – Towson University</a:t>
+            </a:r>
+            <a:endParaRPr lang="en-US" sz="1200" dirty="0">
+              <a:solidFill>
+                <a:schemeClr val="bg1"/>
+              </a:solidFill>
+              <a:latin typeface="+mn-lt"/>
+              <a:cs typeface="+mn-cs"/>
+            </a:endParaRPr>
+          </a:p>
+        </p:txBody>
+      </p:sp>
+      <p:sp>
+        <p:nvSpPr>
+          <p:cNvPr id="2" name="Title 1"/>
+          <p:cNvSpPr>
+            <a:spLocks noGrp="1"/>
+          </p:cNvSpPr>
+          <p:nvPr>
+            <p:ph type="ctrTitle"/>
+          </p:nvPr>
+        </p:nvSpPr>
+        <p:spPr>
+          <a:xfrm>
+            <a:off x="609600" y="1447800"/>
+            <a:ext cx="7772400" cy="838200"/>
+          </a:xfrm>
+        </p:spPr>
+        <p:txBody>
+          <a:bodyPr/>
+          <a:lstStyle>
+            <a:lvl1pPr>
+              <a:defRPr baseline="0">
+                <a:solidFill>
+                  <a:schemeClr val="bg1"/>
+                </a:solidFill>
+              </a:defRPr>
+            </a:lvl1pPr>
+          </a:lstStyle>
           <a:p>
             <a:r>
               <a:rPr lang="en-US" smtClean="0"/>
@@ -1163,8 +1314,8 @@
         </p:nvSpPr>
         <p:spPr>
           <a:xfrm>
-            <a:off x="1371600" y="3886200"/>
-            <a:ext cx="6400800" cy="1752600"/>
+            <a:off x="1219200" y="2667000"/>
+            <a:ext cx="6400800" cy="533400"/>
           </a:xfrm>
         </p:spPr>
         <p:txBody>
@@ -1172,11 +1323,9 @@
           <a:lstStyle>
             <a:lvl1pPr marL="0" indent="0" algn="ctr">
               <a:buNone/>
-              <a:defRPr>
+              <a:defRPr baseline="0">
                 <a:solidFill>
-                  <a:schemeClr val="tx1">
-                    <a:tint val="75000"/>
-                  </a:schemeClr>
+                  <a:schemeClr val="bg1"/>
                 </a:solidFill>
               </a:defRPr>
             </a:lvl1pPr>
@@ -1266,13 +1415,13 @@
               <a:rPr lang="en-US" smtClean="0"/>
               <a:t>Click to edit Master subtitle style</a:t>
             </a:r>
-            <a:endParaRPr lang="en-US"/>
-          </a:p>
-        </p:txBody>
-      </p:sp>
-      <p:sp>
-        <p:nvSpPr>
-          <p:cNvPr id="4" name="Date Placeholder 3"/>
+            <a:endParaRPr lang="en-US" dirty="0"/>
+          </a:p>
+        </p:txBody>
+      </p:sp>
+      <p:sp>
+        <p:nvSpPr>
+          <p:cNvPr id="8" name="Date Placeholder 3"/>
           <p:cNvSpPr>
             <a:spLocks noGrp="1"/>
           </p:cNvSpPr>
@@ -1280,10 +1429,23 @@
             <p:ph type="dt" sz="half" idx="10"/>
           </p:nvPr>
         </p:nvSpPr>
-        <p:spPr/>
-        <p:txBody>
-          <a:bodyPr/>
-          <a:lstStyle/>
+        <p:spPr>
+          <a:xfrm>
+            <a:off x="0" y="6492875"/>
+            <a:ext cx="1071563" cy="365125"/>
+          </a:xfrm>
+        </p:spPr>
+        <p:txBody>
+          <a:bodyPr/>
+          <a:lstStyle>
+            <a:lvl1pPr>
+              <a:defRPr baseline="0" smtClean="0">
+                <a:solidFill>
+                  <a:schemeClr val="bg1"/>
+                </a:solidFill>
+              </a:defRPr>
+            </a:lvl1pPr>
+          </a:lstStyle>
           <a:p>
             <a:endParaRPr lang="en-US" altLang="en-US"/>
           </a:p>
@@ -1291,7 +1453,7 @@
       </p:sp>
       <p:sp>
         <p:nvSpPr>
-          <p:cNvPr id="5" name="Footer Placeholder 4"/>
+          <p:cNvPr id="9" name="Footer Placeholder 4"/>
           <p:cNvSpPr>
             <a:spLocks noGrp="1"/>
           </p:cNvSpPr>
@@ -1299,10 +1461,23 @@
             <p:ph type="ftr" sz="quarter" idx="11"/>
           </p:nvPr>
         </p:nvSpPr>
-        <p:spPr/>
-        <p:txBody>
-          <a:bodyPr/>
-          <a:lstStyle/>
+        <p:spPr>
+          <a:xfrm>
+            <a:off x="4572000" y="6492875"/>
+            <a:ext cx="3429000" cy="365125"/>
+          </a:xfrm>
+        </p:spPr>
+        <p:txBody>
+          <a:bodyPr/>
+          <a:lstStyle>
+            <a:lvl1pPr algn="l">
+              <a:defRPr baseline="0">
+                <a:solidFill>
+                  <a:schemeClr val="bg1"/>
+                </a:solidFill>
+              </a:defRPr>
+            </a:lvl1pPr>
+          </a:lstStyle>
           <a:p>
             <a:r>
               <a:rPr lang="en-US" altLang="en-US" smtClean="0"/>
@@ -1314,7 +1489,7 @@
       </p:sp>
       <p:sp>
         <p:nvSpPr>
-          <p:cNvPr id="6" name="Slide Number Placeholder 5"/>
+          <p:cNvPr id="10" name="Slide Number Placeholder 5"/>
           <p:cNvSpPr>
             <a:spLocks noGrp="1"/>
           </p:cNvSpPr>
@@ -1322,10 +1497,23 @@
             <p:ph type="sldNum" sz="quarter" idx="12"/>
           </p:nvPr>
         </p:nvSpPr>
-        <p:spPr/>
-        <p:txBody>
-          <a:bodyPr/>
-          <a:lstStyle/>
+        <p:spPr>
+          <a:xfrm>
+            <a:off x="8001000" y="6492875"/>
+            <a:ext cx="1143000" cy="365125"/>
+          </a:xfrm>
+        </p:spPr>
+        <p:txBody>
+          <a:bodyPr/>
+          <a:lstStyle>
+            <a:lvl1pPr>
+              <a:defRPr baseline="0">
+                <a:solidFill>
+                  <a:schemeClr val="bg1"/>
+                </a:solidFill>
+              </a:defRPr>
+            </a:lvl1pPr>
+          </a:lstStyle>
           <a:p>
             <a:r>
               <a:rPr lang="en-US" altLang="en-US" smtClean="0"/>
@@ -1343,7 +1531,7 @@
     </p:spTree>
     <p:extLst>
       <p:ext uri="{BB962C8B-B14F-4D97-AF65-F5344CB8AC3E}">
-        <p14:creationId xmlns:p14="http://schemas.microsoft.com/office/powerpoint/2010/main" val="423944945"/>
+        <p14:creationId xmlns:p14="http://schemas.microsoft.com/office/powerpoint/2010/main" val="1911982247"/>
       </p:ext>
     </p:extLst>
   </p:cSld>
@@ -1458,7 +1646,11 @@
         <p:spPr/>
         <p:txBody>
           <a:bodyPr/>
-          <a:lstStyle/>
+          <a:lstStyle>
+            <a:lvl1pPr>
+              <a:defRPr/>
+            </a:lvl1pPr>
+          </a:lstStyle>
           <a:p>
             <a:endParaRPr lang="en-US" altLang="en-US"/>
           </a:p>
@@ -1477,7 +1669,11 @@
         <p:spPr/>
         <p:txBody>
           <a:bodyPr/>
-          <a:lstStyle/>
+          <a:lstStyle>
+            <a:lvl1pPr>
+              <a:defRPr/>
+            </a:lvl1pPr>
+          </a:lstStyle>
           <a:p>
             <a:r>
               <a:rPr lang="en-US" altLang="en-US" smtClean="0"/>
@@ -1500,7 +1696,11 @@
         <p:spPr/>
         <p:txBody>
           <a:bodyPr/>
-          <a:lstStyle/>
+          <a:lstStyle>
+            <a:lvl1pPr>
+              <a:defRPr/>
+            </a:lvl1pPr>
+          </a:lstStyle>
           <a:p>
             <a:r>
               <a:rPr lang="en-US" altLang="en-US" smtClean="0"/>
@@ -1518,7 +1718,7 @@
     </p:spTree>
     <p:extLst>
       <p:ext uri="{BB962C8B-B14F-4D97-AF65-F5344CB8AC3E}">
-        <p14:creationId xmlns:p14="http://schemas.microsoft.com/office/powerpoint/2010/main" val="2217475939"/>
+        <p14:creationId xmlns:p14="http://schemas.microsoft.com/office/powerpoint/2010/main" val="41589114"/>
       </p:ext>
     </p:extLst>
   </p:cSld>
@@ -1643,7 +1843,11 @@
         <p:spPr/>
         <p:txBody>
           <a:bodyPr/>
-          <a:lstStyle/>
+          <a:lstStyle>
+            <a:lvl1pPr>
+              <a:defRPr/>
+            </a:lvl1pPr>
+          </a:lstStyle>
           <a:p>
             <a:endParaRPr lang="en-US" altLang="en-US"/>
           </a:p>
@@ -1662,7 +1866,11 @@
         <p:spPr/>
         <p:txBody>
           <a:bodyPr/>
-          <a:lstStyle/>
+          <a:lstStyle>
+            <a:lvl1pPr>
+              <a:defRPr/>
+            </a:lvl1pPr>
+          </a:lstStyle>
           <a:p>
             <a:r>
               <a:rPr lang="en-US" altLang="en-US" smtClean="0"/>
@@ -1685,7 +1893,11 @@
         <p:spPr/>
         <p:txBody>
           <a:bodyPr/>
-          <a:lstStyle/>
+          <a:lstStyle>
+            <a:lvl1pPr>
+              <a:defRPr/>
+            </a:lvl1pPr>
+          </a:lstStyle>
           <a:p>
             <a:r>
               <a:rPr lang="en-US" altLang="en-US" smtClean="0"/>
@@ -1703,7 +1915,7 @@
     </p:spTree>
     <p:extLst>
       <p:ext uri="{BB962C8B-B14F-4D97-AF65-F5344CB8AC3E}">
-        <p14:creationId xmlns:p14="http://schemas.microsoft.com/office/powerpoint/2010/main" val="1446003788"/>
+        <p14:creationId xmlns:p14="http://schemas.microsoft.com/office/powerpoint/2010/main" val="3794175787"/>
       </p:ext>
     </p:extLst>
   </p:cSld>
@@ -1983,7 +2195,7 @@
 </file>
 
 <file path=ppt/slideLayouts/slideLayout2.xml><?xml version="1.0" encoding="utf-8"?>
-<p:sldLayout xmlns:a="http://schemas.openxmlformats.org/drawingml/2006/main" xmlns:r="http://schemas.openxmlformats.org/officeDocument/2006/relationships" xmlns:p="http://schemas.openxmlformats.org/presentationml/2006/main" type="obj" preserve="1">
+<p:sldLayout xmlns:a="http://schemas.openxmlformats.org/drawingml/2006/main" xmlns:r="http://schemas.openxmlformats.org/officeDocument/2006/relationships" xmlns:p="http://schemas.openxmlformats.org/presentationml/2006/main" preserve="1">
   <p:cSld name="Title and Content">
     <p:spTree>
       <p:nvGrpSpPr>
@@ -2001,6 +2213,346 @@
       </p:grpSpPr>
       <p:sp>
         <p:nvSpPr>
+          <p:cNvPr id="4" name="Rectangle 3"/>
+          <p:cNvSpPr/>
+          <p:nvPr/>
+        </p:nvSpPr>
+        <p:spPr>
+          <a:xfrm>
+            <a:off x="4572000" y="6477000"/>
+            <a:ext cx="4572000" cy="381000"/>
+          </a:xfrm>
+          <a:prstGeom prst="rect">
+            <a:avLst/>
+          </a:prstGeom>
+          <a:solidFill>
+            <a:srgbClr val="3333B2"/>
+          </a:solidFill>
+          <a:ln>
+            <a:noFill/>
+          </a:ln>
+        </p:spPr>
+        <p:style>
+          <a:lnRef idx="2">
+            <a:schemeClr val="accent1">
+              <a:shade val="50000"/>
+            </a:schemeClr>
+          </a:lnRef>
+          <a:fillRef idx="1">
+            <a:schemeClr val="accent1"/>
+          </a:fillRef>
+          <a:effectRef idx="0">
+            <a:schemeClr val="accent1"/>
+          </a:effectRef>
+          <a:fontRef idx="minor">
+            <a:schemeClr val="lt1"/>
+          </a:fontRef>
+        </p:style>
+        <p:txBody>
+          <a:bodyPr anchor="ctr"/>
+          <a:lstStyle/>
+          <a:p>
+            <a:pPr algn="ctr" fontAlgn="auto">
+              <a:spcBef>
+                <a:spcPts val="0"/>
+              </a:spcBef>
+              <a:spcAft>
+                <a:spcPts val="0"/>
+              </a:spcAft>
+              <a:defRPr/>
+            </a:pPr>
+            <a:endParaRPr lang="en-US">
+              <a:solidFill>
+                <a:schemeClr val="bg1"/>
+              </a:solidFill>
+            </a:endParaRPr>
+          </a:p>
+        </p:txBody>
+      </p:sp>
+      <p:sp>
+        <p:nvSpPr>
+          <p:cNvPr id="5" name="Rectangle 4"/>
+          <p:cNvSpPr/>
+          <p:nvPr/>
+        </p:nvSpPr>
+        <p:spPr>
+          <a:xfrm>
+            <a:off x="0" y="6477000"/>
+            <a:ext cx="4572000" cy="381000"/>
+          </a:xfrm>
+          <a:prstGeom prst="rect">
+            <a:avLst/>
+          </a:prstGeom>
+          <a:solidFill>
+            <a:schemeClr val="tx1"/>
+          </a:solidFill>
+          <a:ln>
+            <a:noFill/>
+          </a:ln>
+        </p:spPr>
+        <p:style>
+          <a:lnRef idx="2">
+            <a:schemeClr val="accent1">
+              <a:shade val="50000"/>
+            </a:schemeClr>
+          </a:lnRef>
+          <a:fillRef idx="1">
+            <a:schemeClr val="accent1"/>
+          </a:fillRef>
+          <a:effectRef idx="0">
+            <a:schemeClr val="accent1"/>
+          </a:effectRef>
+          <a:fontRef idx="minor">
+            <a:schemeClr val="lt1"/>
+          </a:fontRef>
+        </p:style>
+        <p:txBody>
+          <a:bodyPr anchor="ctr"/>
+          <a:lstStyle/>
+          <a:p>
+            <a:pPr algn="ctr" fontAlgn="auto">
+              <a:spcBef>
+                <a:spcPts val="0"/>
+              </a:spcBef>
+              <a:spcAft>
+                <a:spcPts val="0"/>
+              </a:spcAft>
+              <a:defRPr/>
+            </a:pPr>
+            <a:endParaRPr lang="en-US">
+              <a:solidFill>
+                <a:schemeClr val="bg1"/>
+              </a:solidFill>
+            </a:endParaRPr>
+          </a:p>
+        </p:txBody>
+      </p:sp>
+      <p:sp>
+        <p:nvSpPr>
+          <p:cNvPr id="6" name="Rectangle 5"/>
+          <p:cNvSpPr/>
+          <p:nvPr/>
+        </p:nvSpPr>
+        <p:spPr>
+          <a:xfrm>
+            <a:off x="0" y="0"/>
+            <a:ext cx="9144000" cy="762000"/>
+          </a:xfrm>
+          <a:prstGeom prst="rect">
+            <a:avLst/>
+          </a:prstGeom>
+          <a:gradFill flip="none" rotWithShape="1">
+            <a:gsLst>
+              <a:gs pos="0">
+                <a:schemeClr val="tx1"/>
+              </a:gs>
+              <a:gs pos="100000">
+                <a:srgbClr val="3333B2"/>
+              </a:gs>
+            </a:gsLst>
+            <a:lin ang="10800000" scaled="1"/>
+            <a:tileRect/>
+          </a:gradFill>
+          <a:ln>
+            <a:noFill/>
+          </a:ln>
+          <a:effectLst>
+            <a:outerShdw blurRad="50800" dist="88900" dir="5400000" algn="tl" rotWithShape="0">
+              <a:prstClr val="black">
+                <a:alpha val="40000"/>
+              </a:prstClr>
+            </a:outerShdw>
+          </a:effectLst>
+        </p:spPr>
+        <p:style>
+          <a:lnRef idx="2">
+            <a:schemeClr val="accent1">
+              <a:shade val="50000"/>
+            </a:schemeClr>
+          </a:lnRef>
+          <a:fillRef idx="1">
+            <a:schemeClr val="accent1"/>
+          </a:fillRef>
+          <a:effectRef idx="0">
+            <a:schemeClr val="accent1"/>
+          </a:effectRef>
+          <a:fontRef idx="minor">
+            <a:schemeClr val="lt1"/>
+          </a:fontRef>
+        </p:style>
+        <p:txBody>
+          <a:bodyPr anchor="ctr"/>
+          <a:lstStyle/>
+          <a:p>
+            <a:pPr algn="ctr" fontAlgn="auto">
+              <a:spcBef>
+                <a:spcPts val="0"/>
+              </a:spcBef>
+              <a:spcAft>
+                <a:spcPts val="0"/>
+              </a:spcAft>
+              <a:defRPr/>
+            </a:pPr>
+            <a:endParaRPr lang="en-US"/>
+          </a:p>
+        </p:txBody>
+      </p:sp>
+      <p:sp>
+        <p:nvSpPr>
+          <p:cNvPr id="7" name="TextBox 6"/>
+          <p:cNvSpPr txBox="1"/>
+          <p:nvPr/>
+        </p:nvSpPr>
+        <p:spPr>
+          <a:xfrm>
+            <a:off x="1071563" y="6488113"/>
+            <a:ext cx="3500437" cy="369887"/>
+          </a:xfrm>
+          <a:prstGeom prst="rect">
+            <a:avLst/>
+          </a:prstGeom>
+          <a:noFill/>
+        </p:spPr>
+        <p:txBody>
+          <a:bodyPr anchor="ctr"/>
+          <a:lstStyle/>
+          <a:p>
+            <a:pPr algn="r" fontAlgn="auto">
+              <a:spcBef>
+                <a:spcPts val="0"/>
+              </a:spcBef>
+              <a:spcAft>
+                <a:spcPts val="0"/>
+              </a:spcAft>
+              <a:defRPr/>
+            </a:pPr>
+            <a:r>
+              <a:rPr lang="en-US" sz="1200" dirty="0" smtClean="0">
+                <a:solidFill>
+                  <a:schemeClr val="bg1"/>
+                </a:solidFill>
+                <a:latin typeface="+mn-lt"/>
+                <a:cs typeface="+mn-cs"/>
+              </a:rPr>
+              <a:t>Juergen</a:t>
+            </a:r>
+            <a:r>
+              <a:rPr lang="en-US" sz="1200" baseline="0" dirty="0" smtClean="0">
+                <a:solidFill>
+                  <a:schemeClr val="bg1"/>
+                </a:solidFill>
+                <a:latin typeface="+mn-lt"/>
+                <a:cs typeface="+mn-cs"/>
+              </a:rPr>
+              <a:t> Jung </a:t>
+            </a:r>
+            <a:r>
+              <a:rPr lang="en-US" sz="1200" kern="1200" dirty="0" smtClean="0">
+                <a:solidFill>
+                  <a:schemeClr val="bg1"/>
+                </a:solidFill>
+                <a:latin typeface="Arial" charset="0"/>
+                <a:ea typeface="+mn-ea"/>
+                <a:cs typeface="Arial" charset="0"/>
+              </a:rPr>
+              <a:t>–</a:t>
+            </a:r>
+            <a:r>
+              <a:rPr lang="en-US" sz="1200" baseline="0" dirty="0" smtClean="0">
+                <a:solidFill>
+                  <a:schemeClr val="bg1"/>
+                </a:solidFill>
+                <a:latin typeface="+mn-lt"/>
+                <a:cs typeface="+mn-cs"/>
+              </a:rPr>
+              <a:t> Towson University</a:t>
+            </a:r>
+            <a:endParaRPr lang="en-US" sz="1200" dirty="0">
+              <a:solidFill>
+                <a:schemeClr val="bg1"/>
+              </a:solidFill>
+              <a:latin typeface="+mn-lt"/>
+              <a:cs typeface="+mn-cs"/>
+            </a:endParaRPr>
+          </a:p>
+        </p:txBody>
+      </p:sp>
+      <p:sp>
+        <p:nvSpPr>
+          <p:cNvPr id="3" name="Content Placeholder 2"/>
+          <p:cNvSpPr>
+            <a:spLocks noGrp="1"/>
+          </p:cNvSpPr>
+          <p:nvPr>
+            <p:ph idx="1"/>
+          </p:nvPr>
+        </p:nvSpPr>
+        <p:spPr>
+          <a:xfrm>
+            <a:off x="304800" y="1066800"/>
+            <a:ext cx="8382000" cy="5059363"/>
+          </a:xfrm>
+        </p:spPr>
+        <p:txBody>
+          <a:bodyPr/>
+          <a:lstStyle>
+            <a:lvl1pPr>
+              <a:buSzPct val="60000"/>
+              <a:buFontTx/>
+              <a:buBlip>
+                <a:blip r:embed="rId2"/>
+              </a:buBlip>
+              <a:defRPr/>
+            </a:lvl1pPr>
+            <a:lvl2pPr>
+              <a:buSzPct val="60000"/>
+              <a:buFontTx/>
+              <a:buBlip>
+                <a:blip r:embed="rId3"/>
+              </a:buBlip>
+              <a:defRPr/>
+            </a:lvl2pPr>
+          </a:lstStyle>
+          <a:p>
+            <a:pPr lvl="0"/>
+            <a:r>
+              <a:rPr lang="en-US" smtClean="0"/>
+              <a:t>Click to edit Master text styles</a:t>
+            </a:r>
+          </a:p>
+          <a:p>
+            <a:pPr lvl="1"/>
+            <a:r>
+              <a:rPr lang="en-US" smtClean="0"/>
+              <a:t>Second level</a:t>
+            </a:r>
+          </a:p>
+          <a:p>
+            <a:pPr lvl="2"/>
+            <a:r>
+              <a:rPr lang="en-US" smtClean="0"/>
+              <a:t>Third level</a:t>
+            </a:r>
+          </a:p>
+          <a:p>
+            <a:pPr lvl="3"/>
+            <a:r>
+              <a:rPr lang="en-US" smtClean="0"/>
+              <a:t>Fourth level</a:t>
+            </a:r>
+          </a:p>
+          <a:p>
+            <a:pPr lvl="4"/>
+            <a:r>
+              <a:rPr lang="en-US" smtClean="0"/>
+              <a:t>Fifth level</a:t>
+            </a:r>
+            <a:endParaRPr lang="en-US" dirty="0"/>
+          </a:p>
+        </p:txBody>
+      </p:sp>
+      <p:sp>
+        <p:nvSpPr>
           <p:cNvPr id="2" name="Title 1"/>
           <p:cNvSpPr>
             <a:spLocks noGrp="1"/>
@@ -2009,104 +2561,91 @@
             <p:ph type="title"/>
           </p:nvPr>
         </p:nvSpPr>
-        <p:spPr/>
-        <p:txBody>
-          <a:bodyPr/>
-          <a:lstStyle/>
+        <p:spPr>
+          <a:xfrm>
+            <a:off x="0" y="0"/>
+            <a:ext cx="8915400" cy="762000"/>
+          </a:xfrm>
+        </p:spPr>
+        <p:txBody>
+          <a:bodyPr/>
+          <a:lstStyle>
+            <a:lvl1pPr marL="182880" algn="l">
+              <a:defRPr baseline="0">
+                <a:solidFill>
+                  <a:schemeClr val="bg1"/>
+                </a:solidFill>
+              </a:defRPr>
+            </a:lvl1pPr>
+          </a:lstStyle>
           <a:p>
             <a:r>
               <a:rPr lang="en-US" smtClean="0"/>
               <a:t>Click to edit Master title style</a:t>
             </a:r>
-            <a:endParaRPr lang="en-US"/>
-          </a:p>
-        </p:txBody>
-      </p:sp>
-      <p:sp>
-        <p:nvSpPr>
-          <p:cNvPr id="3" name="Content Placeholder 2"/>
+            <a:endParaRPr lang="en-US" dirty="0"/>
+          </a:p>
+        </p:txBody>
+      </p:sp>
+      <p:sp>
+        <p:nvSpPr>
+          <p:cNvPr id="8" name="Date Placeholder 3"/>
           <p:cNvSpPr>
             <a:spLocks noGrp="1"/>
           </p:cNvSpPr>
           <p:nvPr>
-            <p:ph idx="1"/>
-          </p:nvPr>
-        </p:nvSpPr>
-        <p:spPr/>
-        <p:txBody>
-          <a:bodyPr/>
-          <a:lstStyle/>
-          <a:p>
-            <a:pPr lvl="0"/>
-            <a:r>
-              <a:rPr lang="en-US" smtClean="0"/>
-              <a:t>Click to edit Master text styles</a:t>
-            </a:r>
-          </a:p>
-          <a:p>
-            <a:pPr lvl="1"/>
-            <a:r>
-              <a:rPr lang="en-US" smtClean="0"/>
-              <a:t>Second level</a:t>
-            </a:r>
-          </a:p>
-          <a:p>
-            <a:pPr lvl="2"/>
-            <a:r>
-              <a:rPr lang="en-US" smtClean="0"/>
-              <a:t>Third level</a:t>
-            </a:r>
-          </a:p>
-          <a:p>
-            <a:pPr lvl="3"/>
-            <a:r>
-              <a:rPr lang="en-US" smtClean="0"/>
-              <a:t>Fourth level</a:t>
-            </a:r>
-          </a:p>
-          <a:p>
-            <a:pPr lvl="4"/>
-            <a:r>
-              <a:rPr lang="en-US" smtClean="0"/>
-              <a:t>Fifth level</a:t>
-            </a:r>
-            <a:endParaRPr lang="en-US"/>
-          </a:p>
-        </p:txBody>
-      </p:sp>
-      <p:sp>
-        <p:nvSpPr>
-          <p:cNvPr id="4" name="Date Placeholder 3"/>
+            <p:ph type="dt" sz="half" idx="10"/>
+          </p:nvPr>
+        </p:nvSpPr>
+        <p:spPr>
+          <a:xfrm>
+            <a:off x="0" y="6492875"/>
+            <a:ext cx="1071563" cy="365125"/>
+          </a:xfrm>
+        </p:spPr>
+        <p:txBody>
+          <a:bodyPr/>
+          <a:lstStyle>
+            <a:lvl1pPr>
+              <a:defRPr baseline="0" smtClean="0">
+                <a:solidFill>
+                  <a:schemeClr val="bg1"/>
+                </a:solidFill>
+              </a:defRPr>
+            </a:lvl1pPr>
+          </a:lstStyle>
+          <a:p>
+            <a:endParaRPr lang="en-US" altLang="en-US"/>
+          </a:p>
+        </p:txBody>
+      </p:sp>
+      <p:sp>
+        <p:nvSpPr>
+          <p:cNvPr id="9" name="Footer Placeholder 4"/>
           <p:cNvSpPr>
             <a:spLocks noGrp="1"/>
           </p:cNvSpPr>
           <p:nvPr>
-            <p:ph type="dt" sz="half" idx="10"/>
-          </p:nvPr>
-        </p:nvSpPr>
-        <p:spPr/>
-        <p:txBody>
-          <a:bodyPr/>
-          <a:lstStyle/>
-          <a:p>
-            <a:endParaRPr lang="en-US" altLang="en-US"/>
-          </a:p>
-        </p:txBody>
-      </p:sp>
-      <p:sp>
-        <p:nvSpPr>
-          <p:cNvPr id="5" name="Footer Placeholder 4"/>
-          <p:cNvSpPr>
-            <a:spLocks noGrp="1"/>
-          </p:cNvSpPr>
-          <p:nvPr>
             <p:ph type="ftr" sz="quarter" idx="11"/>
           </p:nvPr>
         </p:nvSpPr>
-        <p:spPr/>
-        <p:txBody>
-          <a:bodyPr/>
-          <a:lstStyle/>
+        <p:spPr>
+          <a:xfrm>
+            <a:off x="4572000" y="6492875"/>
+            <a:ext cx="3505200" cy="365125"/>
+          </a:xfrm>
+        </p:spPr>
+        <p:txBody>
+          <a:bodyPr/>
+          <a:lstStyle>
+            <a:lvl1pPr algn="l">
+              <a:defRPr baseline="0">
+                <a:solidFill>
+                  <a:schemeClr val="bg1"/>
+                </a:solidFill>
+              </a:defRPr>
+            </a:lvl1pPr>
+          </a:lstStyle>
           <a:p>
             <a:r>
               <a:rPr lang="en-US" altLang="en-US" smtClean="0"/>
@@ -2118,7 +2657,7 @@
       </p:sp>
       <p:sp>
         <p:nvSpPr>
-          <p:cNvPr id="6" name="Slide Number Placeholder 5"/>
+          <p:cNvPr id="10" name="Slide Number Placeholder 5"/>
           <p:cNvSpPr>
             <a:spLocks noGrp="1"/>
           </p:cNvSpPr>
@@ -2126,10 +2665,23 @@
             <p:ph type="sldNum" sz="quarter" idx="12"/>
           </p:nvPr>
         </p:nvSpPr>
-        <p:spPr/>
-        <p:txBody>
-          <a:bodyPr/>
-          <a:lstStyle/>
+        <p:spPr>
+          <a:xfrm>
+            <a:off x="8077200" y="6492875"/>
+            <a:ext cx="1066800" cy="365125"/>
+          </a:xfrm>
+        </p:spPr>
+        <p:txBody>
+          <a:bodyPr/>
+          <a:lstStyle>
+            <a:lvl1pPr>
+              <a:defRPr baseline="0">
+                <a:solidFill>
+                  <a:schemeClr val="bg1"/>
+                </a:solidFill>
+              </a:defRPr>
+            </a:lvl1pPr>
+          </a:lstStyle>
           <a:p>
             <a:r>
               <a:rPr lang="en-US" altLang="en-US" smtClean="0"/>
@@ -2147,7 +2699,7 @@
     </p:spTree>
     <p:extLst>
       <p:ext uri="{BB962C8B-B14F-4D97-AF65-F5344CB8AC3E}">
-        <p14:creationId xmlns:p14="http://schemas.microsoft.com/office/powerpoint/2010/main" val="1480661529"/>
+        <p14:creationId xmlns:p14="http://schemas.microsoft.com/office/powerpoint/2010/main" val="2002451064"/>
       </p:ext>
     </p:extLst>
   </p:cSld>
@@ -2338,7 +2890,11 @@
         <p:spPr/>
         <p:txBody>
           <a:bodyPr/>
-          <a:lstStyle/>
+          <a:lstStyle>
+            <a:lvl1pPr>
+              <a:defRPr/>
+            </a:lvl1pPr>
+          </a:lstStyle>
           <a:p>
             <a:endParaRPr lang="en-US" altLang="en-US"/>
           </a:p>
@@ -2357,7 +2913,11 @@
         <p:spPr/>
         <p:txBody>
           <a:bodyPr/>
-          <a:lstStyle/>
+          <a:lstStyle>
+            <a:lvl1pPr>
+              <a:defRPr/>
+            </a:lvl1pPr>
+          </a:lstStyle>
           <a:p>
             <a:r>
               <a:rPr lang="en-US" altLang="en-US" smtClean="0"/>
@@ -2380,7 +2940,11 @@
         <p:spPr/>
         <p:txBody>
           <a:bodyPr/>
-          <a:lstStyle/>
+          <a:lstStyle>
+            <a:lvl1pPr>
+              <a:defRPr/>
+            </a:lvl1pPr>
+          </a:lstStyle>
           <a:p>
             <a:r>
               <a:rPr lang="en-US" altLang="en-US" smtClean="0"/>
@@ -2398,7 +2962,7 @@
     </p:spTree>
     <p:extLst>
       <p:ext uri="{BB962C8B-B14F-4D97-AF65-F5344CB8AC3E}">
-        <p14:creationId xmlns:p14="http://schemas.microsoft.com/office/powerpoint/2010/main" val="3724975347"/>
+        <p14:creationId xmlns:p14="http://schemas.microsoft.com/office/powerpoint/2010/main" val="3502128047"/>
       </p:ext>
     </p:extLst>
   </p:cSld>
@@ -2409,7 +2973,7 @@
 </file>
 
 <file path=ppt/slideLayouts/slideLayout4.xml><?xml version="1.0" encoding="utf-8"?>
-<p:sldLayout xmlns:a="http://schemas.openxmlformats.org/drawingml/2006/main" xmlns:r="http://schemas.openxmlformats.org/officeDocument/2006/relationships" xmlns:p="http://schemas.openxmlformats.org/presentationml/2006/main" type="twoObj" preserve="1">
+<p:sldLayout xmlns:a="http://schemas.openxmlformats.org/drawingml/2006/main" xmlns:r="http://schemas.openxmlformats.org/officeDocument/2006/relationships" xmlns:p="http://schemas.openxmlformats.org/presentationml/2006/main" preserve="1">
   <p:cSld name="Two Content">
     <p:spTree>
       <p:nvGrpSpPr>
@@ -2427,50 +2991,272 @@
       </p:grpSpPr>
       <p:sp>
         <p:nvSpPr>
-          <p:cNvPr id="2" name="Title 1"/>
-          <p:cNvSpPr>
-            <a:spLocks noGrp="1"/>
-          </p:cNvSpPr>
-          <p:nvPr>
-            <p:ph type="title"/>
-          </p:nvPr>
-        </p:nvSpPr>
-        <p:spPr/>
-        <p:txBody>
-          <a:bodyPr/>
-          <a:lstStyle/>
-          <a:p>
-            <a:r>
-              <a:rPr lang="en-US" smtClean="0"/>
-              <a:t>Click to edit Master title style</a:t>
-            </a:r>
-            <a:endParaRPr lang="en-US"/>
-          </a:p>
-        </p:txBody>
-      </p:sp>
-      <p:sp>
-        <p:nvSpPr>
-          <p:cNvPr id="3" name="Content Placeholder 2"/>
-          <p:cNvSpPr>
-            <a:spLocks noGrp="1"/>
-          </p:cNvSpPr>
-          <p:nvPr>
-            <p:ph sz="half" idx="1"/>
-          </p:nvPr>
+          <p:cNvPr id="5" name="Rectangle 4"/>
+          <p:cNvSpPr/>
+          <p:nvPr/>
         </p:nvSpPr>
         <p:spPr>
           <a:xfrm>
-            <a:off x="457200" y="1600200"/>
-            <a:ext cx="4038600" cy="4525963"/>
+            <a:off x="4572000" y="6477000"/>
+            <a:ext cx="4572000" cy="381000"/>
+          </a:xfrm>
+          <a:prstGeom prst="rect">
+            <a:avLst/>
+          </a:prstGeom>
+          <a:solidFill>
+            <a:srgbClr val="3333B2"/>
+          </a:solidFill>
+          <a:ln>
+            <a:noFill/>
+          </a:ln>
+        </p:spPr>
+        <p:style>
+          <a:lnRef idx="2">
+            <a:schemeClr val="accent1">
+              <a:shade val="50000"/>
+            </a:schemeClr>
+          </a:lnRef>
+          <a:fillRef idx="1">
+            <a:schemeClr val="accent1"/>
+          </a:fillRef>
+          <a:effectRef idx="0">
+            <a:schemeClr val="accent1"/>
+          </a:effectRef>
+          <a:fontRef idx="minor">
+            <a:schemeClr val="lt1"/>
+          </a:fontRef>
+        </p:style>
+        <p:txBody>
+          <a:bodyPr anchor="ctr"/>
+          <a:lstStyle/>
+          <a:p>
+            <a:pPr algn="ctr" fontAlgn="auto">
+              <a:spcBef>
+                <a:spcPts val="0"/>
+              </a:spcBef>
+              <a:spcAft>
+                <a:spcPts val="0"/>
+              </a:spcAft>
+              <a:defRPr/>
+            </a:pPr>
+            <a:endParaRPr lang="en-US">
+              <a:solidFill>
+                <a:schemeClr val="bg1"/>
+              </a:solidFill>
+            </a:endParaRPr>
+          </a:p>
+        </p:txBody>
+      </p:sp>
+      <p:sp>
+        <p:nvSpPr>
+          <p:cNvPr id="6" name="Rectangle 5"/>
+          <p:cNvSpPr/>
+          <p:nvPr/>
+        </p:nvSpPr>
+        <p:spPr>
+          <a:xfrm>
+            <a:off x="0" y="6477000"/>
+            <a:ext cx="4572000" cy="381000"/>
+          </a:xfrm>
+          <a:prstGeom prst="rect">
+            <a:avLst/>
+          </a:prstGeom>
+          <a:solidFill>
+            <a:schemeClr val="tx1"/>
+          </a:solidFill>
+          <a:ln>
+            <a:noFill/>
+          </a:ln>
+        </p:spPr>
+        <p:style>
+          <a:lnRef idx="2">
+            <a:schemeClr val="accent1">
+              <a:shade val="50000"/>
+            </a:schemeClr>
+          </a:lnRef>
+          <a:fillRef idx="1">
+            <a:schemeClr val="accent1"/>
+          </a:fillRef>
+          <a:effectRef idx="0">
+            <a:schemeClr val="accent1"/>
+          </a:effectRef>
+          <a:fontRef idx="minor">
+            <a:schemeClr val="lt1"/>
+          </a:fontRef>
+        </p:style>
+        <p:txBody>
+          <a:bodyPr anchor="ctr"/>
+          <a:lstStyle/>
+          <a:p>
+            <a:pPr algn="ctr" fontAlgn="auto">
+              <a:spcBef>
+                <a:spcPts val="0"/>
+              </a:spcBef>
+              <a:spcAft>
+                <a:spcPts val="0"/>
+              </a:spcAft>
+              <a:defRPr/>
+            </a:pPr>
+            <a:endParaRPr lang="en-US">
+              <a:solidFill>
+                <a:schemeClr val="bg1"/>
+              </a:solidFill>
+            </a:endParaRPr>
+          </a:p>
+        </p:txBody>
+      </p:sp>
+      <p:sp>
+        <p:nvSpPr>
+          <p:cNvPr id="7" name="Rectangle 6"/>
+          <p:cNvSpPr/>
+          <p:nvPr/>
+        </p:nvSpPr>
+        <p:spPr>
+          <a:xfrm>
+            <a:off x="0" y="0"/>
+            <a:ext cx="9144000" cy="762000"/>
+          </a:xfrm>
+          <a:prstGeom prst="rect">
+            <a:avLst/>
+          </a:prstGeom>
+          <a:gradFill flip="none" rotWithShape="1">
+            <a:gsLst>
+              <a:gs pos="0">
+                <a:schemeClr val="tx1"/>
+              </a:gs>
+              <a:gs pos="100000">
+                <a:srgbClr val="3333B2"/>
+              </a:gs>
+            </a:gsLst>
+            <a:lin ang="10800000" scaled="1"/>
+            <a:tileRect/>
+          </a:gradFill>
+          <a:ln>
+            <a:noFill/>
+          </a:ln>
+          <a:effectLst>
+            <a:outerShdw blurRad="50800" dist="88900" dir="5400000" algn="tl" rotWithShape="0">
+              <a:prstClr val="black">
+                <a:alpha val="40000"/>
+              </a:prstClr>
+            </a:outerShdw>
+          </a:effectLst>
+        </p:spPr>
+        <p:style>
+          <a:lnRef idx="2">
+            <a:schemeClr val="accent1">
+              <a:shade val="50000"/>
+            </a:schemeClr>
+          </a:lnRef>
+          <a:fillRef idx="1">
+            <a:schemeClr val="accent1"/>
+          </a:fillRef>
+          <a:effectRef idx="0">
+            <a:schemeClr val="accent1"/>
+          </a:effectRef>
+          <a:fontRef idx="minor">
+            <a:schemeClr val="lt1"/>
+          </a:fontRef>
+        </p:style>
+        <p:txBody>
+          <a:bodyPr anchor="ctr"/>
+          <a:lstStyle/>
+          <a:p>
+            <a:pPr algn="ctr" fontAlgn="auto">
+              <a:spcBef>
+                <a:spcPts val="0"/>
+              </a:spcBef>
+              <a:spcAft>
+                <a:spcPts val="0"/>
+              </a:spcAft>
+              <a:defRPr/>
+            </a:pPr>
+            <a:endParaRPr lang="en-US"/>
+          </a:p>
+        </p:txBody>
+      </p:sp>
+      <p:sp>
+        <p:nvSpPr>
+          <p:cNvPr id="8" name="TextBox 7"/>
+          <p:cNvSpPr txBox="1"/>
+          <p:nvPr/>
+        </p:nvSpPr>
+        <p:spPr>
+          <a:xfrm>
+            <a:off x="1071563" y="6488113"/>
+            <a:ext cx="3500437" cy="369887"/>
+          </a:xfrm>
+          <a:prstGeom prst="rect">
+            <a:avLst/>
+          </a:prstGeom>
+          <a:noFill/>
+        </p:spPr>
+        <p:txBody>
+          <a:bodyPr anchor="ctr"/>
+          <a:lstStyle/>
+          <a:p>
+            <a:pPr algn="r" fontAlgn="auto">
+              <a:spcBef>
+                <a:spcPts val="0"/>
+              </a:spcBef>
+              <a:spcAft>
+                <a:spcPts val="0"/>
+              </a:spcAft>
+              <a:defRPr/>
+            </a:pPr>
+            <a:r>
+              <a:rPr lang="en-US" sz="1200" dirty="0" smtClean="0">
+                <a:solidFill>
+                  <a:schemeClr val="bg1"/>
+                </a:solidFill>
+                <a:latin typeface="+mn-lt"/>
+                <a:cs typeface="+mn-cs"/>
+              </a:rPr>
+              <a:t>Juergen Jung – Towson University</a:t>
+            </a:r>
+            <a:endParaRPr lang="en-US" sz="1200" dirty="0">
+              <a:solidFill>
+                <a:schemeClr val="bg1"/>
+              </a:solidFill>
+              <a:latin typeface="+mn-lt"/>
+              <a:cs typeface="+mn-cs"/>
+            </a:endParaRPr>
+          </a:p>
+        </p:txBody>
+      </p:sp>
+      <p:sp>
+        <p:nvSpPr>
+          <p:cNvPr id="3" name="Content Placeholder 2"/>
+          <p:cNvSpPr>
+            <a:spLocks noGrp="1"/>
+          </p:cNvSpPr>
+          <p:nvPr>
+            <p:ph sz="half" idx="1"/>
+          </p:nvPr>
+        </p:nvSpPr>
+        <p:spPr>
+          <a:xfrm>
+            <a:off x="228600" y="1066800"/>
+            <a:ext cx="4267200" cy="5059363"/>
           </a:xfrm>
         </p:spPr>
         <p:txBody>
           <a:bodyPr/>
           <a:lstStyle>
             <a:lvl1pPr>
+              <a:buSzPct val="60000"/>
+              <a:buFontTx/>
+              <a:buBlip>
+                <a:blip r:embed="rId2"/>
+              </a:buBlip>
               <a:defRPr sz="2800"/>
             </a:lvl1pPr>
             <a:lvl2pPr>
+              <a:buSzPct val="60000"/>
+              <a:buFontTx/>
+              <a:buBlip>
+                <a:blip r:embed="rId2"/>
+              </a:buBlip>
               <a:defRPr sz="2400"/>
             </a:lvl2pPr>
             <a:lvl3pPr>
@@ -2529,7 +3315,7 @@
               <a:rPr lang="en-US" smtClean="0"/>
               <a:t>Fifth level</a:t>
             </a:r>
-            <a:endParaRPr lang="en-US"/>
+            <a:endParaRPr lang="en-US" dirty="0"/>
           </a:p>
         </p:txBody>
       </p:sp>
@@ -2545,17 +3331,27 @@
         </p:nvSpPr>
         <p:spPr>
           <a:xfrm>
-            <a:off x="4648200" y="1600200"/>
-            <a:ext cx="4038600" cy="4525963"/>
+            <a:off x="4648200" y="1066800"/>
+            <a:ext cx="4267200" cy="5059363"/>
           </a:xfrm>
         </p:spPr>
         <p:txBody>
           <a:bodyPr/>
           <a:lstStyle>
             <a:lvl1pPr>
+              <a:buSzPct val="60000"/>
+              <a:buFontTx/>
+              <a:buBlip>
+                <a:blip r:embed="rId2"/>
+              </a:buBlip>
               <a:defRPr sz="2800"/>
             </a:lvl1pPr>
             <a:lvl2pPr>
+              <a:buSzPct val="60000"/>
+              <a:buFontTx/>
+              <a:buBlip>
+                <a:blip r:embed="rId2"/>
+              </a:buBlip>
               <a:defRPr sz="2400"/>
             </a:lvl2pPr>
             <a:lvl3pPr>
@@ -2614,13 +3410,49 @@
               <a:rPr lang="en-US" smtClean="0"/>
               <a:t>Fifth level</a:t>
             </a:r>
+            <a:endParaRPr lang="en-US" dirty="0"/>
+          </a:p>
+        </p:txBody>
+      </p:sp>
+      <p:sp>
+        <p:nvSpPr>
+          <p:cNvPr id="2" name="Title 1"/>
+          <p:cNvSpPr>
+            <a:spLocks noGrp="1"/>
+          </p:cNvSpPr>
+          <p:nvPr>
+            <p:ph type="title"/>
+          </p:nvPr>
+        </p:nvSpPr>
+        <p:spPr>
+          <a:xfrm>
+            <a:off x="0" y="0"/>
+            <a:ext cx="8839200" cy="762000"/>
+          </a:xfrm>
+        </p:spPr>
+        <p:txBody>
+          <a:bodyPr/>
+          <a:lstStyle>
+            <a:lvl1pPr marL="182880" algn="l">
+              <a:defRPr baseline="0">
+                <a:solidFill>
+                  <a:schemeClr val="bg1"/>
+                </a:solidFill>
+              </a:defRPr>
+            </a:lvl1pPr>
+          </a:lstStyle>
+          <a:p>
+            <a:r>
+              <a:rPr lang="en-US" smtClean="0"/>
+              <a:t>Click to edit Master title style</a:t>
+            </a:r>
             <a:endParaRPr lang="en-US"/>
           </a:p>
         </p:txBody>
       </p:sp>
       <p:sp>
         <p:nvSpPr>
-          <p:cNvPr id="5" name="Date Placeholder 4"/>
+          <p:cNvPr id="9" name="Date Placeholder 4"/>
           <p:cNvSpPr>
             <a:spLocks noGrp="1"/>
           </p:cNvSpPr>
@@ -2628,10 +3460,23 @@
             <p:ph type="dt" sz="half" idx="10"/>
           </p:nvPr>
         </p:nvSpPr>
-        <p:spPr/>
-        <p:txBody>
-          <a:bodyPr/>
-          <a:lstStyle/>
+        <p:spPr>
+          <a:xfrm>
+            <a:off x="0" y="6492875"/>
+            <a:ext cx="1066800" cy="365125"/>
+          </a:xfrm>
+        </p:spPr>
+        <p:txBody>
+          <a:bodyPr/>
+          <a:lstStyle>
+            <a:lvl1pPr>
+              <a:defRPr baseline="0" smtClean="0">
+                <a:solidFill>
+                  <a:schemeClr val="bg1"/>
+                </a:solidFill>
+              </a:defRPr>
+            </a:lvl1pPr>
+          </a:lstStyle>
           <a:p>
             <a:endParaRPr lang="en-US" altLang="en-US"/>
           </a:p>
@@ -2639,7 +3484,7 @@
       </p:sp>
       <p:sp>
         <p:nvSpPr>
-          <p:cNvPr id="6" name="Footer Placeholder 5"/>
+          <p:cNvPr id="10" name="Footer Placeholder 5"/>
           <p:cNvSpPr>
             <a:spLocks noGrp="1"/>
           </p:cNvSpPr>
@@ -2647,10 +3492,23 @@
             <p:ph type="ftr" sz="quarter" idx="11"/>
           </p:nvPr>
         </p:nvSpPr>
-        <p:spPr/>
-        <p:txBody>
-          <a:bodyPr/>
-          <a:lstStyle/>
+        <p:spPr>
+          <a:xfrm>
+            <a:off x="4572000" y="6492875"/>
+            <a:ext cx="3505200" cy="365125"/>
+          </a:xfrm>
+        </p:spPr>
+        <p:txBody>
+          <a:bodyPr/>
+          <a:lstStyle>
+            <a:lvl1pPr algn="l">
+              <a:defRPr baseline="0">
+                <a:solidFill>
+                  <a:schemeClr val="bg1"/>
+                </a:solidFill>
+              </a:defRPr>
+            </a:lvl1pPr>
+          </a:lstStyle>
           <a:p>
             <a:r>
               <a:rPr lang="en-US" altLang="en-US" smtClean="0"/>
@@ -2662,7 +3520,7 @@
       </p:sp>
       <p:sp>
         <p:nvSpPr>
-          <p:cNvPr id="7" name="Slide Number Placeholder 6"/>
+          <p:cNvPr id="11" name="Slide Number Placeholder 6"/>
           <p:cNvSpPr>
             <a:spLocks noGrp="1"/>
           </p:cNvSpPr>
@@ -2670,10 +3528,23 @@
             <p:ph type="sldNum" sz="quarter" idx="12"/>
           </p:nvPr>
         </p:nvSpPr>
-        <p:spPr/>
-        <p:txBody>
-          <a:bodyPr/>
-          <a:lstStyle/>
+        <p:spPr>
+          <a:xfrm>
+            <a:off x="8077200" y="6492875"/>
+            <a:ext cx="1066800" cy="365125"/>
+          </a:xfrm>
+        </p:spPr>
+        <p:txBody>
+          <a:bodyPr/>
+          <a:lstStyle>
+            <a:lvl1pPr>
+              <a:defRPr baseline="0">
+                <a:solidFill>
+                  <a:schemeClr val="bg1"/>
+                </a:solidFill>
+              </a:defRPr>
+            </a:lvl1pPr>
+          </a:lstStyle>
           <a:p>
             <a:r>
               <a:rPr lang="en-US" altLang="en-US" smtClean="0"/>
@@ -2691,7 +3562,7 @@
     </p:spTree>
     <p:extLst>
       <p:ext uri="{BB962C8B-B14F-4D97-AF65-F5344CB8AC3E}">
-        <p14:creationId xmlns:p14="http://schemas.microsoft.com/office/powerpoint/2010/main" val="1154724052"/>
+        <p14:creationId xmlns:p14="http://schemas.microsoft.com/office/powerpoint/2010/main" val="3939613298"/>
       </p:ext>
     </p:extLst>
   </p:cSld>
@@ -2702,7 +3573,7 @@
 </file>
 
 <file path=ppt/slideLayouts/slideLayout5.xml><?xml version="1.0" encoding="utf-8"?>
-<p:sldLayout xmlns:a="http://schemas.openxmlformats.org/drawingml/2006/main" xmlns:r="http://schemas.openxmlformats.org/officeDocument/2006/relationships" xmlns:p="http://schemas.openxmlformats.org/presentationml/2006/main" type="twoTxTwoObj" preserve="1">
+<p:sldLayout xmlns:a="http://schemas.openxmlformats.org/drawingml/2006/main" xmlns:r="http://schemas.openxmlformats.org/officeDocument/2006/relationships" xmlns:p="http://schemas.openxmlformats.org/presentationml/2006/main" preserve="1">
   <p:cSld name="Comparison">
     <p:spTree>
       <p:nvGrpSpPr>
@@ -2720,44 +3591,252 @@
       </p:grpSpPr>
       <p:sp>
         <p:nvSpPr>
-          <p:cNvPr id="2" name="Title 1"/>
-          <p:cNvSpPr>
-            <a:spLocks noGrp="1"/>
-          </p:cNvSpPr>
-          <p:nvPr>
-            <p:ph type="title"/>
-          </p:nvPr>
-        </p:nvSpPr>
-        <p:spPr/>
-        <p:txBody>
-          <a:bodyPr/>
-          <a:lstStyle>
-            <a:lvl1pPr>
-              <a:defRPr/>
-            </a:lvl1pPr>
-          </a:lstStyle>
-          <a:p>
-            <a:r>
-              <a:rPr lang="en-US" smtClean="0"/>
-              <a:t>Click to edit Master title style</a:t>
-            </a:r>
-            <a:endParaRPr lang="en-US"/>
-          </a:p>
-        </p:txBody>
-      </p:sp>
-      <p:sp>
-        <p:nvSpPr>
-          <p:cNvPr id="3" name="Text Placeholder 2"/>
-          <p:cNvSpPr>
-            <a:spLocks noGrp="1"/>
-          </p:cNvSpPr>
-          <p:nvPr>
-            <p:ph type="body" idx="1"/>
-          </p:nvPr>
+          <p:cNvPr id="7" name="Rectangle 6"/>
+          <p:cNvSpPr/>
+          <p:nvPr/>
         </p:nvSpPr>
         <p:spPr>
           <a:xfrm>
-            <a:off x="457200" y="1535113"/>
+            <a:off x="4572000" y="6477000"/>
+            <a:ext cx="4572000" cy="381000"/>
+          </a:xfrm>
+          <a:prstGeom prst="rect">
+            <a:avLst/>
+          </a:prstGeom>
+          <a:solidFill>
+            <a:srgbClr val="3333B2"/>
+          </a:solidFill>
+          <a:ln>
+            <a:noFill/>
+          </a:ln>
+        </p:spPr>
+        <p:style>
+          <a:lnRef idx="2">
+            <a:schemeClr val="accent1">
+              <a:shade val="50000"/>
+            </a:schemeClr>
+          </a:lnRef>
+          <a:fillRef idx="1">
+            <a:schemeClr val="accent1"/>
+          </a:fillRef>
+          <a:effectRef idx="0">
+            <a:schemeClr val="accent1"/>
+          </a:effectRef>
+          <a:fontRef idx="minor">
+            <a:schemeClr val="lt1"/>
+          </a:fontRef>
+        </p:style>
+        <p:txBody>
+          <a:bodyPr anchor="ctr"/>
+          <a:lstStyle/>
+          <a:p>
+            <a:pPr algn="ctr" fontAlgn="auto">
+              <a:spcBef>
+                <a:spcPts val="0"/>
+              </a:spcBef>
+              <a:spcAft>
+                <a:spcPts val="0"/>
+              </a:spcAft>
+              <a:defRPr/>
+            </a:pPr>
+            <a:endParaRPr lang="en-US">
+              <a:solidFill>
+                <a:schemeClr val="bg1"/>
+              </a:solidFill>
+            </a:endParaRPr>
+          </a:p>
+        </p:txBody>
+      </p:sp>
+      <p:sp>
+        <p:nvSpPr>
+          <p:cNvPr id="8" name="Rectangle 7"/>
+          <p:cNvSpPr/>
+          <p:nvPr/>
+        </p:nvSpPr>
+        <p:spPr>
+          <a:xfrm>
+            <a:off x="0" y="6477000"/>
+            <a:ext cx="4572000" cy="381000"/>
+          </a:xfrm>
+          <a:prstGeom prst="rect">
+            <a:avLst/>
+          </a:prstGeom>
+          <a:solidFill>
+            <a:schemeClr val="tx1"/>
+          </a:solidFill>
+          <a:ln>
+            <a:noFill/>
+          </a:ln>
+        </p:spPr>
+        <p:style>
+          <a:lnRef idx="2">
+            <a:schemeClr val="accent1">
+              <a:shade val="50000"/>
+            </a:schemeClr>
+          </a:lnRef>
+          <a:fillRef idx="1">
+            <a:schemeClr val="accent1"/>
+          </a:fillRef>
+          <a:effectRef idx="0">
+            <a:schemeClr val="accent1"/>
+          </a:effectRef>
+          <a:fontRef idx="minor">
+            <a:schemeClr val="lt1"/>
+          </a:fontRef>
+        </p:style>
+        <p:txBody>
+          <a:bodyPr anchor="ctr"/>
+          <a:lstStyle/>
+          <a:p>
+            <a:pPr algn="ctr" fontAlgn="auto">
+              <a:spcBef>
+                <a:spcPts val="0"/>
+              </a:spcBef>
+              <a:spcAft>
+                <a:spcPts val="0"/>
+              </a:spcAft>
+              <a:defRPr/>
+            </a:pPr>
+            <a:endParaRPr lang="en-US">
+              <a:solidFill>
+                <a:schemeClr val="bg1"/>
+              </a:solidFill>
+            </a:endParaRPr>
+          </a:p>
+        </p:txBody>
+      </p:sp>
+      <p:sp>
+        <p:nvSpPr>
+          <p:cNvPr id="9" name="Rectangle 8"/>
+          <p:cNvSpPr/>
+          <p:nvPr/>
+        </p:nvSpPr>
+        <p:spPr>
+          <a:xfrm>
+            <a:off x="0" y="0"/>
+            <a:ext cx="9144000" cy="762000"/>
+          </a:xfrm>
+          <a:prstGeom prst="rect">
+            <a:avLst/>
+          </a:prstGeom>
+          <a:gradFill flip="none" rotWithShape="1">
+            <a:gsLst>
+              <a:gs pos="0">
+                <a:schemeClr val="tx1"/>
+              </a:gs>
+              <a:gs pos="100000">
+                <a:srgbClr val="3333B2"/>
+              </a:gs>
+            </a:gsLst>
+            <a:lin ang="10800000" scaled="1"/>
+            <a:tileRect/>
+          </a:gradFill>
+          <a:ln>
+            <a:noFill/>
+          </a:ln>
+          <a:effectLst>
+            <a:outerShdw blurRad="50800" dist="88900" dir="5400000" algn="tl" rotWithShape="0">
+              <a:prstClr val="black">
+                <a:alpha val="40000"/>
+              </a:prstClr>
+            </a:outerShdw>
+          </a:effectLst>
+        </p:spPr>
+        <p:style>
+          <a:lnRef idx="2">
+            <a:schemeClr val="accent1">
+              <a:shade val="50000"/>
+            </a:schemeClr>
+          </a:lnRef>
+          <a:fillRef idx="1">
+            <a:schemeClr val="accent1"/>
+          </a:fillRef>
+          <a:effectRef idx="0">
+            <a:schemeClr val="accent1"/>
+          </a:effectRef>
+          <a:fontRef idx="minor">
+            <a:schemeClr val="lt1"/>
+          </a:fontRef>
+        </p:style>
+        <p:txBody>
+          <a:bodyPr anchor="ctr"/>
+          <a:lstStyle/>
+          <a:p>
+            <a:pPr algn="ctr" fontAlgn="auto">
+              <a:spcBef>
+                <a:spcPts val="0"/>
+              </a:spcBef>
+              <a:spcAft>
+                <a:spcPts val="0"/>
+              </a:spcAft>
+              <a:defRPr/>
+            </a:pPr>
+            <a:endParaRPr lang="en-US"/>
+          </a:p>
+        </p:txBody>
+      </p:sp>
+      <p:sp>
+        <p:nvSpPr>
+          <p:cNvPr id="10" name="TextBox 9"/>
+          <p:cNvSpPr txBox="1"/>
+          <p:nvPr/>
+        </p:nvSpPr>
+        <p:spPr>
+          <a:xfrm>
+            <a:off x="1071563" y="6488113"/>
+            <a:ext cx="3500437" cy="369887"/>
+          </a:xfrm>
+          <a:prstGeom prst="rect">
+            <a:avLst/>
+          </a:prstGeom>
+          <a:noFill/>
+        </p:spPr>
+        <p:txBody>
+          <a:bodyPr anchor="ctr"/>
+          <a:lstStyle/>
+          <a:p>
+            <a:pPr algn="r" fontAlgn="auto">
+              <a:spcBef>
+                <a:spcPts val="0"/>
+              </a:spcBef>
+              <a:spcAft>
+                <a:spcPts val="0"/>
+              </a:spcAft>
+              <a:defRPr/>
+            </a:pPr>
+            <a:r>
+              <a:rPr lang="en-US" sz="1200" dirty="0" smtClean="0">
+                <a:solidFill>
+                  <a:schemeClr val="bg1"/>
+                </a:solidFill>
+                <a:latin typeface="+mn-lt"/>
+                <a:cs typeface="+mn-cs"/>
+              </a:rPr>
+              <a:t>Juergen Jung – Towson University</a:t>
+            </a:r>
+            <a:endParaRPr lang="en-US" sz="1200" dirty="0">
+              <a:solidFill>
+                <a:schemeClr val="bg1"/>
+              </a:solidFill>
+              <a:latin typeface="+mn-lt"/>
+              <a:cs typeface="+mn-cs"/>
+            </a:endParaRPr>
+          </a:p>
+        </p:txBody>
+      </p:sp>
+      <p:sp>
+        <p:nvSpPr>
+          <p:cNvPr id="3" name="Text Placeholder 2"/>
+          <p:cNvSpPr>
+            <a:spLocks noGrp="1"/>
+          </p:cNvSpPr>
+          <p:nvPr>
+            <p:ph type="body" idx="1"/>
+          </p:nvPr>
+        </p:nvSpPr>
+        <p:spPr>
+          <a:xfrm>
+            <a:off x="457200" y="990600"/>
             <a:ext cx="4040188" cy="639762"/>
           </a:xfrm>
         </p:spPr>
@@ -2822,17 +3901,27 @@
         </p:nvSpPr>
         <p:spPr>
           <a:xfrm>
-            <a:off x="457200" y="2174875"/>
-            <a:ext cx="4040188" cy="3951288"/>
+            <a:off x="457200" y="1676400"/>
+            <a:ext cx="4040188" cy="4449763"/>
           </a:xfrm>
         </p:spPr>
         <p:txBody>
           <a:bodyPr/>
           <a:lstStyle>
             <a:lvl1pPr>
+              <a:buSzPct val="60000"/>
+              <a:buFontTx/>
+              <a:buBlip>
+                <a:blip r:embed="rId2"/>
+              </a:buBlip>
               <a:defRPr sz="2400"/>
             </a:lvl1pPr>
             <a:lvl2pPr>
+              <a:buSzPct val="60000"/>
+              <a:buFontTx/>
+              <a:buBlip>
+                <a:blip r:embed="rId2"/>
+              </a:buBlip>
               <a:defRPr sz="2000"/>
             </a:lvl2pPr>
             <a:lvl3pPr>
@@ -2891,7 +3980,7 @@
               <a:rPr lang="en-US" smtClean="0"/>
               <a:t>Fifth level</a:t>
             </a:r>
-            <a:endParaRPr lang="en-US"/>
+            <a:endParaRPr lang="en-US" dirty="0"/>
           </a:p>
         </p:txBody>
       </p:sp>
@@ -2907,7 +3996,7 @@
         </p:nvSpPr>
         <p:spPr>
           <a:xfrm>
-            <a:off x="4645025" y="1535113"/>
+            <a:off x="4645025" y="990600"/>
             <a:ext cx="4041775" cy="639762"/>
           </a:xfrm>
         </p:spPr>
@@ -2972,17 +4061,27 @@
         </p:nvSpPr>
         <p:spPr>
           <a:xfrm>
-            <a:off x="4645025" y="2174875"/>
-            <a:ext cx="4041775" cy="3951288"/>
+            <a:off x="4645025" y="1676400"/>
+            <a:ext cx="4041775" cy="4449763"/>
           </a:xfrm>
         </p:spPr>
         <p:txBody>
           <a:bodyPr/>
           <a:lstStyle>
             <a:lvl1pPr>
+              <a:buSzPct val="60000"/>
+              <a:buFontTx/>
+              <a:buBlip>
+                <a:blip r:embed="rId2"/>
+              </a:buBlip>
               <a:defRPr sz="2400"/>
             </a:lvl1pPr>
             <a:lvl2pPr>
+              <a:buSzPct val="60000"/>
+              <a:buFontTx/>
+              <a:buBlip>
+                <a:blip r:embed="rId2"/>
+              </a:buBlip>
               <a:defRPr sz="2000"/>
             </a:lvl2pPr>
             <a:lvl3pPr>
@@ -3041,13 +4140,49 @@
               <a:rPr lang="en-US" smtClean="0"/>
               <a:t>Fifth level</a:t>
             </a:r>
+            <a:endParaRPr lang="en-US" dirty="0"/>
+          </a:p>
+        </p:txBody>
+      </p:sp>
+      <p:sp>
+        <p:nvSpPr>
+          <p:cNvPr id="2" name="Title 1"/>
+          <p:cNvSpPr>
+            <a:spLocks noGrp="1"/>
+          </p:cNvSpPr>
+          <p:nvPr>
+            <p:ph type="title"/>
+          </p:nvPr>
+        </p:nvSpPr>
+        <p:spPr>
+          <a:xfrm>
+            <a:off x="0" y="0"/>
+            <a:ext cx="8839200" cy="762000"/>
+          </a:xfrm>
+        </p:spPr>
+        <p:txBody>
+          <a:bodyPr/>
+          <a:lstStyle>
+            <a:lvl1pPr marL="182880" algn="l">
+              <a:defRPr baseline="0">
+                <a:solidFill>
+                  <a:schemeClr val="bg1"/>
+                </a:solidFill>
+              </a:defRPr>
+            </a:lvl1pPr>
+          </a:lstStyle>
+          <a:p>
+            <a:r>
+              <a:rPr lang="en-US" smtClean="0"/>
+              <a:t>Click to edit Master title style</a:t>
+            </a:r>
             <a:endParaRPr lang="en-US"/>
           </a:p>
         </p:txBody>
       </p:sp>
       <p:sp>
         <p:nvSpPr>
-          <p:cNvPr id="7" name="Date Placeholder 6"/>
+          <p:cNvPr id="11" name="Date Placeholder 6"/>
           <p:cNvSpPr>
             <a:spLocks noGrp="1"/>
           </p:cNvSpPr>
@@ -3055,10 +4190,23 @@
             <p:ph type="dt" sz="half" idx="10"/>
           </p:nvPr>
         </p:nvSpPr>
-        <p:spPr/>
-        <p:txBody>
-          <a:bodyPr/>
-          <a:lstStyle/>
+        <p:spPr>
+          <a:xfrm>
+            <a:off x="0" y="6492875"/>
+            <a:ext cx="1066800" cy="365125"/>
+          </a:xfrm>
+        </p:spPr>
+        <p:txBody>
+          <a:bodyPr/>
+          <a:lstStyle>
+            <a:lvl1pPr>
+              <a:defRPr baseline="0" smtClean="0">
+                <a:solidFill>
+                  <a:schemeClr val="bg1"/>
+                </a:solidFill>
+              </a:defRPr>
+            </a:lvl1pPr>
+          </a:lstStyle>
           <a:p>
             <a:endParaRPr lang="en-US" altLang="en-US"/>
           </a:p>
@@ -3066,7 +4214,7 @@
       </p:sp>
       <p:sp>
         <p:nvSpPr>
-          <p:cNvPr id="8" name="Footer Placeholder 7"/>
+          <p:cNvPr id="12" name="Footer Placeholder 7"/>
           <p:cNvSpPr>
             <a:spLocks noGrp="1"/>
           </p:cNvSpPr>
@@ -3074,10 +4222,23 @@
             <p:ph type="ftr" sz="quarter" idx="11"/>
           </p:nvPr>
         </p:nvSpPr>
-        <p:spPr/>
-        <p:txBody>
-          <a:bodyPr/>
-          <a:lstStyle/>
+        <p:spPr>
+          <a:xfrm>
+            <a:off x="4572000" y="6492875"/>
+            <a:ext cx="3505200" cy="365125"/>
+          </a:xfrm>
+        </p:spPr>
+        <p:txBody>
+          <a:bodyPr/>
+          <a:lstStyle>
+            <a:lvl1pPr algn="l">
+              <a:defRPr baseline="0">
+                <a:solidFill>
+                  <a:schemeClr val="bg1"/>
+                </a:solidFill>
+              </a:defRPr>
+            </a:lvl1pPr>
+          </a:lstStyle>
           <a:p>
             <a:r>
               <a:rPr lang="en-US" altLang="en-US" smtClean="0"/>
@@ -3089,7 +4250,7 @@
       </p:sp>
       <p:sp>
         <p:nvSpPr>
-          <p:cNvPr id="9" name="Slide Number Placeholder 8"/>
+          <p:cNvPr id="13" name="Slide Number Placeholder 8"/>
           <p:cNvSpPr>
             <a:spLocks noGrp="1"/>
           </p:cNvSpPr>
@@ -3097,10 +4258,23 @@
             <p:ph type="sldNum" sz="quarter" idx="12"/>
           </p:nvPr>
         </p:nvSpPr>
-        <p:spPr/>
-        <p:txBody>
-          <a:bodyPr/>
-          <a:lstStyle/>
+        <p:spPr>
+          <a:xfrm>
+            <a:off x="8077200" y="6492875"/>
+            <a:ext cx="1066800" cy="365125"/>
+          </a:xfrm>
+        </p:spPr>
+        <p:txBody>
+          <a:bodyPr/>
+          <a:lstStyle>
+            <a:lvl1pPr>
+              <a:defRPr baseline="0">
+                <a:solidFill>
+                  <a:schemeClr val="bg1"/>
+                </a:solidFill>
+              </a:defRPr>
+            </a:lvl1pPr>
+          </a:lstStyle>
           <a:p>
             <a:r>
               <a:rPr lang="en-US" altLang="en-US" smtClean="0"/>
@@ -3118,7 +4292,7 @@
     </p:spTree>
     <p:extLst>
       <p:ext uri="{BB962C8B-B14F-4D97-AF65-F5344CB8AC3E}">
-        <p14:creationId xmlns:p14="http://schemas.microsoft.com/office/powerpoint/2010/main" val="3608196885"/>
+        <p14:creationId xmlns:p14="http://schemas.microsoft.com/office/powerpoint/2010/main" val="1310785505"/>
       </p:ext>
     </p:extLst>
   </p:cSld>
@@ -3129,7 +4303,7 @@
 </file>
 
 <file path=ppt/slideLayouts/slideLayout6.xml><?xml version="1.0" encoding="utf-8"?>
-<p:sldLayout xmlns:a="http://schemas.openxmlformats.org/drawingml/2006/main" xmlns:r="http://schemas.openxmlformats.org/officeDocument/2006/relationships" xmlns:p="http://schemas.openxmlformats.org/presentationml/2006/main" type="titleOnly" preserve="1">
+<p:sldLayout xmlns:a="http://schemas.openxmlformats.org/drawingml/2006/main" xmlns:r="http://schemas.openxmlformats.org/officeDocument/2006/relationships" xmlns:p="http://schemas.openxmlformats.org/presentationml/2006/main" preserve="1">
   <p:cSld name="Title Only">
     <p:spTree>
       <p:nvGrpSpPr>
@@ -3147,6 +4321,192 @@
       </p:grpSpPr>
       <p:sp>
         <p:nvSpPr>
+          <p:cNvPr id="4" name="Rectangle 3"/>
+          <p:cNvSpPr/>
+          <p:nvPr/>
+        </p:nvSpPr>
+        <p:spPr>
+          <a:xfrm>
+            <a:off x="0" y="0"/>
+            <a:ext cx="9144000" cy="762000"/>
+          </a:xfrm>
+          <a:prstGeom prst="rect">
+            <a:avLst/>
+          </a:prstGeom>
+          <a:gradFill flip="none" rotWithShape="1">
+            <a:gsLst>
+              <a:gs pos="0">
+                <a:schemeClr val="tx1"/>
+              </a:gs>
+              <a:gs pos="100000">
+                <a:srgbClr val="3333B2"/>
+              </a:gs>
+            </a:gsLst>
+            <a:lin ang="10800000" scaled="1"/>
+            <a:tileRect/>
+          </a:gradFill>
+          <a:ln>
+            <a:noFill/>
+          </a:ln>
+          <a:effectLst>
+            <a:outerShdw blurRad="50800" dist="88900" dir="5400000" algn="tl" rotWithShape="0">
+              <a:prstClr val="black">
+                <a:alpha val="40000"/>
+              </a:prstClr>
+            </a:outerShdw>
+          </a:effectLst>
+        </p:spPr>
+        <p:style>
+          <a:lnRef idx="2">
+            <a:schemeClr val="accent1">
+              <a:shade val="50000"/>
+            </a:schemeClr>
+          </a:lnRef>
+          <a:fillRef idx="1">
+            <a:schemeClr val="accent1"/>
+          </a:fillRef>
+          <a:effectRef idx="0">
+            <a:schemeClr val="accent1"/>
+          </a:effectRef>
+          <a:fontRef idx="minor">
+            <a:schemeClr val="lt1"/>
+          </a:fontRef>
+        </p:style>
+        <p:txBody>
+          <a:bodyPr anchor="ctr"/>
+          <a:lstStyle/>
+          <a:p>
+            <a:pPr algn="ctr" fontAlgn="auto">
+              <a:spcBef>
+                <a:spcPts val="0"/>
+              </a:spcBef>
+              <a:spcAft>
+                <a:spcPts val="0"/>
+              </a:spcAft>
+              <a:defRPr/>
+            </a:pPr>
+            <a:endParaRPr lang="en-US"/>
+          </a:p>
+        </p:txBody>
+      </p:sp>
+      <p:sp>
+        <p:nvSpPr>
+          <p:cNvPr id="5" name="Rectangle 4"/>
+          <p:cNvSpPr/>
+          <p:nvPr/>
+        </p:nvSpPr>
+        <p:spPr>
+          <a:xfrm>
+            <a:off x="4572000" y="6477000"/>
+            <a:ext cx="4572000" cy="381000"/>
+          </a:xfrm>
+          <a:prstGeom prst="rect">
+            <a:avLst/>
+          </a:prstGeom>
+          <a:solidFill>
+            <a:srgbClr val="3333B2"/>
+          </a:solidFill>
+          <a:ln>
+            <a:noFill/>
+          </a:ln>
+        </p:spPr>
+        <p:style>
+          <a:lnRef idx="2">
+            <a:schemeClr val="accent1">
+              <a:shade val="50000"/>
+            </a:schemeClr>
+          </a:lnRef>
+          <a:fillRef idx="1">
+            <a:schemeClr val="accent1"/>
+          </a:fillRef>
+          <a:effectRef idx="0">
+            <a:schemeClr val="accent1"/>
+          </a:effectRef>
+          <a:fontRef idx="minor">
+            <a:schemeClr val="lt1"/>
+          </a:fontRef>
+        </p:style>
+        <p:txBody>
+          <a:bodyPr anchor="ctr"/>
+          <a:lstStyle/>
+          <a:p>
+            <a:pPr algn="ctr" fontAlgn="auto">
+              <a:spcBef>
+                <a:spcPts val="0"/>
+              </a:spcBef>
+              <a:spcAft>
+                <a:spcPts val="0"/>
+              </a:spcAft>
+              <a:defRPr/>
+            </a:pPr>
+            <a:endParaRPr lang="en-US">
+              <a:solidFill>
+                <a:schemeClr val="bg1"/>
+              </a:solidFill>
+            </a:endParaRPr>
+          </a:p>
+        </p:txBody>
+      </p:sp>
+      <p:sp>
+        <p:nvSpPr>
+          <p:cNvPr id="6" name="Rectangle 5"/>
+          <p:cNvSpPr/>
+          <p:nvPr/>
+        </p:nvSpPr>
+        <p:spPr>
+          <a:xfrm>
+            <a:off x="0" y="6477000"/>
+            <a:ext cx="4572000" cy="381000"/>
+          </a:xfrm>
+          <a:prstGeom prst="rect">
+            <a:avLst/>
+          </a:prstGeom>
+          <a:solidFill>
+            <a:schemeClr val="tx1"/>
+          </a:solidFill>
+          <a:ln>
+            <a:noFill/>
+          </a:ln>
+        </p:spPr>
+        <p:style>
+          <a:lnRef idx="2">
+            <a:schemeClr val="accent1">
+              <a:shade val="50000"/>
+            </a:schemeClr>
+          </a:lnRef>
+          <a:fillRef idx="1">
+            <a:schemeClr val="accent1"/>
+          </a:fillRef>
+          <a:effectRef idx="0">
+            <a:schemeClr val="accent1"/>
+          </a:effectRef>
+          <a:fontRef idx="minor">
+            <a:schemeClr val="lt1"/>
+          </a:fontRef>
+        </p:style>
+        <p:txBody>
+          <a:bodyPr anchor="ctr"/>
+          <a:lstStyle/>
+          <a:p>
+            <a:pPr algn="ctr" fontAlgn="auto">
+              <a:spcBef>
+                <a:spcPts val="0"/>
+              </a:spcBef>
+              <a:spcAft>
+                <a:spcPts val="0"/>
+              </a:spcAft>
+              <a:defRPr/>
+            </a:pPr>
+            <a:endParaRPr lang="en-US">
+              <a:solidFill>
+                <a:schemeClr val="bg1"/>
+              </a:solidFill>
+            </a:endParaRPr>
+          </a:p>
+        </p:txBody>
+      </p:sp>
+      <p:sp>
+        <p:nvSpPr>
           <p:cNvPr id="2" name="Title 1"/>
           <p:cNvSpPr>
             <a:spLocks noGrp="1"/>
@@ -3155,10 +4515,23 @@
             <p:ph type="title"/>
           </p:nvPr>
         </p:nvSpPr>
-        <p:spPr/>
-        <p:txBody>
-          <a:bodyPr/>
-          <a:lstStyle/>
+        <p:spPr>
+          <a:xfrm>
+            <a:off x="0" y="0"/>
+            <a:ext cx="8915400" cy="762000"/>
+          </a:xfrm>
+        </p:spPr>
+        <p:txBody>
+          <a:bodyPr/>
+          <a:lstStyle>
+            <a:lvl1pPr marL="182880" algn="l">
+              <a:defRPr baseline="0">
+                <a:solidFill>
+                  <a:schemeClr val="bg1"/>
+                </a:solidFill>
+              </a:defRPr>
+            </a:lvl1pPr>
+          </a:lstStyle>
           <a:p>
             <a:r>
               <a:rPr lang="en-US" smtClean="0"/>
@@ -3170,18 +4543,101 @@
       </p:sp>
       <p:sp>
         <p:nvSpPr>
-          <p:cNvPr id="3" name="Date Placeholder 2"/>
+          <p:cNvPr id="12" name="Text Placeholder 10"/>
           <p:cNvSpPr>
             <a:spLocks noGrp="1"/>
           </p:cNvSpPr>
           <p:nvPr>
-            <p:ph type="dt" sz="half" idx="10"/>
-          </p:nvPr>
-        </p:nvSpPr>
-        <p:spPr/>
-        <p:txBody>
-          <a:bodyPr/>
-          <a:lstStyle/>
+            <p:ph type="body" sz="quarter" idx="13" hasCustomPrompt="1"/>
+          </p:nvPr>
+        </p:nvSpPr>
+        <p:spPr>
+          <a:xfrm>
+            <a:off x="1066800" y="6477000"/>
+            <a:ext cx="3505200" cy="381000"/>
+          </a:xfrm>
+        </p:spPr>
+        <p:txBody>
+          <a:bodyPr anchor="ctr">
+            <a:normAutofit/>
+          </a:bodyPr>
+          <a:lstStyle>
+            <a:lvl1pPr algn="r">
+              <a:buNone/>
+              <a:defRPr lang="en-US" sz="1200" kern="1200" baseline="0" dirty="0">
+                <a:solidFill>
+                  <a:schemeClr val="bg1"/>
+                </a:solidFill>
+                <a:latin typeface="+mn-lt"/>
+                <a:ea typeface="+mn-ea"/>
+                <a:cs typeface="+mn-cs"/>
+              </a:defRPr>
+            </a:lvl1pPr>
+            <a:lvl2pPr>
+              <a:defRPr baseline="0">
+                <a:solidFill>
+                  <a:schemeClr val="bg1"/>
+                </a:solidFill>
+              </a:defRPr>
+            </a:lvl2pPr>
+            <a:lvl3pPr>
+              <a:defRPr baseline="0">
+                <a:solidFill>
+                  <a:schemeClr val="bg1"/>
+                </a:solidFill>
+              </a:defRPr>
+            </a:lvl3pPr>
+            <a:lvl4pPr>
+              <a:defRPr baseline="0">
+                <a:solidFill>
+                  <a:schemeClr val="bg1"/>
+                </a:solidFill>
+              </a:defRPr>
+            </a:lvl4pPr>
+            <a:lvl5pPr>
+              <a:defRPr baseline="0">
+                <a:solidFill>
+                  <a:schemeClr val="bg1"/>
+                </a:solidFill>
+              </a:defRPr>
+            </a:lvl5pPr>
+          </a:lstStyle>
+          <a:p>
+            <a:pPr lvl="0"/>
+            <a:r>
+              <a:rPr lang="en-US" dirty="0" smtClean="0"/>
+              <a:t>Juergen Jung – Towson University</a:t>
+            </a:r>
+          </a:p>
+        </p:txBody>
+      </p:sp>
+      <p:sp>
+        <p:nvSpPr>
+          <p:cNvPr id="7" name="Date Placeholder 6"/>
+          <p:cNvSpPr>
+            <a:spLocks noGrp="1"/>
+          </p:cNvSpPr>
+          <p:nvPr>
+            <p:ph type="dt" sz="half" idx="14"/>
+          </p:nvPr>
+        </p:nvSpPr>
+        <p:spPr>
+          <a:xfrm>
+            <a:off x="0" y="6492875"/>
+            <a:ext cx="1066800" cy="365125"/>
+          </a:xfrm>
+        </p:spPr>
+        <p:txBody>
+          <a:bodyPr/>
+          <a:lstStyle>
+            <a:lvl1pPr>
+              <a:defRPr baseline="0" smtClean="0">
+                <a:solidFill>
+                  <a:schemeClr val="bg1"/>
+                </a:solidFill>
+              </a:defRPr>
+            </a:lvl1pPr>
+          </a:lstStyle>
           <a:p>
             <a:endParaRPr lang="en-US" altLang="en-US"/>
           </a:p>
@@ -3189,18 +4645,31 @@
       </p:sp>
       <p:sp>
         <p:nvSpPr>
-          <p:cNvPr id="4" name="Footer Placeholder 3"/>
+          <p:cNvPr id="8" name="Footer Placeholder 7"/>
           <p:cNvSpPr>
             <a:spLocks noGrp="1"/>
           </p:cNvSpPr>
           <p:nvPr>
-            <p:ph type="ftr" sz="quarter" idx="11"/>
-          </p:nvPr>
-        </p:nvSpPr>
-        <p:spPr/>
-        <p:txBody>
-          <a:bodyPr/>
-          <a:lstStyle/>
+            <p:ph type="ftr" sz="quarter" idx="15"/>
+          </p:nvPr>
+        </p:nvSpPr>
+        <p:spPr>
+          <a:xfrm>
+            <a:off x="4572000" y="6492875"/>
+            <a:ext cx="3505200" cy="365125"/>
+          </a:xfrm>
+        </p:spPr>
+        <p:txBody>
+          <a:bodyPr/>
+          <a:lstStyle>
+            <a:lvl1pPr algn="l">
+              <a:defRPr baseline="0">
+                <a:solidFill>
+                  <a:schemeClr val="bg1"/>
+                </a:solidFill>
+              </a:defRPr>
+            </a:lvl1pPr>
+          </a:lstStyle>
           <a:p>
             <a:r>
               <a:rPr lang="en-US" altLang="en-US" smtClean="0"/>
@@ -3212,24 +4681,37 @@
       </p:sp>
       <p:sp>
         <p:nvSpPr>
-          <p:cNvPr id="5" name="Slide Number Placeholder 4"/>
+          <p:cNvPr id="9" name="Slide Number Placeholder 8"/>
           <p:cNvSpPr>
             <a:spLocks noGrp="1"/>
           </p:cNvSpPr>
           <p:nvPr>
-            <p:ph type="sldNum" sz="quarter" idx="12"/>
-          </p:nvPr>
-        </p:nvSpPr>
-        <p:spPr/>
-        <p:txBody>
-          <a:bodyPr/>
-          <a:lstStyle/>
+            <p:ph type="sldNum" sz="quarter" idx="16"/>
+          </p:nvPr>
+        </p:nvSpPr>
+        <p:spPr>
+          <a:xfrm>
+            <a:off x="8077200" y="6492875"/>
+            <a:ext cx="1066800" cy="365125"/>
+          </a:xfrm>
+        </p:spPr>
+        <p:txBody>
+          <a:bodyPr/>
+          <a:lstStyle>
+            <a:lvl1pPr>
+              <a:defRPr baseline="0">
+                <a:solidFill>
+                  <a:schemeClr val="bg1"/>
+                </a:solidFill>
+              </a:defRPr>
+            </a:lvl1pPr>
+          </a:lstStyle>
           <a:p>
             <a:r>
               <a:rPr lang="en-US" altLang="en-US" smtClean="0"/>
               <a:t>/</a:t>
             </a:r>
-            <a:fld id="{806BAA41-B671-43BD-BB7A-F74578E8C893}" type="slidenum">
+            <a:fld id="{9E9BE733-02A7-43DD-8285-0CDF9768BAE7}" type="slidenum">
               <a:rPr lang="en-US" altLang="en-US" smtClean="0"/>
               <a:pPr/>
               <a:t>‹#›</a:t>
@@ -3241,18 +4723,19 @@
     </p:spTree>
     <p:extLst>
       <p:ext uri="{BB962C8B-B14F-4D97-AF65-F5344CB8AC3E}">
-        <p14:creationId xmlns:p14="http://schemas.microsoft.com/office/powerpoint/2010/main" val="661742672"/>
+        <p14:creationId xmlns:p14="http://schemas.microsoft.com/office/powerpoint/2010/main" val="3325879317"/>
       </p:ext>
     </p:extLst>
   </p:cSld>
   <p:clrMapOvr>
     <a:masterClrMapping/>
   </p:clrMapOvr>
+  <p:hf hdr="0" dt="0"/>
 </p:sldLayout>
 </file>
 
 <file path=ppt/slideLayouts/slideLayout7.xml><?xml version="1.0" encoding="utf-8"?>
-<p:sldLayout xmlns:a="http://schemas.openxmlformats.org/drawingml/2006/main" xmlns:r="http://schemas.openxmlformats.org/officeDocument/2006/relationships" xmlns:p="http://schemas.openxmlformats.org/presentationml/2006/main" type="blank" preserve="1">
+<p:sldLayout xmlns:a="http://schemas.openxmlformats.org/drawingml/2006/main" xmlns:r="http://schemas.openxmlformats.org/officeDocument/2006/relationships" xmlns:p="http://schemas.openxmlformats.org/presentationml/2006/main" preserve="1">
   <p:cSld name="Blank">
     <p:spTree>
       <p:nvGrpSpPr>
@@ -3270,18 +4753,217 @@
       </p:grpSpPr>
       <p:sp>
         <p:nvSpPr>
-          <p:cNvPr id="2" name="Date Placeholder 1"/>
+          <p:cNvPr id="3" name="Rectangle 2"/>
+          <p:cNvSpPr/>
+          <p:nvPr/>
+        </p:nvSpPr>
+        <p:spPr>
+          <a:xfrm>
+            <a:off x="4572000" y="6477000"/>
+            <a:ext cx="4572000" cy="381000"/>
+          </a:xfrm>
+          <a:prstGeom prst="rect">
+            <a:avLst/>
+          </a:prstGeom>
+          <a:solidFill>
+            <a:srgbClr val="3333B2"/>
+          </a:solidFill>
+          <a:ln>
+            <a:noFill/>
+          </a:ln>
+        </p:spPr>
+        <p:style>
+          <a:lnRef idx="2">
+            <a:schemeClr val="accent1">
+              <a:shade val="50000"/>
+            </a:schemeClr>
+          </a:lnRef>
+          <a:fillRef idx="1">
+            <a:schemeClr val="accent1"/>
+          </a:fillRef>
+          <a:effectRef idx="0">
+            <a:schemeClr val="accent1"/>
+          </a:effectRef>
+          <a:fontRef idx="minor">
+            <a:schemeClr val="lt1"/>
+          </a:fontRef>
+        </p:style>
+        <p:txBody>
+          <a:bodyPr anchor="ctr"/>
+          <a:lstStyle/>
+          <a:p>
+            <a:pPr algn="ctr" fontAlgn="auto">
+              <a:spcBef>
+                <a:spcPts val="0"/>
+              </a:spcBef>
+              <a:spcAft>
+                <a:spcPts val="0"/>
+              </a:spcAft>
+              <a:defRPr/>
+            </a:pPr>
+            <a:endParaRPr lang="en-US">
+              <a:solidFill>
+                <a:schemeClr val="bg1"/>
+              </a:solidFill>
+            </a:endParaRPr>
+          </a:p>
+        </p:txBody>
+      </p:sp>
+      <p:sp>
+        <p:nvSpPr>
+          <p:cNvPr id="4" name="Rectangle 3"/>
+          <p:cNvSpPr/>
+          <p:nvPr/>
+        </p:nvSpPr>
+        <p:spPr>
+          <a:xfrm>
+            <a:off x="0" y="6477000"/>
+            <a:ext cx="4572000" cy="381000"/>
+          </a:xfrm>
+          <a:prstGeom prst="rect">
+            <a:avLst/>
+          </a:prstGeom>
+          <a:solidFill>
+            <a:schemeClr val="tx1"/>
+          </a:solidFill>
+          <a:ln>
+            <a:noFill/>
+          </a:ln>
+        </p:spPr>
+        <p:style>
+          <a:lnRef idx="2">
+            <a:schemeClr val="accent1">
+              <a:shade val="50000"/>
+            </a:schemeClr>
+          </a:lnRef>
+          <a:fillRef idx="1">
+            <a:schemeClr val="accent1"/>
+          </a:fillRef>
+          <a:effectRef idx="0">
+            <a:schemeClr val="accent1"/>
+          </a:effectRef>
+          <a:fontRef idx="minor">
+            <a:schemeClr val="lt1"/>
+          </a:fontRef>
+        </p:style>
+        <p:txBody>
+          <a:bodyPr anchor="ctr"/>
+          <a:lstStyle/>
+          <a:p>
+            <a:pPr algn="ctr" fontAlgn="auto">
+              <a:spcBef>
+                <a:spcPts val="0"/>
+              </a:spcBef>
+              <a:spcAft>
+                <a:spcPts val="0"/>
+              </a:spcAft>
+              <a:defRPr/>
+            </a:pPr>
+            <a:endParaRPr lang="en-US">
+              <a:solidFill>
+                <a:schemeClr val="bg1"/>
+              </a:solidFill>
+            </a:endParaRPr>
+          </a:p>
+        </p:txBody>
+      </p:sp>
+      <p:sp>
+        <p:nvSpPr>
+          <p:cNvPr id="10" name="Text Placeholder 10"/>
           <p:cNvSpPr>
             <a:spLocks noGrp="1"/>
           </p:cNvSpPr>
           <p:nvPr>
-            <p:ph type="dt" sz="half" idx="10"/>
-          </p:nvPr>
-        </p:nvSpPr>
-        <p:spPr/>
-        <p:txBody>
-          <a:bodyPr/>
-          <a:lstStyle/>
+            <p:ph type="body" sz="quarter" idx="13" hasCustomPrompt="1"/>
+          </p:nvPr>
+        </p:nvSpPr>
+        <p:spPr>
+          <a:xfrm>
+            <a:off x="1066800" y="6477000"/>
+            <a:ext cx="3505200" cy="381000"/>
+          </a:xfrm>
+        </p:spPr>
+        <p:txBody>
+          <a:bodyPr anchor="ctr">
+            <a:normAutofit/>
+          </a:bodyPr>
+          <a:lstStyle>
+            <a:lvl1pPr algn="r">
+              <a:buNone/>
+              <a:defRPr lang="en-US" sz="1200" kern="1200" baseline="0" dirty="0">
+                <a:solidFill>
+                  <a:schemeClr val="bg1"/>
+                </a:solidFill>
+                <a:latin typeface="+mn-lt"/>
+                <a:ea typeface="+mn-ea"/>
+                <a:cs typeface="+mn-cs"/>
+              </a:defRPr>
+            </a:lvl1pPr>
+            <a:lvl2pPr>
+              <a:defRPr baseline="0">
+                <a:solidFill>
+                  <a:schemeClr val="bg1"/>
+                </a:solidFill>
+              </a:defRPr>
+            </a:lvl2pPr>
+            <a:lvl3pPr>
+              <a:defRPr baseline="0">
+                <a:solidFill>
+                  <a:schemeClr val="bg1"/>
+                </a:solidFill>
+              </a:defRPr>
+            </a:lvl3pPr>
+            <a:lvl4pPr>
+              <a:defRPr baseline="0">
+                <a:solidFill>
+                  <a:schemeClr val="bg1"/>
+                </a:solidFill>
+              </a:defRPr>
+            </a:lvl4pPr>
+            <a:lvl5pPr>
+              <a:defRPr baseline="0">
+                <a:solidFill>
+                  <a:schemeClr val="bg1"/>
+                </a:solidFill>
+              </a:defRPr>
+            </a:lvl5pPr>
+          </a:lstStyle>
+          <a:p>
+            <a:pPr lvl="0"/>
+            <a:r>
+              <a:rPr lang="en-US" dirty="0" smtClean="0"/>
+              <a:t>Juergen Jung – Towson University</a:t>
+            </a:r>
+          </a:p>
+        </p:txBody>
+      </p:sp>
+      <p:sp>
+        <p:nvSpPr>
+          <p:cNvPr id="5" name="Date Placeholder 6"/>
+          <p:cNvSpPr>
+            <a:spLocks noGrp="1"/>
+          </p:cNvSpPr>
+          <p:nvPr>
+            <p:ph type="dt" sz="half" idx="14"/>
+          </p:nvPr>
+        </p:nvSpPr>
+        <p:spPr>
+          <a:xfrm>
+            <a:off x="0" y="6492875"/>
+            <a:ext cx="1066800" cy="365125"/>
+          </a:xfrm>
+        </p:spPr>
+        <p:txBody>
+          <a:bodyPr/>
+          <a:lstStyle>
+            <a:lvl1pPr>
+              <a:defRPr baseline="0" smtClean="0">
+                <a:solidFill>
+                  <a:schemeClr val="bg1"/>
+                </a:solidFill>
+              </a:defRPr>
+            </a:lvl1pPr>
+          </a:lstStyle>
           <a:p>
             <a:endParaRPr lang="en-US" altLang="en-US"/>
           </a:p>
@@ -3289,18 +4971,31 @@
       </p:sp>
       <p:sp>
         <p:nvSpPr>
-          <p:cNvPr id="3" name="Footer Placeholder 2"/>
+          <p:cNvPr id="6" name="Footer Placeholder 7"/>
           <p:cNvSpPr>
             <a:spLocks noGrp="1"/>
           </p:cNvSpPr>
           <p:nvPr>
-            <p:ph type="ftr" sz="quarter" idx="11"/>
-          </p:nvPr>
-        </p:nvSpPr>
-        <p:spPr/>
-        <p:txBody>
-          <a:bodyPr/>
-          <a:lstStyle/>
+            <p:ph type="ftr" sz="quarter" idx="15"/>
+          </p:nvPr>
+        </p:nvSpPr>
+        <p:spPr>
+          <a:xfrm>
+            <a:off x="4572000" y="6492875"/>
+            <a:ext cx="3505200" cy="365125"/>
+          </a:xfrm>
+        </p:spPr>
+        <p:txBody>
+          <a:bodyPr/>
+          <a:lstStyle>
+            <a:lvl1pPr algn="l">
+              <a:defRPr baseline="0">
+                <a:solidFill>
+                  <a:schemeClr val="bg1"/>
+                </a:solidFill>
+              </a:defRPr>
+            </a:lvl1pPr>
+          </a:lstStyle>
           <a:p>
             <a:r>
               <a:rPr lang="en-US" altLang="en-US" smtClean="0"/>
@@ -3312,24 +5007,37 @@
       </p:sp>
       <p:sp>
         <p:nvSpPr>
-          <p:cNvPr id="4" name="Slide Number Placeholder 3"/>
+          <p:cNvPr id="7" name="Slide Number Placeholder 8"/>
           <p:cNvSpPr>
             <a:spLocks noGrp="1"/>
           </p:cNvSpPr>
           <p:nvPr>
-            <p:ph type="sldNum" sz="quarter" idx="12"/>
-          </p:nvPr>
-        </p:nvSpPr>
-        <p:spPr/>
-        <p:txBody>
-          <a:bodyPr/>
-          <a:lstStyle/>
+            <p:ph type="sldNum" sz="quarter" idx="16"/>
+          </p:nvPr>
+        </p:nvSpPr>
+        <p:spPr>
+          <a:xfrm>
+            <a:off x="8077200" y="6492875"/>
+            <a:ext cx="1066800" cy="365125"/>
+          </a:xfrm>
+        </p:spPr>
+        <p:txBody>
+          <a:bodyPr/>
+          <a:lstStyle>
+            <a:lvl1pPr>
+              <a:defRPr baseline="0">
+                <a:solidFill>
+                  <a:schemeClr val="bg1"/>
+                </a:solidFill>
+              </a:defRPr>
+            </a:lvl1pPr>
+          </a:lstStyle>
           <a:p>
             <a:r>
               <a:rPr lang="en-US" altLang="en-US" smtClean="0"/>
               <a:t>/</a:t>
             </a:r>
-            <a:fld id="{0E58B913-0065-4A24-8BAF-BED705A7BB73}" type="slidenum">
+            <a:fld id="{9E9BE733-02A7-43DD-8285-0CDF9768BAE7}" type="slidenum">
               <a:rPr lang="en-US" altLang="en-US" smtClean="0"/>
               <a:pPr/>
               <a:t>‹#›</a:t>
@@ -3341,13 +5049,14 @@
     </p:spTree>
     <p:extLst>
       <p:ext uri="{BB962C8B-B14F-4D97-AF65-F5344CB8AC3E}">
-        <p14:creationId xmlns:p14="http://schemas.microsoft.com/office/powerpoint/2010/main" val="2741360233"/>
+        <p14:creationId xmlns:p14="http://schemas.microsoft.com/office/powerpoint/2010/main" val="429477730"/>
       </p:ext>
     </p:extLst>
   </p:cSld>
   <p:clrMapOvr>
     <a:masterClrMapping/>
   </p:clrMapOvr>
+  <p:hf hdr="0" dt="0"/>
 </p:sldLayout>
 </file>
 
@@ -3552,7 +5261,7 @@
       </p:sp>
       <p:sp>
         <p:nvSpPr>
-          <p:cNvPr id="5" name="Date Placeholder 4"/>
+          <p:cNvPr id="5" name="Date Placeholder 3"/>
           <p:cNvSpPr>
             <a:spLocks noGrp="1"/>
           </p:cNvSpPr>
@@ -3563,7 +5272,11 @@
         <p:spPr/>
         <p:txBody>
           <a:bodyPr/>
-          <a:lstStyle/>
+          <a:lstStyle>
+            <a:lvl1pPr>
+              <a:defRPr/>
+            </a:lvl1pPr>
+          </a:lstStyle>
           <a:p>
             <a:endParaRPr lang="en-US" altLang="en-US"/>
           </a:p>
@@ -3571,7 +5284,7 @@
       </p:sp>
       <p:sp>
         <p:nvSpPr>
-          <p:cNvPr id="6" name="Footer Placeholder 5"/>
+          <p:cNvPr id="6" name="Footer Placeholder 4"/>
           <p:cNvSpPr>
             <a:spLocks noGrp="1"/>
           </p:cNvSpPr>
@@ -3582,7 +5295,11 @@
         <p:spPr/>
         <p:txBody>
           <a:bodyPr/>
-          <a:lstStyle/>
+          <a:lstStyle>
+            <a:lvl1pPr>
+              <a:defRPr/>
+            </a:lvl1pPr>
+          </a:lstStyle>
           <a:p>
             <a:r>
               <a:rPr lang="en-US" altLang="en-US" smtClean="0"/>
@@ -3594,7 +5311,7 @@
       </p:sp>
       <p:sp>
         <p:nvSpPr>
-          <p:cNvPr id="7" name="Slide Number Placeholder 6"/>
+          <p:cNvPr id="7" name="Slide Number Placeholder 5"/>
           <p:cNvSpPr>
             <a:spLocks noGrp="1"/>
           </p:cNvSpPr>
@@ -3605,7 +5322,11 @@
         <p:spPr/>
         <p:txBody>
           <a:bodyPr/>
-          <a:lstStyle/>
+          <a:lstStyle>
+            <a:lvl1pPr>
+              <a:defRPr/>
+            </a:lvl1pPr>
+          </a:lstStyle>
           <a:p>
             <a:r>
               <a:rPr lang="en-US" altLang="en-US" smtClean="0"/>
@@ -3623,7 +5344,7 @@
     </p:spTree>
     <p:extLst>
       <p:ext uri="{BB962C8B-B14F-4D97-AF65-F5344CB8AC3E}">
-        <p14:creationId xmlns:p14="http://schemas.microsoft.com/office/powerpoint/2010/main" val="1787635397"/>
+        <p14:creationId xmlns:p14="http://schemas.microsoft.com/office/powerpoint/2010/main" val="354882314"/>
       </p:ext>
     </p:extLst>
   </p:cSld>
@@ -3699,7 +5420,9 @@
           </a:xfrm>
         </p:spPr>
         <p:txBody>
-          <a:bodyPr/>
+          <a:bodyPr rtlCol="0">
+            <a:normAutofit/>
+          </a:bodyPr>
           <a:lstStyle>
             <a:lvl1pPr marL="0" indent="0">
               <a:buNone/>
@@ -3739,7 +5462,12 @@
             </a:lvl9pPr>
           </a:lstStyle>
           <a:p>
-            <a:endParaRPr lang="en-US"/>
+            <a:pPr lvl="0"/>
+            <a:r>
+              <a:rPr lang="en-US" noProof="0" smtClean="0"/>
+              <a:t>Click icon to add picture</a:t>
+            </a:r>
+            <a:endParaRPr lang="en-US" noProof="0"/>
           </a:p>
         </p:txBody>
       </p:sp>
@@ -3810,7 +5538,7 @@
       </p:sp>
       <p:sp>
         <p:nvSpPr>
-          <p:cNvPr id="5" name="Date Placeholder 4"/>
+          <p:cNvPr id="5" name="Date Placeholder 3"/>
           <p:cNvSpPr>
             <a:spLocks noGrp="1"/>
           </p:cNvSpPr>
@@ -3821,7 +5549,11 @@
         <p:spPr/>
         <p:txBody>
           <a:bodyPr/>
-          <a:lstStyle/>
+          <a:lstStyle>
+            <a:lvl1pPr>
+              <a:defRPr/>
+            </a:lvl1pPr>
+          </a:lstStyle>
           <a:p>
             <a:endParaRPr lang="en-US" altLang="en-US"/>
           </a:p>
@@ -3829,7 +5561,7 @@
       </p:sp>
       <p:sp>
         <p:nvSpPr>
-          <p:cNvPr id="6" name="Footer Placeholder 5"/>
+          <p:cNvPr id="6" name="Footer Placeholder 4"/>
           <p:cNvSpPr>
             <a:spLocks noGrp="1"/>
           </p:cNvSpPr>
@@ -3840,7 +5572,11 @@
         <p:spPr/>
         <p:txBody>
           <a:bodyPr/>
-          <a:lstStyle/>
+          <a:lstStyle>
+            <a:lvl1pPr>
+              <a:defRPr/>
+            </a:lvl1pPr>
+          </a:lstStyle>
           <a:p>
             <a:r>
               <a:rPr lang="en-US" altLang="en-US" smtClean="0"/>
@@ -3852,7 +5588,7 @@
       </p:sp>
       <p:sp>
         <p:nvSpPr>
-          <p:cNvPr id="7" name="Slide Number Placeholder 6"/>
+          <p:cNvPr id="7" name="Slide Number Placeholder 5"/>
           <p:cNvSpPr>
             <a:spLocks noGrp="1"/>
           </p:cNvSpPr>
@@ -3863,7 +5599,11 @@
         <p:spPr/>
         <p:txBody>
           <a:bodyPr/>
-          <a:lstStyle/>
+          <a:lstStyle>
+            <a:lvl1pPr>
+              <a:defRPr/>
+            </a:lvl1pPr>
+          </a:lstStyle>
           <a:p>
             <a:r>
               <a:rPr lang="en-US" altLang="en-US" smtClean="0"/>
@@ -3881,7 +5621,7 @@
     </p:spTree>
     <p:extLst>
       <p:ext uri="{BB962C8B-B14F-4D97-AF65-F5344CB8AC3E}">
-        <p14:creationId xmlns:p14="http://schemas.microsoft.com/office/powerpoint/2010/main" val="1245530466"/>
+        <p14:creationId xmlns:p14="http://schemas.microsoft.com/office/powerpoint/2010/main" val="473092342"/>
       </p:ext>
     </p:extLst>
   </p:cSld>
@@ -3895,9 +5635,12 @@
 <p:sldMaster xmlns:a="http://schemas.openxmlformats.org/drawingml/2006/main" xmlns:r="http://schemas.openxmlformats.org/officeDocument/2006/relationships" xmlns:p="http://schemas.openxmlformats.org/presentationml/2006/main">
   <p:cSld>
     <p:bg>
-      <p:bgRef idx="1001">
-        <a:schemeClr val="bg1"/>
-      </p:bgRef>
+      <p:bgPr>
+        <a:solidFill>
+          <a:schemeClr val="bg1"/>
+        </a:solidFill>
+        <a:effectLst/>
+      </p:bgPr>
     </p:bg>
     <p:spTree>
       <p:nvGrpSpPr>
@@ -3915,7 +5658,7 @@
       </p:grpSpPr>
       <p:sp>
         <p:nvSpPr>
-          <p:cNvPr id="2" name="Title Placeholder 1"/>
+          <p:cNvPr id="1026" name="Title Placeholder 1"/>
           <p:cNvSpPr>
             <a:spLocks noGrp="1"/>
           </p:cNvSpPr>
@@ -3923,7 +5666,7 @@
             <p:ph type="title"/>
           </p:nvPr>
         </p:nvSpPr>
-        <p:spPr>
+        <p:spPr bwMode="auto">
           <a:xfrm>
             <a:off x="457200" y="274638"/>
             <a:ext cx="8229600" cy="1143000"/>
@@ -3931,24 +5674,49 @@
           <a:prstGeom prst="rect">
             <a:avLst/>
           </a:prstGeom>
-        </p:spPr>
-        <p:txBody>
-          <a:bodyPr vert="horz" lIns="91440" tIns="45720" rIns="91440" bIns="45720" rtlCol="0" anchor="ctr">
-            <a:normAutofit/>
+          <a:noFill/>
+          <a:ln>
+            <a:noFill/>
+          </a:ln>
+          <a:extLst>
+            <a:ext uri="{909E8E84-426E-40DD-AFC4-6F175D3DCCD1}">
+              <a14:hiddenFill xmlns:a14="http://schemas.microsoft.com/office/drawing/2010/main">
+                <a:solidFill>
+                  <a:srgbClr val="FFFFFF"/>
+                </a:solidFill>
+              </a14:hiddenFill>
+            </a:ext>
+            <a:ext uri="{91240B29-F687-4F45-9708-019B960494DF}">
+              <a14:hiddenLine xmlns:a14="http://schemas.microsoft.com/office/drawing/2010/main" w="9525">
+                <a:solidFill>
+                  <a:srgbClr val="000000"/>
+                </a:solidFill>
+                <a:miter lim="800000"/>
+                <a:headEnd/>
+                <a:tailEnd/>
+              </a14:hiddenLine>
+            </a:ext>
+          </a:extLst>
+        </p:spPr>
+        <p:txBody>
+          <a:bodyPr vert="horz" wrap="square" lIns="91440" tIns="45720" rIns="91440" bIns="45720" numCol="1" anchor="ctr" anchorCtr="0" compatLnSpc="1">
+            <a:prstTxWarp prst="textNoShape">
+              <a:avLst/>
+            </a:prstTxWarp>
           </a:bodyPr>
           <a:lstStyle/>
           <a:p>
-            <a:r>
-              <a:rPr lang="en-US" smtClean="0"/>
+            <a:pPr lvl="0"/>
+            <a:r>
+              <a:rPr lang="en-US" altLang="en-US" smtClean="0"/>
               <a:t>Click to edit Master title style</a:t>
             </a:r>
-            <a:endParaRPr lang="en-US"/>
-          </a:p>
-        </p:txBody>
-      </p:sp>
-      <p:sp>
-        <p:nvSpPr>
-          <p:cNvPr id="3" name="Text Placeholder 2"/>
+          </a:p>
+        </p:txBody>
+      </p:sp>
+      <p:sp>
+        <p:nvSpPr>
+          <p:cNvPr id="1027" name="Text Placeholder 2"/>
           <p:cNvSpPr>
             <a:spLocks noGrp="1"/>
           </p:cNvSpPr>
@@ -3956,7 +5724,7 @@
             <p:ph type="body" idx="1"/>
           </p:nvPr>
         </p:nvSpPr>
-        <p:spPr>
+        <p:spPr bwMode="auto">
           <a:xfrm>
             <a:off x="457200" y="1600200"/>
             <a:ext cx="8229600" cy="4525963"/>
@@ -3964,47 +5732,71 @@
           <a:prstGeom prst="rect">
             <a:avLst/>
           </a:prstGeom>
-        </p:spPr>
-        <p:txBody>
-          <a:bodyPr vert="horz" lIns="91440" tIns="45720" rIns="91440" bIns="45720" rtlCol="0">
-            <a:normAutofit/>
+          <a:noFill/>
+          <a:ln>
+            <a:noFill/>
+          </a:ln>
+          <a:extLst>
+            <a:ext uri="{909E8E84-426E-40DD-AFC4-6F175D3DCCD1}">
+              <a14:hiddenFill xmlns:a14="http://schemas.microsoft.com/office/drawing/2010/main">
+                <a:solidFill>
+                  <a:srgbClr val="FFFFFF"/>
+                </a:solidFill>
+              </a14:hiddenFill>
+            </a:ext>
+            <a:ext uri="{91240B29-F687-4F45-9708-019B960494DF}">
+              <a14:hiddenLine xmlns:a14="http://schemas.microsoft.com/office/drawing/2010/main" w="9525">
+                <a:solidFill>
+                  <a:srgbClr val="000000"/>
+                </a:solidFill>
+                <a:miter lim="800000"/>
+                <a:headEnd/>
+                <a:tailEnd/>
+              </a14:hiddenLine>
+            </a:ext>
+          </a:extLst>
+        </p:spPr>
+        <p:txBody>
+          <a:bodyPr vert="horz" wrap="square" lIns="91440" tIns="45720" rIns="91440" bIns="45720" numCol="1" anchor="t" anchorCtr="0" compatLnSpc="1">
+            <a:prstTxWarp prst="textNoShape">
+              <a:avLst/>
+            </a:prstTxWarp>
           </a:bodyPr>
           <a:lstStyle/>
           <a:p>
             <a:pPr lvl="0"/>
             <a:r>
-              <a:rPr lang="en-US" smtClean="0"/>
+              <a:rPr lang="en-US" altLang="en-US" smtClean="0"/>
               <a:t>Click to edit Master text styles</a:t>
             </a:r>
           </a:p>
           <a:p>
             <a:pPr lvl="1"/>
             <a:r>
-              <a:rPr lang="en-US" smtClean="0"/>
+              <a:rPr lang="en-US" altLang="en-US" smtClean="0"/>
               <a:t>Second level</a:t>
             </a:r>
           </a:p>
           <a:p>
             <a:pPr lvl="2"/>
             <a:r>
-              <a:rPr lang="en-US" smtClean="0"/>
+              <a:rPr lang="en-US" altLang="en-US" smtClean="0"/>
               <a:t>Third level</a:t>
             </a:r>
           </a:p>
           <a:p>
             <a:pPr lvl="3"/>
             <a:r>
-              <a:rPr lang="en-US" smtClean="0"/>
+              <a:rPr lang="en-US" altLang="en-US" smtClean="0"/>
               <a:t>Fourth level</a:t>
             </a:r>
           </a:p>
           <a:p>
             <a:pPr lvl="4"/>
             <a:r>
-              <a:rPr lang="en-US" smtClean="0"/>
+              <a:rPr lang="en-US" altLang="en-US" smtClean="0"/>
               <a:t>Fifth level</a:t>
             </a:r>
-            <a:endParaRPr lang="en-US"/>
           </a:p>
         </p:txBody>
       </p:sp>
@@ -4030,35 +5822,92 @@
         <p:txBody>
           <a:bodyPr vert="horz" lIns="91440" tIns="45720" rIns="91440" bIns="45720" rtlCol="0" anchor="ctr"/>
           <a:lstStyle>
-            <a:lvl1pPr algn="l">
+            <a:lvl1pPr algn="l" fontAlgn="auto">
+              <a:spcBef>
+                <a:spcPts val="0"/>
+              </a:spcBef>
+              <a:spcAft>
+                <a:spcPts val="0"/>
+              </a:spcAft>
+              <a:defRPr sz="1200" smtClean="0">
+                <a:solidFill>
+                  <a:schemeClr val="tx1">
+                    <a:tint val="75000"/>
+                  </a:schemeClr>
+                </a:solidFill>
+                <a:latin typeface="+mn-lt"/>
+                <a:cs typeface="+mn-cs"/>
+              </a:defRPr>
+            </a:lvl1pPr>
+          </a:lstStyle>
+          <a:p>
+            <a:endParaRPr lang="en-US" altLang="en-US"/>
+          </a:p>
+        </p:txBody>
+      </p:sp>
+      <p:sp>
+        <p:nvSpPr>
+          <p:cNvPr id="5" name="Footer Placeholder 4"/>
+          <p:cNvSpPr>
+            <a:spLocks noGrp="1"/>
+          </p:cNvSpPr>
+          <p:nvPr>
+            <p:ph type="ftr" sz="quarter" idx="3"/>
+          </p:nvPr>
+        </p:nvSpPr>
+        <p:spPr>
+          <a:xfrm>
+            <a:off x="3124200" y="6356350"/>
+            <a:ext cx="2895600" cy="365125"/>
+          </a:xfrm>
+          <a:prstGeom prst="rect">
+            <a:avLst/>
+          </a:prstGeom>
+        </p:spPr>
+        <p:txBody>
+          <a:bodyPr vert="horz" lIns="91440" tIns="45720" rIns="91440" bIns="45720" rtlCol="0" anchor="ctr"/>
+          <a:lstStyle>
+            <a:lvl1pPr algn="ctr" fontAlgn="auto">
+              <a:spcBef>
+                <a:spcPts val="0"/>
+              </a:spcBef>
+              <a:spcAft>
+                <a:spcPts val="0"/>
+              </a:spcAft>
               <a:defRPr sz="1200">
                 <a:solidFill>
                   <a:schemeClr val="tx1">
                     <a:tint val="75000"/>
                   </a:schemeClr>
                 </a:solidFill>
+                <a:latin typeface="+mn-lt"/>
+                <a:cs typeface="+mn-cs"/>
               </a:defRPr>
             </a:lvl1pPr>
           </a:lstStyle>
           <a:p>
+            <a:r>
+              <a:rPr lang="en-US" altLang="en-US" smtClean="0"/>
+              <a:t>Basics</a:t>
+            </a:r>
             <a:endParaRPr lang="en-US" altLang="en-US"/>
           </a:p>
         </p:txBody>
       </p:sp>
       <p:sp>
         <p:nvSpPr>
-          <p:cNvPr id="5" name="Footer Placeholder 4"/>
+          <p:cNvPr id="6" name="Slide Number Placeholder 5"/>
           <p:cNvSpPr>
             <a:spLocks noGrp="1"/>
           </p:cNvSpPr>
           <p:nvPr>
-            <p:ph type="ftr" sz="quarter" idx="3"/>
+            <p:ph type="sldNum" sz="quarter" idx="4"/>
           </p:nvPr>
         </p:nvSpPr>
         <p:spPr>
           <a:xfrm>
-            <a:off x="3124200" y="6356350"/>
-            <a:ext cx="2895600" cy="365125"/>
+            <a:off x="6553200" y="6356350"/>
+            <a:ext cx="2133600" cy="365125"/>
           </a:xfrm>
           <a:prstGeom prst="rect">
             <a:avLst/>
@@ -4067,54 +5916,21 @@
         <p:txBody>
           <a:bodyPr vert="horz" lIns="91440" tIns="45720" rIns="91440" bIns="45720" rtlCol="0" anchor="ctr"/>
           <a:lstStyle>
-            <a:lvl1pPr algn="ctr">
+            <a:lvl1pPr algn="r" fontAlgn="auto">
+              <a:spcBef>
+                <a:spcPts val="0"/>
+              </a:spcBef>
+              <a:spcAft>
+                <a:spcPts val="0"/>
+              </a:spcAft>
               <a:defRPr sz="1200">
                 <a:solidFill>
                   <a:schemeClr val="tx1">
                     <a:tint val="75000"/>
                   </a:schemeClr>
                 </a:solidFill>
-              </a:defRPr>
-            </a:lvl1pPr>
-          </a:lstStyle>
-          <a:p>
-            <a:r>
-              <a:rPr lang="en-US" altLang="en-US" smtClean="0"/>
-              <a:t>Basics</a:t>
-            </a:r>
-            <a:endParaRPr lang="en-US" altLang="en-US"/>
-          </a:p>
-        </p:txBody>
-      </p:sp>
-      <p:sp>
-        <p:nvSpPr>
-          <p:cNvPr id="6" name="Slide Number Placeholder 5"/>
-          <p:cNvSpPr>
-            <a:spLocks noGrp="1"/>
-          </p:cNvSpPr>
-          <p:nvPr>
-            <p:ph type="sldNum" sz="quarter" idx="4"/>
-          </p:nvPr>
-        </p:nvSpPr>
-        <p:spPr>
-          <a:xfrm>
-            <a:off x="6553200" y="6356350"/>
-            <a:ext cx="2133600" cy="365125"/>
-          </a:xfrm>
-          <a:prstGeom prst="rect">
-            <a:avLst/>
-          </a:prstGeom>
-        </p:spPr>
-        <p:txBody>
-          <a:bodyPr vert="horz" lIns="91440" tIns="45720" rIns="91440" bIns="45720" rtlCol="0" anchor="ctr"/>
-          <a:lstStyle>
-            <a:lvl1pPr algn="r">
-              <a:defRPr sz="1200">
-                <a:solidFill>
-                  <a:schemeClr val="tx1">
-                    <a:tint val="75000"/>
-                  </a:schemeClr>
-                </a:solidFill>
+                <a:latin typeface="+mn-lt"/>
+                <a:cs typeface="+mn-cs"/>
               </a:defRPr>
             </a:lvl1pPr>
           </a:lstStyle>
@@ -4133,35 +5949,32 @@
         </p:txBody>
       </p:sp>
     </p:spTree>
-    <p:extLst>
-      <p:ext uri="{BB962C8B-B14F-4D97-AF65-F5344CB8AC3E}">
-        <p14:creationId xmlns:p14="http://schemas.microsoft.com/office/powerpoint/2010/main" val="782527201"/>
-      </p:ext>
-    </p:extLst>
   </p:cSld>
   <p:clrMap bg1="lt1" tx1="dk1" bg2="lt2" tx2="dk2" accent1="accent1" accent2="accent2" accent3="accent3" accent4="accent4" accent5="accent5" accent6="accent6" hlink="hlink" folHlink="folHlink"/>
   <p:sldLayoutIdLst>
-    <p:sldLayoutId id="2147483767" r:id="rId1"/>
-    <p:sldLayoutId id="2147483768" r:id="rId2"/>
-    <p:sldLayoutId id="2147483769" r:id="rId3"/>
-    <p:sldLayoutId id="2147483770" r:id="rId4"/>
-    <p:sldLayoutId id="2147483771" r:id="rId5"/>
-    <p:sldLayoutId id="2147483772" r:id="rId6"/>
-    <p:sldLayoutId id="2147483773" r:id="rId7"/>
-    <p:sldLayoutId id="2147483774" r:id="rId8"/>
-    <p:sldLayoutId id="2147483775" r:id="rId9"/>
-    <p:sldLayoutId id="2147483776" r:id="rId10"/>
-    <p:sldLayoutId id="2147483777" r:id="rId11"/>
-    <p:sldLayoutId id="2147483778" r:id="rId12"/>
+    <p:sldLayoutId id="2147483780" r:id="rId1"/>
+    <p:sldLayoutId id="2147483781" r:id="rId2"/>
+    <p:sldLayoutId id="2147483782" r:id="rId3"/>
+    <p:sldLayoutId id="2147483783" r:id="rId4"/>
+    <p:sldLayoutId id="2147483784" r:id="rId5"/>
+    <p:sldLayoutId id="2147483785" r:id="rId6"/>
+    <p:sldLayoutId id="2147483786" r:id="rId7"/>
+    <p:sldLayoutId id="2147483787" r:id="rId8"/>
+    <p:sldLayoutId id="2147483788" r:id="rId9"/>
+    <p:sldLayoutId id="2147483789" r:id="rId10"/>
+    <p:sldLayoutId id="2147483790" r:id="rId11"/>
+    <p:sldLayoutId id="2147483792" r:id="rId12"/>
   </p:sldLayoutIdLst>
   <p:hf hdr="0" dt="0"/>
   <p:txStyles>
     <p:titleStyle>
-      <a:lvl1pPr algn="ctr" defTabSz="914400" rtl="0" eaLnBrk="1" latinLnBrk="0" hangingPunct="1">
+      <a:lvl1pPr algn="ctr" rtl="0" eaLnBrk="1" fontAlgn="base" hangingPunct="1">
         <a:spcBef>
           <a:spcPct val="0"/>
         </a:spcBef>
-        <a:buNone/>
+        <a:spcAft>
+          <a:spcPct val="0"/>
+        </a:spcAft>
         <a:defRPr sz="4400" kern="1200">
           <a:solidFill>
             <a:schemeClr val="tx1"/>
@@ -4171,13 +5984,128 @@
           <a:cs typeface="+mj-cs"/>
         </a:defRPr>
       </a:lvl1pPr>
+      <a:lvl2pPr algn="ctr" rtl="0" eaLnBrk="1" fontAlgn="base" hangingPunct="1">
+        <a:spcBef>
+          <a:spcPct val="0"/>
+        </a:spcBef>
+        <a:spcAft>
+          <a:spcPct val="0"/>
+        </a:spcAft>
+        <a:defRPr sz="4400">
+          <a:solidFill>
+            <a:schemeClr val="tx1"/>
+          </a:solidFill>
+          <a:latin typeface="Calibri" pitchFamily="34" charset="0"/>
+        </a:defRPr>
+      </a:lvl2pPr>
+      <a:lvl3pPr algn="ctr" rtl="0" eaLnBrk="1" fontAlgn="base" hangingPunct="1">
+        <a:spcBef>
+          <a:spcPct val="0"/>
+        </a:spcBef>
+        <a:spcAft>
+          <a:spcPct val="0"/>
+        </a:spcAft>
+        <a:defRPr sz="4400">
+          <a:solidFill>
+            <a:schemeClr val="tx1"/>
+          </a:solidFill>
+          <a:latin typeface="Calibri" pitchFamily="34" charset="0"/>
+        </a:defRPr>
+      </a:lvl3pPr>
+      <a:lvl4pPr algn="ctr" rtl="0" eaLnBrk="1" fontAlgn="base" hangingPunct="1">
+        <a:spcBef>
+          <a:spcPct val="0"/>
+        </a:spcBef>
+        <a:spcAft>
+          <a:spcPct val="0"/>
+        </a:spcAft>
+        <a:defRPr sz="4400">
+          <a:solidFill>
+            <a:schemeClr val="tx1"/>
+          </a:solidFill>
+          <a:latin typeface="Calibri" pitchFamily="34" charset="0"/>
+        </a:defRPr>
+      </a:lvl4pPr>
+      <a:lvl5pPr algn="ctr" rtl="0" eaLnBrk="1" fontAlgn="base" hangingPunct="1">
+        <a:spcBef>
+          <a:spcPct val="0"/>
+        </a:spcBef>
+        <a:spcAft>
+          <a:spcPct val="0"/>
+        </a:spcAft>
+        <a:defRPr sz="4400">
+          <a:solidFill>
+            <a:schemeClr val="tx1"/>
+          </a:solidFill>
+          <a:latin typeface="Calibri" pitchFamily="34" charset="0"/>
+        </a:defRPr>
+      </a:lvl5pPr>
+      <a:lvl6pPr marL="457200" algn="ctr" rtl="0" eaLnBrk="1" fontAlgn="base" hangingPunct="1">
+        <a:spcBef>
+          <a:spcPct val="0"/>
+        </a:spcBef>
+        <a:spcAft>
+          <a:spcPct val="0"/>
+        </a:spcAft>
+        <a:defRPr sz="4400">
+          <a:solidFill>
+            <a:schemeClr val="tx1"/>
+          </a:solidFill>
+          <a:latin typeface="Calibri" pitchFamily="34" charset="0"/>
+        </a:defRPr>
+      </a:lvl6pPr>
+      <a:lvl7pPr marL="914400" algn="ctr" rtl="0" eaLnBrk="1" fontAlgn="base" hangingPunct="1">
+        <a:spcBef>
+          <a:spcPct val="0"/>
+        </a:spcBef>
+        <a:spcAft>
+          <a:spcPct val="0"/>
+        </a:spcAft>
+        <a:defRPr sz="4400">
+          <a:solidFill>
+            <a:schemeClr val="tx1"/>
+          </a:solidFill>
+          <a:latin typeface="Calibri" pitchFamily="34" charset="0"/>
+        </a:defRPr>
+      </a:lvl7pPr>
+      <a:lvl8pPr marL="1371600" algn="ctr" rtl="0" eaLnBrk="1" fontAlgn="base" hangingPunct="1">
+        <a:spcBef>
+          <a:spcPct val="0"/>
+        </a:spcBef>
+        <a:spcAft>
+          <a:spcPct val="0"/>
+        </a:spcAft>
+        <a:defRPr sz="4400">
+          <a:solidFill>
+            <a:schemeClr val="tx1"/>
+          </a:solidFill>
+          <a:latin typeface="Calibri" pitchFamily="34" charset="0"/>
+        </a:defRPr>
+      </a:lvl8pPr>
+      <a:lvl9pPr marL="1828800" algn="ctr" rtl="0" eaLnBrk="1" fontAlgn="base" hangingPunct="1">
+        <a:spcBef>
+          <a:spcPct val="0"/>
+        </a:spcBef>
+        <a:spcAft>
+          <a:spcPct val="0"/>
+        </a:spcAft>
+        <a:defRPr sz="4400">
+          <a:solidFill>
+            <a:schemeClr val="tx1"/>
+          </a:solidFill>
+          <a:latin typeface="Calibri" pitchFamily="34" charset="0"/>
+        </a:defRPr>
+      </a:lvl9pPr>
     </p:titleStyle>
     <p:bodyStyle>
-      <a:lvl1pPr marL="342900" indent="-342900" algn="l" defTabSz="914400" rtl="0" eaLnBrk="1" latinLnBrk="0" hangingPunct="1">
+      <a:lvl1pPr marL="342900" indent="-342900" algn="l" rtl="0" eaLnBrk="1" fontAlgn="base" hangingPunct="1">
         <a:spcBef>
           <a:spcPct val="20000"/>
         </a:spcBef>
-        <a:buFont typeface="Arial" panose="020B0604020202020204" pitchFamily="34" charset="0"/>
+        <a:spcAft>
+          <a:spcPct val="0"/>
+        </a:spcAft>
+        <a:buFont typeface="Arial" charset="0"/>
         <a:buChar char="•"/>
         <a:defRPr sz="3200" kern="1200">
           <a:solidFill>
@@ -4188,11 +6116,14 @@
           <a:cs typeface="+mn-cs"/>
         </a:defRPr>
       </a:lvl1pPr>
-      <a:lvl2pPr marL="742950" indent="-285750" algn="l" defTabSz="914400" rtl="0" eaLnBrk="1" latinLnBrk="0" hangingPunct="1">
+      <a:lvl2pPr marL="742950" indent="-285750" algn="l" rtl="0" eaLnBrk="1" fontAlgn="base" hangingPunct="1">
         <a:spcBef>
           <a:spcPct val="20000"/>
         </a:spcBef>
-        <a:buFont typeface="Arial" panose="020B0604020202020204" pitchFamily="34" charset="0"/>
+        <a:spcAft>
+          <a:spcPct val="0"/>
+        </a:spcAft>
+        <a:buFont typeface="Arial" charset="0"/>
         <a:buChar char="–"/>
         <a:defRPr sz="2800" kern="1200">
           <a:solidFill>
@@ -4203,11 +6134,14 @@
           <a:cs typeface="+mn-cs"/>
         </a:defRPr>
       </a:lvl2pPr>
-      <a:lvl3pPr marL="1143000" indent="-228600" algn="l" defTabSz="914400" rtl="0" eaLnBrk="1" latinLnBrk="0" hangingPunct="1">
+      <a:lvl3pPr marL="1143000" indent="-228600" algn="l" rtl="0" eaLnBrk="1" fontAlgn="base" hangingPunct="1">
         <a:spcBef>
           <a:spcPct val="20000"/>
         </a:spcBef>
-        <a:buFont typeface="Arial" panose="020B0604020202020204" pitchFamily="34" charset="0"/>
+        <a:spcAft>
+          <a:spcPct val="0"/>
+        </a:spcAft>
+        <a:buFont typeface="Arial" charset="0"/>
         <a:buChar char="•"/>
         <a:defRPr sz="2400" kern="1200">
           <a:solidFill>
@@ -4218,11 +6152,14 @@
           <a:cs typeface="+mn-cs"/>
         </a:defRPr>
       </a:lvl3pPr>
-      <a:lvl4pPr marL="1600200" indent="-228600" algn="l" defTabSz="914400" rtl="0" eaLnBrk="1" latinLnBrk="0" hangingPunct="1">
+      <a:lvl4pPr marL="1600200" indent="-228600" algn="l" rtl="0" eaLnBrk="1" fontAlgn="base" hangingPunct="1">
         <a:spcBef>
           <a:spcPct val="20000"/>
         </a:spcBef>
-        <a:buFont typeface="Arial" panose="020B0604020202020204" pitchFamily="34" charset="0"/>
+        <a:spcAft>
+          <a:spcPct val="0"/>
+        </a:spcAft>
+        <a:buFont typeface="Arial" charset="0"/>
         <a:buChar char="–"/>
         <a:defRPr sz="2000" kern="1200">
           <a:solidFill>
@@ -4233,11 +6170,14 @@
           <a:cs typeface="+mn-cs"/>
         </a:defRPr>
       </a:lvl4pPr>
-      <a:lvl5pPr marL="2057400" indent="-228600" algn="l" defTabSz="914400" rtl="0" eaLnBrk="1" latinLnBrk="0" hangingPunct="1">
+      <a:lvl5pPr marL="2057400" indent="-228600" algn="l" rtl="0" eaLnBrk="1" fontAlgn="base" hangingPunct="1">
         <a:spcBef>
           <a:spcPct val="20000"/>
         </a:spcBef>
-        <a:buFont typeface="Arial" panose="020B0604020202020204" pitchFamily="34" charset="0"/>
+        <a:spcAft>
+          <a:spcPct val="0"/>
+        </a:spcAft>
+        <a:buFont typeface="Arial" charset="0"/>
         <a:buChar char="»"/>
         <a:defRPr sz="2000" kern="1200">
           <a:solidFill>
@@ -4252,7 +6192,7 @@
         <a:spcBef>
           <a:spcPct val="20000"/>
         </a:spcBef>
-        <a:buFont typeface="Arial" panose="020B0604020202020204" pitchFamily="34" charset="0"/>
+        <a:buFont typeface="Arial" pitchFamily="34" charset="0"/>
         <a:buChar char="•"/>
         <a:defRPr sz="2000" kern="1200">
           <a:solidFill>
@@ -4267,7 +6207,7 @@
         <a:spcBef>
           <a:spcPct val="20000"/>
         </a:spcBef>
-        <a:buFont typeface="Arial" panose="020B0604020202020204" pitchFamily="34" charset="0"/>
+        <a:buFont typeface="Arial" pitchFamily="34" charset="0"/>
         <a:buChar char="•"/>
         <a:defRPr sz="2000" kern="1200">
           <a:solidFill>
@@ -4282,7 +6222,7 @@
         <a:spcBef>
           <a:spcPct val="20000"/>
         </a:spcBef>
-        <a:buFont typeface="Arial" panose="020B0604020202020204" pitchFamily="34" charset="0"/>
+        <a:buFont typeface="Arial" pitchFamily="34" charset="0"/>
         <a:buChar char="•"/>
         <a:defRPr sz="2000" kern="1200">
           <a:solidFill>
@@ -4297,7 +6237,7 @@
         <a:spcBef>
           <a:spcPct val="20000"/>
         </a:spcBef>
-        <a:buFont typeface="Arial" panose="020B0604020202020204" pitchFamily="34" charset="0"/>
+        <a:buFont typeface="Arial" pitchFamily="34" charset="0"/>
         <a:buChar char="•"/>
         <a:defRPr sz="2000" kern="1200">
           <a:solidFill>
@@ -4443,9 +6383,22 @@
           <a:lstStyle/>
           <a:p>
             <a:r>
-              <a:rPr lang="en-US" altLang="en-US"/>
-              <a:t>Basics for E201 and E202 That You Should Know!</a:t>
-            </a:r>
+              <a:rPr lang="en-US" altLang="en-US" dirty="0"/>
+              <a:t>Basics for </a:t>
+            </a:r>
+            <a:r>
+              <a:rPr lang="en-US" altLang="en-US" dirty="0" smtClean="0"/>
+              <a:t>Econ 201 </a:t>
+            </a:r>
+            <a:r>
+              <a:rPr lang="en-US" altLang="en-US" dirty="0"/>
+              <a:t>and </a:t>
+            </a:r>
+            <a:r>
+              <a:rPr lang="en-US" altLang="en-US" dirty="0" smtClean="0"/>
+              <a:t>Econ 202</a:t>
+            </a:r>
+            <a:endParaRPr lang="en-US" altLang="en-US" dirty="0"/>
           </a:p>
         </p:txBody>
       </p:sp>
@@ -4523,9 +6476,10 @@
           <a:lstStyle/>
           <a:p>
             <a:r>
-              <a:rPr lang="en-US" altLang="en-US" sz="4000"/>
+              <a:rPr lang="en-US" altLang="en-US" sz="4000" smtClean="0"/>
               <a:t>The Production Possibilities Frontier (PPF) Curve</a:t>
             </a:r>
+            <a:endParaRPr lang="en-US" altLang="en-US" sz="4000"/>
           </a:p>
         </p:txBody>
       </p:sp>
@@ -4550,18 +6504,18 @@
           <a:lstStyle/>
           <a:p>
             <a:r>
-              <a:rPr lang="en-US" altLang="en-US"/>
+              <a:rPr lang="en-US" altLang="en-US" dirty="0" smtClean="0"/>
               <a:t>When the economy is at point </a:t>
             </a:r>
             <a:r>
-              <a:rPr lang="en-US" altLang="en-US" i="1"/>
+              <a:rPr lang="en-US" altLang="en-US" i="1" dirty="0" err="1" smtClean="0"/>
               <a:t>i</a:t>
             </a:r>
             <a:r>
-              <a:rPr lang="en-US" altLang="en-US"/>
+              <a:rPr lang="en-US" altLang="en-US" dirty="0" smtClean="0"/>
               <a:t>, resources are not fully employed and/or they are not used efficiently. </a:t>
             </a:r>
-            <a:endParaRPr lang="en-US" altLang="en-US" sz="2800"/>
+            <a:endParaRPr lang="en-US" altLang="en-US" sz="2800" dirty="0"/>
           </a:p>
         </p:txBody>
       </p:sp>
@@ -4627,28 +6581,6 @@
       </p:pic>
       <p:sp>
         <p:nvSpPr>
-          <p:cNvPr id="6" name="Footer Placeholder 5"/>
-          <p:cNvSpPr>
-            <a:spLocks noGrp="1"/>
-          </p:cNvSpPr>
-          <p:nvPr>
-            <p:ph type="ftr" sz="quarter" idx="11"/>
-          </p:nvPr>
-        </p:nvSpPr>
-        <p:spPr/>
-        <p:txBody>
-          <a:bodyPr/>
-          <a:lstStyle/>
-          <a:p>
-            <a:r>
-              <a:rPr lang="en-US" altLang="en-US"/>
-              <a:t>Basics</a:t>
-            </a:r>
-          </a:p>
-        </p:txBody>
-      </p:sp>
-      <p:sp>
-        <p:nvSpPr>
           <p:cNvPr id="3" name="Slide Number Placeholder 2"/>
           <p:cNvSpPr>
             <a:spLocks noGrp="1"/>
@@ -4671,6 +6603,29 @@
               <a:pPr/>
               <a:t>10</a:t>
             </a:fld>
+            <a:endParaRPr lang="en-US" altLang="en-US"/>
+          </a:p>
+        </p:txBody>
+      </p:sp>
+      <p:sp>
+        <p:nvSpPr>
+          <p:cNvPr id="6" name="Footer Placeholder 5"/>
+          <p:cNvSpPr>
+            <a:spLocks noGrp="1"/>
+          </p:cNvSpPr>
+          <p:nvPr>
+            <p:ph type="ftr" sz="quarter" idx="11"/>
+          </p:nvPr>
+        </p:nvSpPr>
+        <p:spPr/>
+        <p:txBody>
+          <a:bodyPr/>
+          <a:lstStyle/>
+          <a:p>
+            <a:r>
+              <a:rPr lang="en-US" altLang="en-US" smtClean="0"/>
+              <a:t>Basics</a:t>
+            </a:r>
             <a:endParaRPr lang="en-US" altLang="en-US"/>
           </a:p>
         </p:txBody>
@@ -4908,28 +6863,6 @@
       </p:pic>
       <p:sp>
         <p:nvSpPr>
-          <p:cNvPr id="6" name="Footer Placeholder 5"/>
-          <p:cNvSpPr>
-            <a:spLocks noGrp="1"/>
-          </p:cNvSpPr>
-          <p:nvPr>
-            <p:ph type="ftr" sz="quarter" idx="11"/>
-          </p:nvPr>
-        </p:nvSpPr>
-        <p:spPr/>
-        <p:txBody>
-          <a:bodyPr/>
-          <a:lstStyle/>
-          <a:p>
-            <a:r>
-              <a:rPr lang="en-US" altLang="en-US"/>
-              <a:t>Basics</a:t>
-            </a:r>
-          </a:p>
-        </p:txBody>
-      </p:sp>
-      <p:sp>
-        <p:nvSpPr>
           <p:cNvPr id="3" name="Slide Number Placeholder 2"/>
           <p:cNvSpPr>
             <a:spLocks noGrp="1"/>
@@ -4953,6 +6886,28 @@
               <a:t>11</a:t>
             </a:fld>
             <a:endParaRPr lang="en-US" altLang="en-US"/>
+          </a:p>
+        </p:txBody>
+      </p:sp>
+      <p:sp>
+        <p:nvSpPr>
+          <p:cNvPr id="6" name="Footer Placeholder 5"/>
+          <p:cNvSpPr>
+            <a:spLocks noGrp="1"/>
+          </p:cNvSpPr>
+          <p:nvPr>
+            <p:ph type="ftr" sz="quarter" idx="11"/>
+          </p:nvPr>
+        </p:nvSpPr>
+        <p:spPr/>
+        <p:txBody>
+          <a:bodyPr/>
+          <a:lstStyle/>
+          <a:p>
+            <a:r>
+              <a:rPr lang="en-US" altLang="en-US"/>
+              <a:t>Basics</a:t>
+            </a:r>
           </a:p>
         </p:txBody>
       </p:sp>
@@ -5185,28 +7140,6 @@
       </p:pic>
       <p:sp>
         <p:nvSpPr>
-          <p:cNvPr id="6" name="Footer Placeholder 5"/>
-          <p:cNvSpPr>
-            <a:spLocks noGrp="1"/>
-          </p:cNvSpPr>
-          <p:nvPr>
-            <p:ph type="ftr" sz="quarter" idx="11"/>
-          </p:nvPr>
-        </p:nvSpPr>
-        <p:spPr/>
-        <p:txBody>
-          <a:bodyPr/>
-          <a:lstStyle/>
-          <a:p>
-            <a:r>
-              <a:rPr lang="en-US" altLang="en-US"/>
-              <a:t>Basics</a:t>
-            </a:r>
-          </a:p>
-        </p:txBody>
-      </p:sp>
-      <p:sp>
-        <p:nvSpPr>
           <p:cNvPr id="3" name="Slide Number Placeholder 2"/>
           <p:cNvSpPr>
             <a:spLocks noGrp="1"/>
@@ -5230,6 +7163,28 @@
               <a:t>12</a:t>
             </a:fld>
             <a:endParaRPr lang="en-US" altLang="en-US"/>
+          </a:p>
+        </p:txBody>
+      </p:sp>
+      <p:sp>
+        <p:nvSpPr>
+          <p:cNvPr id="6" name="Footer Placeholder 5"/>
+          <p:cNvSpPr>
+            <a:spLocks noGrp="1"/>
+          </p:cNvSpPr>
+          <p:nvPr>
+            <p:ph type="ftr" sz="quarter" idx="11"/>
+          </p:nvPr>
+        </p:nvSpPr>
+        <p:spPr/>
+        <p:txBody>
+          <a:bodyPr/>
+          <a:lstStyle/>
+          <a:p>
+            <a:r>
+              <a:rPr lang="en-US" altLang="en-US"/>
+              <a:t>Basics</a:t>
+            </a:r>
           </a:p>
         </p:txBody>
       </p:sp>
@@ -5343,32 +7298,6 @@
       </p:grpSpPr>
       <p:sp>
         <p:nvSpPr>
-          <p:cNvPr id="62466" name="Rectangle 2"/>
-          <p:cNvSpPr>
-            <a:spLocks noGrp="1" noChangeArrowheads="1"/>
-          </p:cNvSpPr>
-          <p:nvPr>
-            <p:ph type="title"/>
-          </p:nvPr>
-        </p:nvSpPr>
-        <p:spPr>
-          <a:ln/>
-        </p:spPr>
-        <p:txBody>
-          <a:bodyPr>
-            <a:normAutofit fontScale="90000"/>
-          </a:bodyPr>
-          <a:lstStyle/>
-          <a:p>
-            <a:r>
-              <a:rPr lang="en-US" altLang="en-US" sz="4000"/>
-              <a:t>Scarcity and the Production Possibilities Curve</a:t>
-            </a:r>
-          </a:p>
-        </p:txBody>
-      </p:sp>
-      <p:sp>
-        <p:nvSpPr>
           <p:cNvPr id="62468" name="Rectangle 4"/>
           <p:cNvSpPr>
             <a:spLocks noGrp="1" noChangeArrowheads="1"/>
@@ -5395,10 +7324,10 @@
               <a:buFontTx/>
               <a:buNone/>
             </a:pPr>
-            <a:endParaRPr lang="en-US" altLang="en-US" sz="3200"/>
-          </a:p>
-          <a:p>
-            <a:endParaRPr lang="en-US" altLang="en-US"/>
+            <a:endParaRPr lang="en-US" altLang="en-US" sz="3200" dirty="0"/>
+          </a:p>
+          <a:p>
+            <a:endParaRPr lang="en-US" altLang="en-US" dirty="0"/>
           </a:p>
         </p:txBody>
       </p:sp>
@@ -5431,6 +7360,40 @@
       </p:sp>
       <p:sp>
         <p:nvSpPr>
+          <p:cNvPr id="62466" name="Rectangle 2"/>
+          <p:cNvSpPr>
+            <a:spLocks noGrp="1" noChangeArrowheads="1"/>
+          </p:cNvSpPr>
+          <p:nvPr>
+            <p:ph type="title"/>
+          </p:nvPr>
+        </p:nvSpPr>
+        <p:spPr>
+          <a:ln/>
+        </p:spPr>
+        <p:txBody>
+          <a:bodyPr>
+            <a:normAutofit fontScale="90000"/>
+          </a:bodyPr>
+          <a:lstStyle/>
+          <a:p>
+            <a:r>
+              <a:rPr lang="en-US" altLang="en-US" sz="4000" dirty="0"/>
+              <a:t>Scarcity and </a:t>
+            </a:r>
+            <a:r>
+              <a:rPr lang="en-US" altLang="en-US" sz="4000" dirty="0" smtClean="0"/>
+              <a:t>Production </a:t>
+            </a:r>
+            <a:r>
+              <a:rPr lang="en-US" altLang="en-US" sz="4000" dirty="0"/>
+              <a:t>Possibilities Curve</a:t>
+            </a:r>
+          </a:p>
+        </p:txBody>
+      </p:sp>
+      <p:sp>
+        <p:nvSpPr>
           <p:cNvPr id="7" name="Footer Placeholder 5"/>
           <p:cNvSpPr>
             <a:spLocks noGrp="1"/>
@@ -5448,6 +7411,34 @@
               <a:rPr lang="en-US" altLang="en-US"/>
               <a:t>Basics</a:t>
             </a:r>
+          </a:p>
+        </p:txBody>
+      </p:sp>
+      <p:sp>
+        <p:nvSpPr>
+          <p:cNvPr id="3" name="Slide Number Placeholder 2"/>
+          <p:cNvSpPr>
+            <a:spLocks noGrp="1"/>
+          </p:cNvSpPr>
+          <p:nvPr>
+            <p:ph type="sldNum" sz="quarter" idx="12"/>
+          </p:nvPr>
+        </p:nvSpPr>
+        <p:spPr/>
+        <p:txBody>
+          <a:bodyPr/>
+          <a:lstStyle/>
+          <a:p>
+            <a:r>
+              <a:rPr lang="en-US" altLang="en-US" smtClean="0"/>
+              <a:t>/</a:t>
+            </a:r>
+            <a:fld id="{72C9A606-1EF7-4C6D-A0C6-0919A5BD860E}" type="slidenum">
+              <a:rPr lang="en-US" altLang="en-US" smtClean="0"/>
+              <a:pPr/>
+              <a:t>13</a:t>
+            </a:fld>
+            <a:endParaRPr lang="en-US" altLang="en-US"/>
           </a:p>
         </p:txBody>
       </p:sp>
@@ -5492,34 +7483,6 @@
           </a:extLst>
         </p:spPr>
       </p:pic>
-      <p:sp>
-        <p:nvSpPr>
-          <p:cNvPr id="3" name="Slide Number Placeholder 2"/>
-          <p:cNvSpPr>
-            <a:spLocks noGrp="1"/>
-          </p:cNvSpPr>
-          <p:nvPr>
-            <p:ph type="sldNum" sz="quarter" idx="12"/>
-          </p:nvPr>
-        </p:nvSpPr>
-        <p:spPr/>
-        <p:txBody>
-          <a:bodyPr/>
-          <a:lstStyle/>
-          <a:p>
-            <a:r>
-              <a:rPr lang="en-US" altLang="en-US" smtClean="0"/>
-              <a:t>/</a:t>
-            </a:r>
-            <a:fld id="{72C9A606-1EF7-4C6D-A0C6-0919A5BD860E}" type="slidenum">
-              <a:rPr lang="en-US" altLang="en-US" smtClean="0"/>
-              <a:pPr/>
-              <a:t>13</a:t>
-            </a:fld>
-            <a:endParaRPr lang="en-US" altLang="en-US"/>
-          </a:p>
-        </p:txBody>
-      </p:sp>
     </p:spTree>
   </p:cSld>
   <p:clrMapOvr>
@@ -5628,32 +7591,6 @@
           <a:chExt cx="0" cy="0"/>
         </a:xfrm>
       </p:grpSpPr>
-      <p:sp>
-        <p:nvSpPr>
-          <p:cNvPr id="65538" name="Rectangle 2"/>
-          <p:cNvSpPr>
-            <a:spLocks noGrp="1" noChangeArrowheads="1"/>
-          </p:cNvSpPr>
-          <p:nvPr>
-            <p:ph type="title"/>
-          </p:nvPr>
-        </p:nvSpPr>
-        <p:spPr>
-          <a:ln/>
-        </p:spPr>
-        <p:txBody>
-          <a:bodyPr>
-            <a:normAutofit fontScale="90000"/>
-          </a:bodyPr>
-          <a:lstStyle/>
-          <a:p>
-            <a:r>
-              <a:rPr lang="en-US" altLang="en-US" sz="4000"/>
-              <a:t>The Production Possibilities Frontier (PPF) Curve</a:t>
-            </a:r>
-          </a:p>
-        </p:txBody>
-      </p:sp>
       <p:pic>
         <p:nvPicPr>
           <p:cNvPr id="65542" name="Picture 6" descr="fig1_3_2"/>
@@ -5767,6 +7704,37 @@
               </a:lnSpc>
             </a:pPr>
             <a:endParaRPr lang="en-US" altLang="en-US"/>
+          </a:p>
+        </p:txBody>
+      </p:sp>
+      <p:sp>
+        <p:nvSpPr>
+          <p:cNvPr id="65538" name="Rectangle 2"/>
+          <p:cNvSpPr>
+            <a:spLocks noGrp="1" noChangeArrowheads="1"/>
+          </p:cNvSpPr>
+          <p:nvPr>
+            <p:ph type="title"/>
+          </p:nvPr>
+        </p:nvSpPr>
+        <p:spPr>
+          <a:ln/>
+        </p:spPr>
+        <p:txBody>
+          <a:bodyPr>
+            <a:normAutofit fontScale="90000"/>
+          </a:bodyPr>
+          <a:lstStyle/>
+          <a:p>
+            <a:r>
+              <a:rPr lang="en-US" altLang="en-US" sz="4000" dirty="0"/>
+              <a:t>The Production Possibilities Frontier (PPF</a:t>
+            </a:r>
+            <a:r>
+              <a:rPr lang="en-US" altLang="en-US" sz="4000" dirty="0" smtClean="0"/>
+              <a:t>)</a:t>
+            </a:r>
+            <a:endParaRPr lang="en-US" altLang="en-US" sz="4000" dirty="0"/>
           </a:p>
         </p:txBody>
       </p:sp>
@@ -5930,32 +7898,6 @@
       </p:grpSpPr>
       <p:sp>
         <p:nvSpPr>
-          <p:cNvPr id="15362" name="Rectangle 2"/>
-          <p:cNvSpPr>
-            <a:spLocks noGrp="1" noChangeArrowheads="1"/>
-          </p:cNvSpPr>
-          <p:nvPr>
-            <p:ph type="title"/>
-          </p:nvPr>
-        </p:nvSpPr>
-        <p:spPr>
-          <a:ln/>
-        </p:spPr>
-        <p:txBody>
-          <a:bodyPr>
-            <a:normAutofit fontScale="90000"/>
-          </a:bodyPr>
-          <a:lstStyle/>
-          <a:p>
-            <a:r>
-              <a:rPr lang="en-US" altLang="en-US" sz="4000"/>
-              <a:t>Shifting the Production Possibilities Curve</a:t>
-            </a:r>
-          </a:p>
-        </p:txBody>
-      </p:sp>
-      <p:sp>
-        <p:nvSpPr>
           <p:cNvPr id="15363" name="Rectangle 3"/>
           <p:cNvSpPr>
             <a:spLocks noGrp="1" noChangeArrowheads="1"/>
@@ -5988,6 +7930,37 @@
       </p:sp>
       <p:sp>
         <p:nvSpPr>
+          <p:cNvPr id="15362" name="Rectangle 2"/>
+          <p:cNvSpPr>
+            <a:spLocks noGrp="1" noChangeArrowheads="1"/>
+          </p:cNvSpPr>
+          <p:nvPr>
+            <p:ph type="title"/>
+          </p:nvPr>
+        </p:nvSpPr>
+        <p:spPr>
+          <a:ln/>
+        </p:spPr>
+        <p:txBody>
+          <a:bodyPr>
+            <a:normAutofit/>
+          </a:bodyPr>
+          <a:lstStyle/>
+          <a:p>
+            <a:r>
+              <a:rPr lang="en-US" altLang="en-US" sz="4000" dirty="0"/>
+              <a:t>Shifting the </a:t>
+            </a:r>
+            <a:r>
+              <a:rPr lang="en-US" altLang="en-US" sz="4000" dirty="0" smtClean="0"/>
+              <a:t>PPF</a:t>
+            </a:r>
+            <a:endParaRPr lang="en-US" altLang="en-US" sz="4000" dirty="0"/>
+          </a:p>
+        </p:txBody>
+      </p:sp>
+      <p:sp>
+        <p:nvSpPr>
           <p:cNvPr id="13" name="Footer Placeholder 4"/>
           <p:cNvSpPr>
             <a:spLocks noGrp="1"/>
@@ -6005,6 +7978,34 @@
               <a:rPr lang="en-US" altLang="en-US"/>
               <a:t>Basics</a:t>
             </a:r>
+          </a:p>
+        </p:txBody>
+      </p:sp>
+      <p:sp>
+        <p:nvSpPr>
+          <p:cNvPr id="3" name="Slide Number Placeholder 2"/>
+          <p:cNvSpPr>
+            <a:spLocks noGrp="1"/>
+          </p:cNvSpPr>
+          <p:nvPr>
+            <p:ph type="sldNum" sz="quarter" idx="12"/>
+          </p:nvPr>
+        </p:nvSpPr>
+        <p:spPr/>
+        <p:txBody>
+          <a:bodyPr/>
+          <a:lstStyle/>
+          <a:p>
+            <a:r>
+              <a:rPr lang="en-US" altLang="en-US" smtClean="0"/>
+              <a:t>/</a:t>
+            </a:r>
+            <a:fld id="{705F6386-E0A0-418F-876F-1CEA219DF3D9}" type="slidenum">
+              <a:rPr lang="en-US" altLang="en-US" smtClean="0"/>
+              <a:pPr/>
+              <a:t>15</a:t>
+            </a:fld>
+            <a:endParaRPr lang="en-US" altLang="en-US"/>
           </a:p>
         </p:txBody>
       </p:sp>
@@ -6572,34 +8573,6 @@
           </a:p>
         </p:txBody>
       </p:sp>
-      <p:sp>
-        <p:nvSpPr>
-          <p:cNvPr id="3" name="Slide Number Placeholder 2"/>
-          <p:cNvSpPr>
-            <a:spLocks noGrp="1"/>
-          </p:cNvSpPr>
-          <p:nvPr>
-            <p:ph type="sldNum" sz="quarter" idx="12"/>
-          </p:nvPr>
-        </p:nvSpPr>
-        <p:spPr/>
-        <p:txBody>
-          <a:bodyPr/>
-          <a:lstStyle/>
-          <a:p>
-            <a:r>
-              <a:rPr lang="en-US" altLang="en-US" smtClean="0"/>
-              <a:t>/</a:t>
-            </a:r>
-            <a:fld id="{705F6386-E0A0-418F-876F-1CEA219DF3D9}" type="slidenum">
-              <a:rPr lang="en-US" altLang="en-US" smtClean="0"/>
-              <a:pPr/>
-              <a:t>15</a:t>
-            </a:fld>
-            <a:endParaRPr lang="en-US" altLang="en-US"/>
-          </a:p>
-        </p:txBody>
-      </p:sp>
     </p:spTree>
   </p:cSld>
   <p:clrMapOvr>
@@ -6652,7 +8625,7 @@
           <a:lstStyle/>
           <a:p>
             <a:r>
-              <a:rPr lang="en-US" altLang="en-US" sz="4000"/>
+              <a:rPr lang="en-US" altLang="en-US" sz="4000" dirty="0"/>
               <a:t>Shifting the Production Possibilities Frontier Curve</a:t>
             </a:r>
           </a:p>
@@ -6676,7 +8649,7 @@
           <a:lstStyle/>
           <a:p>
             <a:r>
-              <a:rPr lang="en-US" altLang="en-US" sz="2800"/>
+              <a:rPr lang="en-US" altLang="en-US" sz="2800" dirty="0"/>
               <a:t>The PPF curve shifts outward as a result of:</a:t>
             </a:r>
           </a:p>
@@ -6686,7 +8659,7 @@
               <a:buAutoNum type="arabicPeriod"/>
             </a:pPr>
             <a:r>
-              <a:rPr lang="en-US" altLang="en-US" sz="2400"/>
+              <a:rPr lang="en-US" altLang="en-US" sz="2400" dirty="0"/>
               <a:t>An increase in the economy’s resources, or</a:t>
             </a:r>
           </a:p>
@@ -6701,7 +8674,7 @@
             </a:r>
           </a:p>
           <a:p>
-            <a:endParaRPr lang="en-US" altLang="en-US" sz="2800"/>
+            <a:endParaRPr lang="en-US" altLang="en-US" sz="2800" dirty="0"/>
           </a:p>
         </p:txBody>
       </p:sp>
@@ -6767,28 +8740,6 @@
       </p:pic>
       <p:sp>
         <p:nvSpPr>
-          <p:cNvPr id="6" name="Footer Placeholder 5"/>
-          <p:cNvSpPr>
-            <a:spLocks noGrp="1"/>
-          </p:cNvSpPr>
-          <p:nvPr>
-            <p:ph type="ftr" sz="quarter" idx="11"/>
-          </p:nvPr>
-        </p:nvSpPr>
-        <p:spPr/>
-        <p:txBody>
-          <a:bodyPr/>
-          <a:lstStyle/>
-          <a:p>
-            <a:r>
-              <a:rPr lang="en-US" altLang="en-US"/>
-              <a:t>Basics</a:t>
-            </a:r>
-          </a:p>
-        </p:txBody>
-      </p:sp>
-      <p:sp>
-        <p:nvSpPr>
           <p:cNvPr id="3" name="Slide Number Placeholder 2"/>
           <p:cNvSpPr>
             <a:spLocks noGrp="1"/>
@@ -6812,6 +8763,28 @@
               <a:t>16</a:t>
             </a:fld>
             <a:endParaRPr lang="en-US" altLang="en-US"/>
+          </a:p>
+        </p:txBody>
+      </p:sp>
+      <p:sp>
+        <p:nvSpPr>
+          <p:cNvPr id="6" name="Footer Placeholder 5"/>
+          <p:cNvSpPr>
+            <a:spLocks noGrp="1"/>
+          </p:cNvSpPr>
+          <p:nvPr>
+            <p:ph type="ftr" sz="quarter" idx="11"/>
+          </p:nvPr>
+        </p:nvSpPr>
+        <p:spPr/>
+        <p:txBody>
+          <a:bodyPr/>
+          <a:lstStyle/>
+          <a:p>
+            <a:r>
+              <a:rPr lang="en-US" altLang="en-US"/>
+              <a:t>Basics</a:t>
+            </a:r>
           </a:p>
         </p:txBody>
       </p:sp>
@@ -6849,6 +8822,40 @@
       </p:grpSpPr>
       <p:sp>
         <p:nvSpPr>
+          <p:cNvPr id="16387" name="Rectangle 3"/>
+          <p:cNvSpPr>
+            <a:spLocks noGrp="1" noChangeArrowheads="1"/>
+          </p:cNvSpPr>
+          <p:nvPr>
+            <p:ph idx="1"/>
+          </p:nvPr>
+        </p:nvSpPr>
+        <p:spPr/>
+        <p:txBody>
+          <a:bodyPr/>
+          <a:lstStyle/>
+          <a:p>
+            <a:r>
+              <a:rPr lang="en-US" altLang="en-US"/>
+              <a:t>A market is an arrangement that  allows buyers and sellers to exchange things, trading what they have for what they want.</a:t>
+            </a:r>
+          </a:p>
+          <a:p>
+            <a:r>
+              <a:rPr lang="en-US" altLang="en-US"/>
+              <a:t>Markets determine the price of goods and services purely by bringing together people who act in their self interest.</a:t>
+            </a:r>
+          </a:p>
+          <a:p>
+            <a:r>
+              <a:rPr lang="en-US" altLang="en-US"/>
+              <a:t>The invisible hand.</a:t>
+            </a:r>
+          </a:p>
+        </p:txBody>
+      </p:sp>
+      <p:sp>
+        <p:nvSpPr>
           <p:cNvPr id="16386" name="Rectangle 2"/>
           <p:cNvSpPr>
             <a:spLocks noGrp="1" noChangeArrowheads="1"/>
@@ -6867,40 +8874,6 @@
             <a:r>
               <a:rPr lang="en-US" altLang="en-US"/>
               <a:t>Markets</a:t>
-            </a:r>
-          </a:p>
-        </p:txBody>
-      </p:sp>
-      <p:sp>
-        <p:nvSpPr>
-          <p:cNvPr id="16387" name="Rectangle 3"/>
-          <p:cNvSpPr>
-            <a:spLocks noGrp="1" noChangeArrowheads="1"/>
-          </p:cNvSpPr>
-          <p:nvPr>
-            <p:ph idx="1"/>
-          </p:nvPr>
-        </p:nvSpPr>
-        <p:spPr/>
-        <p:txBody>
-          <a:bodyPr/>
-          <a:lstStyle/>
-          <a:p>
-            <a:r>
-              <a:rPr lang="en-US" altLang="en-US"/>
-              <a:t>A market is an arrangement that  allows buyers and sellers to exchange things, trading what they have for what they want.</a:t>
-            </a:r>
-          </a:p>
-          <a:p>
-            <a:r>
-              <a:rPr lang="en-US" altLang="en-US"/>
-              <a:t>Markets determine the price of goods and services purely by bringing together people who act in their self interest.</a:t>
-            </a:r>
-          </a:p>
-          <a:p>
-            <a:r>
-              <a:rPr lang="en-US" altLang="en-US"/>
-              <a:t>The invisible hand.</a:t>
             </a:r>
           </a:p>
         </p:txBody>
@@ -6989,30 +8962,6 @@
       </p:grpSpPr>
       <p:sp>
         <p:nvSpPr>
-          <p:cNvPr id="17410" name="Rectangle 2"/>
-          <p:cNvSpPr>
-            <a:spLocks noGrp="1" noChangeArrowheads="1"/>
-          </p:cNvSpPr>
-          <p:nvPr>
-            <p:ph type="title"/>
-          </p:nvPr>
-        </p:nvSpPr>
-        <p:spPr>
-          <a:ln/>
-        </p:spPr>
-        <p:txBody>
-          <a:bodyPr/>
-          <a:lstStyle/>
-          <a:p>
-            <a:r>
-              <a:rPr lang="en-US" altLang="en-US"/>
-              <a:t>Adam Smith’s Idea</a:t>
-            </a:r>
-          </a:p>
-        </p:txBody>
-      </p:sp>
-      <p:sp>
-        <p:nvSpPr>
           <p:cNvPr id="17411" name="Rectangle 3"/>
           <p:cNvSpPr>
             <a:spLocks noGrp="1" noChangeArrowheads="1"/>
@@ -7052,6 +9001,30 @@
             <a:r>
               <a:rPr lang="en-US" altLang="en-US" sz="2800" i="1"/>
               <a:t>[Man is] led by an invisible hand to promote an end which was not part of his intention …. By pursuing his own interest he frequently promotes that of the society more effectually than when he really intends to promote it.”</a:t>
+            </a:r>
+          </a:p>
+        </p:txBody>
+      </p:sp>
+      <p:sp>
+        <p:nvSpPr>
+          <p:cNvPr id="17410" name="Rectangle 2"/>
+          <p:cNvSpPr>
+            <a:spLocks noGrp="1" noChangeArrowheads="1"/>
+          </p:cNvSpPr>
+          <p:nvPr>
+            <p:ph type="title"/>
+          </p:nvPr>
+        </p:nvSpPr>
+        <p:spPr>
+          <a:ln/>
+        </p:spPr>
+        <p:txBody>
+          <a:bodyPr/>
+          <a:lstStyle/>
+          <a:p>
+            <a:r>
+              <a:rPr lang="en-US" altLang="en-US"/>
+              <a:t>Adam Smith’s Idea</a:t>
             </a:r>
           </a:p>
         </p:txBody>
@@ -7140,6 +9113,28 @@
       </p:grpSpPr>
       <p:sp>
         <p:nvSpPr>
+          <p:cNvPr id="18435" name="Rectangle 3"/>
+          <p:cNvSpPr>
+            <a:spLocks noGrp="1" noChangeArrowheads="1"/>
+          </p:cNvSpPr>
+          <p:nvPr>
+            <p:ph idx="1"/>
+          </p:nvPr>
+        </p:nvSpPr>
+        <p:spPr/>
+        <p:txBody>
+          <a:bodyPr/>
+          <a:lstStyle/>
+          <a:p>
+            <a:r>
+              <a:rPr lang="en-US" altLang="en-US"/>
+              <a:t>Competitive markets are (Pareto-)efficient</a:t>
+            </a:r>
+          </a:p>
+        </p:txBody>
+      </p:sp>
+      <p:sp>
+        <p:nvSpPr>
           <p:cNvPr id="18434" name="Rectangle 2"/>
           <p:cNvSpPr>
             <a:spLocks noGrp="1" noChangeArrowheads="1"/>
@@ -7158,28 +9153,6 @@
             <a:r>
               <a:rPr lang="en-US" altLang="en-US" sz="4000"/>
               <a:t>Efficiency Idea of Market Economies</a:t>
-            </a:r>
-          </a:p>
-        </p:txBody>
-      </p:sp>
-      <p:sp>
-        <p:nvSpPr>
-          <p:cNvPr id="18435" name="Rectangle 3"/>
-          <p:cNvSpPr>
-            <a:spLocks noGrp="1" noChangeArrowheads="1"/>
-          </p:cNvSpPr>
-          <p:nvPr>
-            <p:ph idx="1"/>
-          </p:nvPr>
-        </p:nvSpPr>
-        <p:spPr/>
-        <p:txBody>
-          <a:bodyPr/>
-          <a:lstStyle/>
-          <a:p>
-            <a:r>
-              <a:rPr lang="en-US" altLang="en-US"/>
-              <a:t>Competitive markets are (Pareto-)efficient</a:t>
             </a:r>
           </a:p>
         </p:txBody>
@@ -7268,397 +9241,18 @@
       </p:grpSpPr>
       <p:sp>
         <p:nvSpPr>
-          <p:cNvPr id="5" name="Footer Placeholder 2"/>
+          <p:cNvPr id="5" name="Content Placeholder 4"/>
           <p:cNvSpPr>
             <a:spLocks noGrp="1"/>
           </p:cNvSpPr>
           <p:nvPr>
-            <p:ph type="ftr" sz="quarter" idx="11"/>
+            <p:ph idx="1"/>
           </p:nvPr>
         </p:nvSpPr>
         <p:spPr/>
         <p:txBody>
           <a:bodyPr/>
           <a:lstStyle/>
-          <a:p>
-            <a:r>
-              <a:rPr lang="en-US" altLang="en-US"/>
-              <a:t>Basics</a:t>
-            </a:r>
-          </a:p>
-        </p:txBody>
-      </p:sp>
-      <p:sp>
-        <p:nvSpPr>
-          <p:cNvPr id="11268" name="Rectangle 4"/>
-          <p:cNvSpPr>
-            <a:spLocks noChangeArrowheads="1"/>
-          </p:cNvSpPr>
-          <p:nvPr/>
-        </p:nvSpPr>
-        <p:spPr bwMode="auto">
-          <a:xfrm>
-            <a:off x="457200" y="274638"/>
-            <a:ext cx="8229600" cy="1143000"/>
-          </a:xfrm>
-          <a:prstGeom prst="rect">
-            <a:avLst/>
-          </a:prstGeom>
-          <a:noFill/>
-          <a:ln w="9525">
-            <a:solidFill>
-              <a:schemeClr val="tx1"/>
-            </a:solidFill>
-            <a:miter lim="800000"/>
-            <a:headEnd/>
-            <a:tailEnd/>
-          </a:ln>
-          <a:effectLst/>
-          <a:extLst>
-            <a:ext uri="{909E8E84-426E-40DD-AFC4-6F175D3DCCD1}">
-              <a14:hiddenFill xmlns:a14="http://schemas.microsoft.com/office/drawing/2010/main">
-                <a:solidFill>
-                  <a:schemeClr val="accent1"/>
-                </a:solidFill>
-              </a14:hiddenFill>
-            </a:ext>
-            <a:ext uri="{AF507438-7753-43E0-B8FC-AC1667EBCBE1}">
-              <a14:hiddenEffects xmlns:a14="http://schemas.microsoft.com/office/drawing/2010/main">
-                <a:effectLst>
-                  <a:outerShdw dist="35921" dir="2700000" algn="ctr" rotWithShape="0">
-                    <a:schemeClr val="bg2"/>
-                  </a:outerShdw>
-                </a:effectLst>
-              </a14:hiddenEffects>
-            </a:ext>
-          </a:extLst>
-        </p:spPr>
-        <p:txBody>
-          <a:bodyPr anchor="ctr"/>
-          <a:lstStyle>
-            <a:lvl1pPr algn="ctr">
-              <a:defRPr sz="4400" b="1">
-                <a:solidFill>
-                  <a:schemeClr val="tx2"/>
-                </a:solidFill>
-                <a:latin typeface="Arial" charset="0"/>
-                <a:cs typeface="Arial" charset="0"/>
-              </a:defRPr>
-            </a:lvl1pPr>
-            <a:lvl2pPr algn="ctr">
-              <a:defRPr sz="4400" b="1">
-                <a:solidFill>
-                  <a:schemeClr val="tx2"/>
-                </a:solidFill>
-                <a:latin typeface="Arial" charset="0"/>
-                <a:cs typeface="Arial" charset="0"/>
-              </a:defRPr>
-            </a:lvl2pPr>
-            <a:lvl3pPr algn="ctr">
-              <a:defRPr sz="4400" b="1">
-                <a:solidFill>
-                  <a:schemeClr val="tx2"/>
-                </a:solidFill>
-                <a:latin typeface="Arial" charset="0"/>
-                <a:cs typeface="Arial" charset="0"/>
-              </a:defRPr>
-            </a:lvl3pPr>
-            <a:lvl4pPr algn="ctr">
-              <a:defRPr sz="4400" b="1">
-                <a:solidFill>
-                  <a:schemeClr val="tx2"/>
-                </a:solidFill>
-                <a:latin typeface="Arial" charset="0"/>
-                <a:cs typeface="Arial" charset="0"/>
-              </a:defRPr>
-            </a:lvl4pPr>
-            <a:lvl5pPr algn="ctr">
-              <a:defRPr sz="4400" b="1">
-                <a:solidFill>
-                  <a:schemeClr val="tx2"/>
-                </a:solidFill>
-                <a:latin typeface="Arial" charset="0"/>
-                <a:cs typeface="Arial" charset="0"/>
-              </a:defRPr>
-            </a:lvl5pPr>
-            <a:lvl6pPr marL="457200" algn="ctr" fontAlgn="base">
-              <a:spcBef>
-                <a:spcPct val="0"/>
-              </a:spcBef>
-              <a:spcAft>
-                <a:spcPct val="0"/>
-              </a:spcAft>
-              <a:defRPr sz="4400" b="1">
-                <a:solidFill>
-                  <a:schemeClr val="tx2"/>
-                </a:solidFill>
-                <a:latin typeface="Arial" charset="0"/>
-                <a:cs typeface="Arial" charset="0"/>
-              </a:defRPr>
-            </a:lvl6pPr>
-            <a:lvl7pPr marL="914400" algn="ctr" fontAlgn="base">
-              <a:spcBef>
-                <a:spcPct val="0"/>
-              </a:spcBef>
-              <a:spcAft>
-                <a:spcPct val="0"/>
-              </a:spcAft>
-              <a:defRPr sz="4400" b="1">
-                <a:solidFill>
-                  <a:schemeClr val="tx2"/>
-                </a:solidFill>
-                <a:latin typeface="Arial" charset="0"/>
-                <a:cs typeface="Arial" charset="0"/>
-              </a:defRPr>
-            </a:lvl7pPr>
-            <a:lvl8pPr marL="1371600" algn="ctr" fontAlgn="base">
-              <a:spcBef>
-                <a:spcPct val="0"/>
-              </a:spcBef>
-              <a:spcAft>
-                <a:spcPct val="0"/>
-              </a:spcAft>
-              <a:defRPr sz="4400" b="1">
-                <a:solidFill>
-                  <a:schemeClr val="tx2"/>
-                </a:solidFill>
-                <a:latin typeface="Arial" charset="0"/>
-                <a:cs typeface="Arial" charset="0"/>
-              </a:defRPr>
-            </a:lvl8pPr>
-            <a:lvl9pPr marL="1828800" algn="ctr" fontAlgn="base">
-              <a:spcBef>
-                <a:spcPct val="0"/>
-              </a:spcBef>
-              <a:spcAft>
-                <a:spcPct val="0"/>
-              </a:spcAft>
-              <a:defRPr sz="4400" b="1">
-                <a:solidFill>
-                  <a:schemeClr val="tx2"/>
-                </a:solidFill>
-                <a:latin typeface="Arial" charset="0"/>
-                <a:cs typeface="Arial" charset="0"/>
-              </a:defRPr>
-            </a:lvl9pPr>
-          </a:lstStyle>
-          <a:p>
-            <a:r>
-              <a:rPr lang="en-US" altLang="en-US"/>
-              <a:t>What is Economics?</a:t>
-            </a:r>
-          </a:p>
-        </p:txBody>
-      </p:sp>
-      <p:sp>
-        <p:nvSpPr>
-          <p:cNvPr id="11269" name="Rectangle 5"/>
-          <p:cNvSpPr>
-            <a:spLocks noChangeArrowheads="1"/>
-          </p:cNvSpPr>
-          <p:nvPr/>
-        </p:nvSpPr>
-        <p:spPr bwMode="auto">
-          <a:xfrm>
-            <a:off x="457200" y="1524000"/>
-            <a:ext cx="8229600" cy="4525963"/>
-          </a:xfrm>
-          <a:prstGeom prst="rect">
-            <a:avLst/>
-          </a:prstGeom>
-          <a:noFill/>
-          <a:ln>
-            <a:noFill/>
-          </a:ln>
-          <a:effectLst/>
-          <a:extLst>
-            <a:ext uri="{909E8E84-426E-40DD-AFC4-6F175D3DCCD1}">
-              <a14:hiddenFill xmlns:a14="http://schemas.microsoft.com/office/drawing/2010/main">
-                <a:solidFill>
-                  <a:schemeClr val="accent1"/>
-                </a:solidFill>
-              </a14:hiddenFill>
-            </a:ext>
-            <a:ext uri="{91240B29-F687-4F45-9708-019B960494DF}">
-              <a14:hiddenLine xmlns:a14="http://schemas.microsoft.com/office/drawing/2010/main" w="9525">
-                <a:solidFill>
-                  <a:schemeClr val="tx1"/>
-                </a:solidFill>
-                <a:miter lim="800000"/>
-                <a:headEnd/>
-                <a:tailEnd/>
-              </a14:hiddenLine>
-            </a:ext>
-            <a:ext uri="{AF507438-7753-43E0-B8FC-AC1667EBCBE1}">
-              <a14:hiddenEffects xmlns:a14="http://schemas.microsoft.com/office/drawing/2010/main">
-                <a:effectLst>
-                  <a:outerShdw dist="35921" dir="2700000" algn="ctr" rotWithShape="0">
-                    <a:schemeClr val="bg2"/>
-                  </a:outerShdw>
-                </a:effectLst>
-              </a14:hiddenEffects>
-            </a:ext>
-          </a:extLst>
-        </p:spPr>
-        <p:txBody>
-          <a:bodyPr/>
-          <a:lstStyle>
-            <a:lvl1pPr marL="342900" indent="-342900">
-              <a:spcBef>
-                <a:spcPct val="20000"/>
-              </a:spcBef>
-              <a:buClr>
-                <a:srgbClr val="00CC00"/>
-              </a:buClr>
-              <a:buSzPct val="75000"/>
-              <a:buFont typeface="Wingdings" pitchFamily="2" charset="2"/>
-              <a:buChar char="q"/>
-              <a:defRPr sz="3200">
-                <a:solidFill>
-                  <a:schemeClr val="tx1"/>
-                </a:solidFill>
-                <a:latin typeface="Arial" charset="0"/>
-                <a:cs typeface="Arial" charset="0"/>
-              </a:defRPr>
-            </a:lvl1pPr>
-            <a:lvl2pPr marL="742950" indent="-285750">
-              <a:spcBef>
-                <a:spcPct val="20000"/>
-              </a:spcBef>
-              <a:buSzPct val="65000"/>
-              <a:buFont typeface="Wingdings" pitchFamily="2" charset="2"/>
-              <a:buBlip>
-                <a:blip r:embed="rId3"/>
-              </a:buBlip>
-              <a:defRPr sz="2800">
-                <a:solidFill>
-                  <a:schemeClr val="tx1"/>
-                </a:solidFill>
-                <a:latin typeface="Arial" charset="0"/>
-                <a:cs typeface="Arial" charset="0"/>
-              </a:defRPr>
-            </a:lvl2pPr>
-            <a:lvl3pPr marL="1143000" indent="-228600">
-              <a:spcBef>
-                <a:spcPct val="20000"/>
-              </a:spcBef>
-              <a:buClr>
-                <a:srgbClr val="00CC00"/>
-              </a:buClr>
-              <a:buSzPct val="60000"/>
-              <a:buFont typeface="Wingdings" pitchFamily="2" charset="2"/>
-              <a:buChar char="q"/>
-              <a:defRPr sz="2400">
-                <a:solidFill>
-                  <a:schemeClr val="tx1"/>
-                </a:solidFill>
-                <a:latin typeface="Arial" charset="0"/>
-                <a:cs typeface="Arial" charset="0"/>
-              </a:defRPr>
-            </a:lvl3pPr>
-            <a:lvl4pPr marL="1600200" indent="-228600">
-              <a:spcBef>
-                <a:spcPct val="20000"/>
-              </a:spcBef>
-              <a:buBlip>
-                <a:blip r:embed="rId4"/>
-              </a:buBlip>
-              <a:defRPr sz="2000">
-                <a:solidFill>
-                  <a:schemeClr val="tx1"/>
-                </a:solidFill>
-                <a:latin typeface="Arial" charset="0"/>
-                <a:cs typeface="Arial" charset="0"/>
-              </a:defRPr>
-            </a:lvl4pPr>
-            <a:lvl5pPr marL="2057400" indent="-228600">
-              <a:spcBef>
-                <a:spcPct val="20000"/>
-              </a:spcBef>
-              <a:buBlip>
-                <a:blip r:embed="rId4"/>
-              </a:buBlip>
-              <a:defRPr sz="2000">
-                <a:solidFill>
-                  <a:schemeClr val="tx1"/>
-                </a:solidFill>
-                <a:latin typeface="Arial" charset="0"/>
-                <a:cs typeface="Arial" charset="0"/>
-              </a:defRPr>
-            </a:lvl5pPr>
-            <a:lvl6pPr marL="2514600" indent="-228600" fontAlgn="base">
-              <a:spcBef>
-                <a:spcPct val="20000"/>
-              </a:spcBef>
-              <a:spcAft>
-                <a:spcPct val="0"/>
-              </a:spcAft>
-              <a:buBlip>
-                <a:blip r:embed="rId4"/>
-              </a:buBlip>
-              <a:defRPr sz="2000">
-                <a:solidFill>
-                  <a:schemeClr val="tx1"/>
-                </a:solidFill>
-                <a:latin typeface="Arial" charset="0"/>
-                <a:cs typeface="Arial" charset="0"/>
-              </a:defRPr>
-            </a:lvl6pPr>
-            <a:lvl7pPr marL="2971800" indent="-228600" fontAlgn="base">
-              <a:spcBef>
-                <a:spcPct val="20000"/>
-              </a:spcBef>
-              <a:spcAft>
-                <a:spcPct val="0"/>
-              </a:spcAft>
-              <a:buBlip>
-                <a:blip r:embed="rId4"/>
-              </a:buBlip>
-              <a:defRPr sz="2000">
-                <a:solidFill>
-                  <a:schemeClr val="tx1"/>
-                </a:solidFill>
-                <a:latin typeface="Arial" charset="0"/>
-                <a:cs typeface="Arial" charset="0"/>
-              </a:defRPr>
-            </a:lvl7pPr>
-            <a:lvl8pPr marL="3429000" indent="-228600" fontAlgn="base">
-              <a:spcBef>
-                <a:spcPct val="20000"/>
-              </a:spcBef>
-              <a:spcAft>
-                <a:spcPct val="0"/>
-              </a:spcAft>
-              <a:buBlip>
-                <a:blip r:embed="rId4"/>
-              </a:buBlip>
-              <a:defRPr sz="2000">
-                <a:solidFill>
-                  <a:schemeClr val="tx1"/>
-                </a:solidFill>
-                <a:latin typeface="Arial" charset="0"/>
-                <a:cs typeface="Arial" charset="0"/>
-              </a:defRPr>
-            </a:lvl8pPr>
-            <a:lvl9pPr marL="3886200" indent="-228600" fontAlgn="base">
-              <a:spcBef>
-                <a:spcPct val="20000"/>
-              </a:spcBef>
-              <a:spcAft>
-                <a:spcPct val="0"/>
-              </a:spcAft>
-              <a:buBlip>
-                <a:blip r:embed="rId4"/>
-              </a:buBlip>
-              <a:defRPr sz="2000">
-                <a:solidFill>
-                  <a:schemeClr val="tx1"/>
-                </a:solidFill>
-                <a:latin typeface="Arial" charset="0"/>
-                <a:cs typeface="Arial" charset="0"/>
-              </a:defRPr>
-            </a:lvl9pPr>
-          </a:lstStyle>
           <a:p>
             <a:r>
               <a:rPr lang="en-US" altLang="en-US" dirty="0"/>
@@ -7674,11 +9268,63 @@
           <a:p>
             <a:r>
               <a:rPr lang="en-US" altLang="en-US" dirty="0"/>
-              <a:t>Without scarcity the problem of choice would be an easy one, just take everything, always!</a:t>
-            </a:r>
-          </a:p>
-          <a:p>
+              <a:t>Without scarcity the problem of choice would be an easy one, just take everything, always</a:t>
+            </a:r>
+            <a:r>
+              <a:rPr lang="en-US" altLang="en-US" dirty="0" smtClean="0"/>
+              <a:t>!</a:t>
+            </a:r>
             <a:endParaRPr lang="en-US" altLang="en-US" dirty="0"/>
+          </a:p>
+        </p:txBody>
+      </p:sp>
+      <p:sp>
+        <p:nvSpPr>
+          <p:cNvPr id="4" name="Title 3"/>
+          <p:cNvSpPr>
+            <a:spLocks noGrp="1"/>
+          </p:cNvSpPr>
+          <p:nvPr>
+            <p:ph type="title"/>
+          </p:nvPr>
+        </p:nvSpPr>
+        <p:spPr/>
+        <p:txBody>
+          <a:bodyPr/>
+          <a:lstStyle/>
+          <a:p>
+            <a:r>
+              <a:rPr lang="en-US" altLang="en-US" dirty="0"/>
+              <a:t>What is Economics</a:t>
+            </a:r>
+            <a:r>
+              <a:rPr lang="en-US" altLang="en-US" dirty="0" smtClean="0"/>
+              <a:t>?</a:t>
+            </a:r>
+            <a:endParaRPr lang="en-US" dirty="0"/>
+          </a:p>
+        </p:txBody>
+      </p:sp>
+      <p:sp>
+        <p:nvSpPr>
+          <p:cNvPr id="2" name="Footer Placeholder 1"/>
+          <p:cNvSpPr>
+            <a:spLocks noGrp="1"/>
+          </p:cNvSpPr>
+          <p:nvPr>
+            <p:ph type="ftr" sz="quarter" idx="11"/>
+          </p:nvPr>
+        </p:nvSpPr>
+        <p:spPr/>
+        <p:txBody>
+          <a:bodyPr/>
+          <a:lstStyle/>
+          <a:p>
+            <a:r>
+              <a:rPr lang="en-US" altLang="en-US" smtClean="0"/>
+              <a:t>Basics</a:t>
+            </a:r>
+            <a:endParaRPr lang="en-US" altLang="en-US"/>
           </a:p>
         </p:txBody>
       </p:sp>
@@ -7711,17 +9357,15 @@
         </p:txBody>
       </p:sp>
     </p:spTree>
+    <p:extLst>
+      <p:ext uri="{BB962C8B-B14F-4D97-AF65-F5344CB8AC3E}">
+        <p14:creationId xmlns:p14="http://schemas.microsoft.com/office/powerpoint/2010/main" val="1092712758"/>
+      </p:ext>
+    </p:extLst>
   </p:cSld>
   <p:clrMapOvr>
     <a:masterClrMapping/>
   </p:clrMapOvr>
-  <p:timing>
-    <p:tnLst>
-      <p:par>
-        <p:cTn id="1" dur="indefinite" restart="never" nodeType="tmRoot"/>
-      </p:par>
-    </p:tnLst>
-  </p:timing>
 </p:sld>
 </file>
 
@@ -7744,6 +9388,55 @@
       </p:grpSpPr>
       <p:sp>
         <p:nvSpPr>
+          <p:cNvPr id="19459" name="Rectangle 3"/>
+          <p:cNvSpPr>
+            <a:spLocks noGrp="1" noChangeArrowheads="1"/>
+          </p:cNvSpPr>
+          <p:nvPr>
+            <p:ph idx="1"/>
+          </p:nvPr>
+        </p:nvSpPr>
+        <p:spPr/>
+        <p:txBody>
+          <a:bodyPr/>
+          <a:lstStyle/>
+          <a:p>
+            <a:r>
+              <a:rPr lang="en-US" altLang="en-US"/>
+              <a:t>Positive economics answers the questions</a:t>
+            </a:r>
+          </a:p>
+          <a:p>
+            <a:pPr lvl="1"/>
+            <a:r>
+              <a:rPr lang="en-US" altLang="en-US"/>
+              <a:t>What is or</a:t>
+            </a:r>
+          </a:p>
+          <a:p>
+            <a:pPr lvl="1"/>
+            <a:r>
+              <a:rPr lang="en-US" altLang="en-US"/>
+              <a:t>What will be?</a:t>
+            </a:r>
+          </a:p>
+          <a:p>
+            <a:r>
+              <a:rPr lang="en-US" altLang="en-US"/>
+              <a:t>Normative economics answers the question</a:t>
+            </a:r>
+          </a:p>
+          <a:p>
+            <a:pPr lvl="1"/>
+            <a:r>
+              <a:rPr lang="en-US" altLang="en-US"/>
+              <a:t>What ought to be?</a:t>
+            </a:r>
+          </a:p>
+        </p:txBody>
+      </p:sp>
+      <p:sp>
+        <p:nvSpPr>
           <p:cNvPr id="19458" name="Rectangle 2"/>
           <p:cNvSpPr>
             <a:spLocks noGrp="1" noChangeArrowheads="1"/>
@@ -7762,55 +9455,6 @@
             <a:r>
               <a:rPr lang="en-US" altLang="en-US" sz="4000"/>
               <a:t>Positive and Normative Economics</a:t>
-            </a:r>
-          </a:p>
-        </p:txBody>
-      </p:sp>
-      <p:sp>
-        <p:nvSpPr>
-          <p:cNvPr id="19459" name="Rectangle 3"/>
-          <p:cNvSpPr>
-            <a:spLocks noGrp="1" noChangeArrowheads="1"/>
-          </p:cNvSpPr>
-          <p:nvPr>
-            <p:ph idx="1"/>
-          </p:nvPr>
-        </p:nvSpPr>
-        <p:spPr/>
-        <p:txBody>
-          <a:bodyPr/>
-          <a:lstStyle/>
-          <a:p>
-            <a:r>
-              <a:rPr lang="en-US" altLang="en-US"/>
-              <a:t>Positive economics answers the questions</a:t>
-            </a:r>
-          </a:p>
-          <a:p>
-            <a:pPr lvl="1"/>
-            <a:r>
-              <a:rPr lang="en-US" altLang="en-US"/>
-              <a:t>What is or</a:t>
-            </a:r>
-          </a:p>
-          <a:p>
-            <a:pPr lvl="1"/>
-            <a:r>
-              <a:rPr lang="en-US" altLang="en-US"/>
-              <a:t>What will be?</a:t>
-            </a:r>
-          </a:p>
-          <a:p>
-            <a:r>
-              <a:rPr lang="en-US" altLang="en-US"/>
-              <a:t>Normative economics answers the question</a:t>
-            </a:r>
-          </a:p>
-          <a:p>
-            <a:pPr lvl="1"/>
-            <a:r>
-              <a:rPr lang="en-US" altLang="en-US"/>
-              <a:t>What ought to be?</a:t>
             </a:r>
           </a:p>
         </p:txBody>
@@ -7899,6 +9543,40 @@
       </p:grpSpPr>
       <p:sp>
         <p:nvSpPr>
+          <p:cNvPr id="4099" name="Rectangle 3"/>
+          <p:cNvSpPr>
+            <a:spLocks noGrp="1" noChangeArrowheads="1"/>
+          </p:cNvSpPr>
+          <p:nvPr>
+            <p:ph idx="1"/>
+          </p:nvPr>
+        </p:nvSpPr>
+        <p:spPr/>
+        <p:txBody>
+          <a:bodyPr/>
+          <a:lstStyle/>
+          <a:p>
+            <a:r>
+              <a:rPr lang="en-US" altLang="en-US" dirty="0"/>
+              <a:t>In economic modeling we use many assumptions.</a:t>
+            </a:r>
+          </a:p>
+          <a:p>
+            <a:r>
+              <a:rPr lang="en-US" altLang="en-US" dirty="0"/>
+              <a:t>Assumptions are generalizations or simplifications that make a model more tractable or workable by eliminating irrelevant details.</a:t>
+            </a:r>
+          </a:p>
+          <a:p>
+            <a:r>
+              <a:rPr lang="en-US" altLang="en-US" dirty="0"/>
+              <a:t>How do we know which details are irrelevant?</a:t>
+            </a:r>
+          </a:p>
+        </p:txBody>
+      </p:sp>
+      <p:sp>
+        <p:nvSpPr>
           <p:cNvPr id="4098" name="Rectangle 2"/>
           <p:cNvSpPr>
             <a:spLocks noGrp="1" noChangeArrowheads="1"/>
@@ -7912,47 +9590,17 @@
         </p:spPr>
         <p:txBody>
           <a:bodyPr>
-            <a:normAutofit fontScale="90000"/>
+            <a:normAutofit/>
           </a:bodyPr>
           <a:lstStyle/>
           <a:p>
             <a:r>
-              <a:rPr lang="en-US" altLang="en-US" sz="4000"/>
-              <a:t>Think Carefully About the Underlying Assumptions</a:t>
-            </a:r>
-          </a:p>
-        </p:txBody>
-      </p:sp>
-      <p:sp>
-        <p:nvSpPr>
-          <p:cNvPr id="4099" name="Rectangle 3"/>
-          <p:cNvSpPr>
-            <a:spLocks noGrp="1" noChangeArrowheads="1"/>
-          </p:cNvSpPr>
-          <p:nvPr>
-            <p:ph idx="1"/>
-          </p:nvPr>
-        </p:nvSpPr>
-        <p:spPr/>
-        <p:txBody>
-          <a:bodyPr/>
-          <a:lstStyle/>
-          <a:p>
-            <a:r>
-              <a:rPr lang="en-US" altLang="en-US"/>
-              <a:t>In economic modeling we use many assumptions.</a:t>
-            </a:r>
-          </a:p>
-          <a:p>
-            <a:r>
-              <a:rPr lang="en-US" altLang="en-US"/>
-              <a:t>Assumptions are generalizations or simplifications that make a model more tractable or workable by eliminating irrelevant details.</a:t>
-            </a:r>
-          </a:p>
-          <a:p>
-            <a:r>
-              <a:rPr lang="en-US" altLang="en-US"/>
-              <a:t>How do we know which details are irrelevant?</a:t>
+              <a:rPr lang="en-US" altLang="en-US" sz="4000" dirty="0" smtClean="0"/>
+              <a:t>Think </a:t>
+            </a:r>
+            <a:r>
+              <a:rPr lang="en-US" altLang="en-US" sz="4000" dirty="0"/>
+              <a:t>About the Underlying Assumptions</a:t>
             </a:r>
           </a:p>
         </p:txBody>
@@ -8041,32 +9689,6 @@
       </p:grpSpPr>
       <p:sp>
         <p:nvSpPr>
-          <p:cNvPr id="5122" name="Rectangle 2"/>
-          <p:cNvSpPr>
-            <a:spLocks noGrp="1" noChangeArrowheads="1"/>
-          </p:cNvSpPr>
-          <p:nvPr>
-            <p:ph type="title"/>
-          </p:nvPr>
-        </p:nvSpPr>
-        <p:spPr>
-          <a:ln/>
-        </p:spPr>
-        <p:txBody>
-          <a:bodyPr>
-            <a:normAutofit fontScale="90000"/>
-          </a:bodyPr>
-          <a:lstStyle/>
-          <a:p>
-            <a:r>
-              <a:rPr lang="en-US" altLang="en-US" sz="4000"/>
-              <a:t>The Two Main Assumptions in this Course are</a:t>
-            </a:r>
-          </a:p>
-        </p:txBody>
-      </p:sp>
-      <p:sp>
-        <p:nvSpPr>
           <p:cNvPr id="5123" name="Rectangle 3"/>
           <p:cNvSpPr>
             <a:spLocks noGrp="1" noChangeArrowheads="1"/>
@@ -8132,6 +9754,32 @@
             <a:r>
               <a:rPr lang="en-US" altLang="en-US"/>
               <a:t>There are also models that deal with asymmetric information etc.</a:t>
+            </a:r>
+          </a:p>
+        </p:txBody>
+      </p:sp>
+      <p:sp>
+        <p:nvSpPr>
+          <p:cNvPr id="5122" name="Rectangle 2"/>
+          <p:cNvSpPr>
+            <a:spLocks noGrp="1" noChangeArrowheads="1"/>
+          </p:cNvSpPr>
+          <p:nvPr>
+            <p:ph type="title"/>
+          </p:nvPr>
+        </p:nvSpPr>
+        <p:spPr>
+          <a:ln/>
+        </p:spPr>
+        <p:txBody>
+          <a:bodyPr>
+            <a:normAutofit fontScale="90000"/>
+          </a:bodyPr>
+          <a:lstStyle/>
+          <a:p>
+            <a:r>
+              <a:rPr lang="en-US" altLang="en-US" sz="4000"/>
+              <a:t>The Two Main Assumptions in this Course are</a:t>
             </a:r>
           </a:p>
         </p:txBody>
@@ -8220,6 +9868,49 @@
       </p:grpSpPr>
       <p:sp>
         <p:nvSpPr>
+          <p:cNvPr id="10243" name="Rectangle 3"/>
+          <p:cNvSpPr>
+            <a:spLocks noGrp="1" noChangeArrowheads="1"/>
+          </p:cNvSpPr>
+          <p:nvPr>
+            <p:ph idx="1"/>
+          </p:nvPr>
+        </p:nvSpPr>
+        <p:spPr/>
+        <p:txBody>
+          <a:bodyPr/>
+          <a:lstStyle/>
+          <a:p>
+            <a:r>
+              <a:rPr lang="en-US" altLang="en-US"/>
+              <a:t>To illustrate relationships between variables.</a:t>
+            </a:r>
+          </a:p>
+          <a:p>
+            <a:pPr lvl="1"/>
+            <a:r>
+              <a:rPr lang="en-US" altLang="en-US"/>
+              <a:t>Make sure you understand how to draw a positive and negative relationship between two variables in a 2-dimensional graph.</a:t>
+            </a:r>
+          </a:p>
+          <a:p>
+            <a:pPr lvl="1"/>
+            <a:r>
+              <a:rPr lang="en-US" altLang="en-US"/>
+              <a:t>Computing the slope of a curve</a:t>
+            </a:r>
+          </a:p>
+          <a:p>
+            <a:pPr lvl="2"/>
+            <a:r>
+              <a:rPr lang="en-US" altLang="en-US"/>
+              <a:t>Slope=vertical difference between 2 points/horizontal difference between the 2 points.</a:t>
+            </a:r>
+          </a:p>
+        </p:txBody>
+      </p:sp>
+      <p:sp>
+        <p:nvSpPr>
           <p:cNvPr id="10242" name="Rectangle 2"/>
           <p:cNvSpPr>
             <a:spLocks noGrp="1" noChangeArrowheads="1"/>
@@ -8238,49 +9929,6 @@
             <a:r>
               <a:rPr lang="en-US" altLang="en-US"/>
               <a:t>Graphs</a:t>
-            </a:r>
-          </a:p>
-        </p:txBody>
-      </p:sp>
-      <p:sp>
-        <p:nvSpPr>
-          <p:cNvPr id="10243" name="Rectangle 3"/>
-          <p:cNvSpPr>
-            <a:spLocks noGrp="1" noChangeArrowheads="1"/>
-          </p:cNvSpPr>
-          <p:nvPr>
-            <p:ph idx="1"/>
-          </p:nvPr>
-        </p:nvSpPr>
-        <p:spPr/>
-        <p:txBody>
-          <a:bodyPr/>
-          <a:lstStyle/>
-          <a:p>
-            <a:r>
-              <a:rPr lang="en-US" altLang="en-US"/>
-              <a:t>To illustrate relationships between variables.</a:t>
-            </a:r>
-          </a:p>
-          <a:p>
-            <a:pPr lvl="1"/>
-            <a:r>
-              <a:rPr lang="en-US" altLang="en-US"/>
-              <a:t>Make sure you understand how to draw a positive and negative relationship between two variables in a 2-dimensional graph.</a:t>
-            </a:r>
-          </a:p>
-          <a:p>
-            <a:pPr lvl="1"/>
-            <a:r>
-              <a:rPr lang="en-US" altLang="en-US"/>
-              <a:t>Computing the slope of a curve</a:t>
-            </a:r>
-          </a:p>
-          <a:p>
-            <a:pPr lvl="2"/>
-            <a:r>
-              <a:rPr lang="en-US" altLang="en-US"/>
-              <a:t>Slope=vertical difference between 2 points/horizontal difference between the 2 points.</a:t>
             </a:r>
           </a:p>
         </p:txBody>
@@ -8369,30 +10017,6 @@
       </p:grpSpPr>
       <p:sp>
         <p:nvSpPr>
-          <p:cNvPr id="20482" name="Rectangle 2"/>
-          <p:cNvSpPr>
-            <a:spLocks noGrp="1" noChangeArrowheads="1"/>
-          </p:cNvSpPr>
-          <p:nvPr>
-            <p:ph type="title"/>
-          </p:nvPr>
-        </p:nvSpPr>
-        <p:spPr>
-          <a:ln/>
-        </p:spPr>
-        <p:txBody>
-          <a:bodyPr/>
-          <a:lstStyle/>
-          <a:p>
-            <a:r>
-              <a:rPr lang="en-US" altLang="en-US"/>
-              <a:t>The Slope</a:t>
-            </a:r>
-          </a:p>
-        </p:txBody>
-      </p:sp>
-      <p:sp>
-        <p:nvSpPr>
           <p:cNvPr id="20483" name="Rectangle 3"/>
           <p:cNvSpPr>
             <a:spLocks noGrp="1" noChangeArrowheads="1"/>
@@ -8425,6 +10049,30 @@
       </p:sp>
       <p:sp>
         <p:nvSpPr>
+          <p:cNvPr id="20482" name="Rectangle 2"/>
+          <p:cNvSpPr>
+            <a:spLocks noGrp="1" noChangeArrowheads="1"/>
+          </p:cNvSpPr>
+          <p:nvPr>
+            <p:ph type="title"/>
+          </p:nvPr>
+        </p:nvSpPr>
+        <p:spPr>
+          <a:ln/>
+        </p:spPr>
+        <p:txBody>
+          <a:bodyPr/>
+          <a:lstStyle/>
+          <a:p>
+            <a:r>
+              <a:rPr lang="en-US" altLang="en-US"/>
+              <a:t>The Slope</a:t>
+            </a:r>
+          </a:p>
+        </p:txBody>
+      </p:sp>
+      <p:sp>
+        <p:nvSpPr>
           <p:cNvPr id="16" name="Footer Placeholder 4"/>
           <p:cNvSpPr>
             <a:spLocks noGrp="1"/>
@@ -8442,6 +10090,34 @@
               <a:rPr lang="en-US" altLang="en-US"/>
               <a:t>Basics</a:t>
             </a:r>
+          </a:p>
+        </p:txBody>
+      </p:sp>
+      <p:sp>
+        <p:nvSpPr>
+          <p:cNvPr id="3" name="Slide Number Placeholder 2"/>
+          <p:cNvSpPr>
+            <a:spLocks noGrp="1"/>
+          </p:cNvSpPr>
+          <p:nvPr>
+            <p:ph type="sldNum" sz="quarter" idx="12"/>
+          </p:nvPr>
+        </p:nvSpPr>
+        <p:spPr/>
+        <p:txBody>
+          <a:bodyPr/>
+          <a:lstStyle/>
+          <a:p>
+            <a:r>
+              <a:rPr lang="en-US" altLang="en-US" smtClean="0"/>
+              <a:t>/</a:t>
+            </a:r>
+            <a:fld id="{705F6386-E0A0-418F-876F-1CEA219DF3D9}" type="slidenum">
+              <a:rPr lang="en-US" altLang="en-US" smtClean="0"/>
+              <a:pPr/>
+              <a:t>24</a:t>
+            </a:fld>
+            <a:endParaRPr lang="en-US" altLang="en-US"/>
           </a:p>
         </p:txBody>
       </p:sp>
@@ -9105,34 +10781,6 @@
               <a:rPr lang="en-US" altLang="en-US"/>
               <a:t>x + d</a:t>
             </a:r>
-          </a:p>
-        </p:txBody>
-      </p:sp>
-      <p:sp>
-        <p:nvSpPr>
-          <p:cNvPr id="3" name="Slide Number Placeholder 2"/>
-          <p:cNvSpPr>
-            <a:spLocks noGrp="1"/>
-          </p:cNvSpPr>
-          <p:nvPr>
-            <p:ph type="sldNum" sz="quarter" idx="12"/>
-          </p:nvPr>
-        </p:nvSpPr>
-        <p:spPr/>
-        <p:txBody>
-          <a:bodyPr/>
-          <a:lstStyle/>
-          <a:p>
-            <a:r>
-              <a:rPr lang="en-US" altLang="en-US" smtClean="0"/>
-              <a:t>/</a:t>
-            </a:r>
-            <a:fld id="{705F6386-E0A0-418F-876F-1CEA219DF3D9}" type="slidenum">
-              <a:rPr lang="en-US" altLang="en-US" smtClean="0"/>
-              <a:pPr/>
-              <a:t>24</a:t>
-            </a:fld>
-            <a:endParaRPr lang="en-US" altLang="en-US"/>
           </a:p>
         </p:txBody>
       </p:sp>
@@ -9211,6 +10859,34 @@
               <a:rPr lang="en-US" altLang="en-US"/>
               <a:t>Basics</a:t>
             </a:r>
+          </a:p>
+        </p:txBody>
+      </p:sp>
+      <p:sp>
+        <p:nvSpPr>
+          <p:cNvPr id="3" name="Slide Number Placeholder 2"/>
+          <p:cNvSpPr>
+            <a:spLocks noGrp="1"/>
+          </p:cNvSpPr>
+          <p:nvPr>
+            <p:ph type="sldNum" sz="quarter" idx="12"/>
+          </p:nvPr>
+        </p:nvSpPr>
+        <p:spPr/>
+        <p:txBody>
+          <a:bodyPr/>
+          <a:lstStyle/>
+          <a:p>
+            <a:r>
+              <a:rPr lang="en-US" altLang="en-US" smtClean="0"/>
+              <a:t>/</a:t>
+            </a:r>
+            <a:fld id="{705F6386-E0A0-418F-876F-1CEA219DF3D9}" type="slidenum">
+              <a:rPr lang="en-US" altLang="en-US" smtClean="0"/>
+              <a:pPr/>
+              <a:t>25</a:t>
+            </a:fld>
+            <a:endParaRPr lang="en-US" altLang="en-US"/>
           </a:p>
         </p:txBody>
       </p:sp>
@@ -10389,34 +12065,6 @@
           </a:p>
         </p:txBody>
       </p:sp>
-      <p:sp>
-        <p:nvSpPr>
-          <p:cNvPr id="3" name="Slide Number Placeholder 2"/>
-          <p:cNvSpPr>
-            <a:spLocks noGrp="1"/>
-          </p:cNvSpPr>
-          <p:nvPr>
-            <p:ph type="sldNum" sz="quarter" idx="12"/>
-          </p:nvPr>
-        </p:nvSpPr>
-        <p:spPr/>
-        <p:txBody>
-          <a:bodyPr/>
-          <a:lstStyle/>
-          <a:p>
-            <a:r>
-              <a:rPr lang="en-US" altLang="en-US" smtClean="0"/>
-              <a:t>/</a:t>
-            </a:r>
-            <a:fld id="{705F6386-E0A0-418F-876F-1CEA219DF3D9}" type="slidenum">
-              <a:rPr lang="en-US" altLang="en-US" smtClean="0"/>
-              <a:pPr/>
-              <a:t>25</a:t>
-            </a:fld>
-            <a:endParaRPr lang="en-US" altLang="en-US"/>
-          </a:p>
-        </p:txBody>
-      </p:sp>
     </p:spTree>
   </p:cSld>
   <p:clrMapOvr>
@@ -10451,30 +12099,6 @@
       </p:grpSpPr>
       <p:sp>
         <p:nvSpPr>
-          <p:cNvPr id="22530" name="Rectangle 2"/>
-          <p:cNvSpPr>
-            <a:spLocks noGrp="1" noChangeArrowheads="1"/>
-          </p:cNvSpPr>
-          <p:nvPr>
-            <p:ph type="title"/>
-          </p:nvPr>
-        </p:nvSpPr>
-        <p:spPr>
-          <a:ln/>
-        </p:spPr>
-        <p:txBody>
-          <a:bodyPr/>
-          <a:lstStyle/>
-          <a:p>
-            <a:r>
-              <a:rPr lang="en-US" altLang="en-US" sz="4000"/>
-              <a:t>Computing Percentage Changes</a:t>
-            </a:r>
-          </a:p>
-        </p:txBody>
-      </p:sp>
-      <p:sp>
-        <p:nvSpPr>
           <p:cNvPr id="22531" name="Rectangle 3"/>
           <p:cNvSpPr>
             <a:spLocks noGrp="1" noChangeArrowheads="1"/>
@@ -10519,6 +12143,30 @@
               <a:buNone/>
             </a:pPr>
             <a:endParaRPr lang="en-US" altLang="en-US"/>
+          </a:p>
+        </p:txBody>
+      </p:sp>
+      <p:sp>
+        <p:nvSpPr>
+          <p:cNvPr id="22530" name="Rectangle 2"/>
+          <p:cNvSpPr>
+            <a:spLocks noGrp="1" noChangeArrowheads="1"/>
+          </p:cNvSpPr>
+          <p:nvPr>
+            <p:ph type="title"/>
+          </p:nvPr>
+        </p:nvSpPr>
+        <p:spPr>
+          <a:ln/>
+        </p:spPr>
+        <p:txBody>
+          <a:bodyPr/>
+          <a:lstStyle/>
+          <a:p>
+            <a:r>
+              <a:rPr lang="en-US" altLang="en-US" sz="4000"/>
+              <a:t>Computing Percentage Changes</a:t>
+            </a:r>
           </a:p>
         </p:txBody>
       </p:sp>
@@ -10599,6 +12247,42 @@
       </p:grpSpPr>
       <p:sp>
         <p:nvSpPr>
+          <p:cNvPr id="23555" name="Rectangle 3"/>
+          <p:cNvSpPr>
+            <a:spLocks noGrp="1" noChangeArrowheads="1"/>
+          </p:cNvSpPr>
+          <p:nvPr>
+            <p:ph idx="1"/>
+          </p:nvPr>
+        </p:nvSpPr>
+        <p:spPr/>
+        <p:txBody>
+          <a:bodyPr/>
+          <a:lstStyle/>
+          <a:p>
+            <a:r>
+              <a:rPr lang="en-US" altLang="en-US"/>
+              <a:t>The opportunity cost of something is what you sacrifice to get it.</a:t>
+            </a:r>
+          </a:p>
+          <a:p>
+            <a:pPr lvl="1"/>
+            <a:r>
+              <a:rPr lang="en-US" altLang="en-US"/>
+              <a:t>You calculate the opportunity cost of something by picking the best alternative to it.</a:t>
+            </a:r>
+          </a:p>
+          <a:p>
+            <a:pPr lvl="1"/>
+            <a:r>
+              <a:rPr lang="en-US" altLang="en-US"/>
+              <a:t>The principle of opportunity cost also explains why the production possibilities frontier is negatively sloped.</a:t>
+            </a:r>
+          </a:p>
+        </p:txBody>
+      </p:sp>
+      <p:sp>
+        <p:nvSpPr>
           <p:cNvPr id="23554" name="Rectangle 2"/>
           <p:cNvSpPr>
             <a:spLocks noGrp="1" noChangeArrowheads="1"/>
@@ -10617,42 +12301,6 @@
             <a:r>
               <a:rPr lang="en-US" altLang="en-US"/>
               <a:t>Opportunity Cost Principle</a:t>
-            </a:r>
-          </a:p>
-        </p:txBody>
-      </p:sp>
-      <p:sp>
-        <p:nvSpPr>
-          <p:cNvPr id="23555" name="Rectangle 3"/>
-          <p:cNvSpPr>
-            <a:spLocks noGrp="1" noChangeArrowheads="1"/>
-          </p:cNvSpPr>
-          <p:nvPr>
-            <p:ph idx="1"/>
-          </p:nvPr>
-        </p:nvSpPr>
-        <p:spPr/>
-        <p:txBody>
-          <a:bodyPr/>
-          <a:lstStyle/>
-          <a:p>
-            <a:r>
-              <a:rPr lang="en-US" altLang="en-US"/>
-              <a:t>The opportunity cost of something is what you sacrifice to get it.</a:t>
-            </a:r>
-          </a:p>
-          <a:p>
-            <a:pPr lvl="1"/>
-            <a:r>
-              <a:rPr lang="en-US" altLang="en-US"/>
-              <a:t>You calculate the opportunity cost of something by picking the best alternative to it.</a:t>
-            </a:r>
-          </a:p>
-          <a:p>
-            <a:pPr lvl="1"/>
-            <a:r>
-              <a:rPr lang="en-US" altLang="en-US"/>
-              <a:t>The principle of opportunity cost also explains why the production possibilities frontier is negatively sloped.</a:t>
             </a:r>
           </a:p>
         </p:txBody>
@@ -10734,6 +12382,34 @@
       </p:grpSpPr>
       <p:sp>
         <p:nvSpPr>
+          <p:cNvPr id="24579" name="Rectangle 3"/>
+          <p:cNvSpPr>
+            <a:spLocks noGrp="1" noChangeArrowheads="1"/>
+          </p:cNvSpPr>
+          <p:nvPr>
+            <p:ph idx="1"/>
+          </p:nvPr>
+        </p:nvSpPr>
+        <p:spPr/>
+        <p:txBody>
+          <a:bodyPr/>
+          <a:lstStyle/>
+          <a:p>
+            <a:r>
+              <a:rPr lang="en-US" altLang="en-US"/>
+              <a:t>What is the opportunity cost of military spending?</a:t>
+            </a:r>
+          </a:p>
+          <a:p>
+            <a:r>
+              <a:rPr lang="en-US" altLang="en-US"/>
+              <a:t>What is the opportunity cost of a college degree?</a:t>
+            </a:r>
+          </a:p>
+        </p:txBody>
+      </p:sp>
+      <p:sp>
+        <p:nvSpPr>
           <p:cNvPr id="24578" name="Rectangle 2"/>
           <p:cNvSpPr>
             <a:spLocks noGrp="1" noChangeArrowheads="1"/>
@@ -10752,34 +12428,6 @@
             <a:r>
               <a:rPr lang="en-US" altLang="en-US"/>
               <a:t>Opportunity Costs</a:t>
-            </a:r>
-          </a:p>
-        </p:txBody>
-      </p:sp>
-      <p:sp>
-        <p:nvSpPr>
-          <p:cNvPr id="24579" name="Rectangle 3"/>
-          <p:cNvSpPr>
-            <a:spLocks noGrp="1" noChangeArrowheads="1"/>
-          </p:cNvSpPr>
-          <p:nvPr>
-            <p:ph idx="1"/>
-          </p:nvPr>
-        </p:nvSpPr>
-        <p:spPr/>
-        <p:txBody>
-          <a:bodyPr/>
-          <a:lstStyle/>
-          <a:p>
-            <a:r>
-              <a:rPr lang="en-US" altLang="en-US"/>
-              <a:t>What is the opportunity cost of military spending?</a:t>
-            </a:r>
-          </a:p>
-          <a:p>
-            <a:r>
-              <a:rPr lang="en-US" altLang="en-US"/>
-              <a:t>What is the opportunity cost of a college degree?</a:t>
             </a:r>
           </a:p>
         </p:txBody>
@@ -10868,30 +12516,6 @@
       </p:grpSpPr>
       <p:sp>
         <p:nvSpPr>
-          <p:cNvPr id="3074" name="Rectangle 2"/>
-          <p:cNvSpPr>
-            <a:spLocks noGrp="1" noChangeArrowheads="1"/>
-          </p:cNvSpPr>
-          <p:nvPr>
-            <p:ph type="title"/>
-          </p:nvPr>
-        </p:nvSpPr>
-        <p:spPr>
-          <a:ln/>
-        </p:spPr>
-        <p:txBody>
-          <a:bodyPr/>
-          <a:lstStyle/>
-          <a:p>
-            <a:r>
-              <a:rPr lang="en-US" altLang="en-US"/>
-              <a:t>Marginal Thinking</a:t>
-            </a:r>
-          </a:p>
-        </p:txBody>
-      </p:sp>
-      <p:sp>
-        <p:nvSpPr>
           <p:cNvPr id="3075" name="Rectangle 3"/>
           <p:cNvSpPr>
             <a:spLocks noGrp="1" noChangeArrowheads="1"/>
@@ -10939,6 +12563,30 @@
             <a:r>
               <a:rPr lang="en-US" altLang="en-US"/>
               <a:t>y’</a:t>
+            </a:r>
+          </a:p>
+        </p:txBody>
+      </p:sp>
+      <p:sp>
+        <p:nvSpPr>
+          <p:cNvPr id="3074" name="Rectangle 2"/>
+          <p:cNvSpPr>
+            <a:spLocks noGrp="1" noChangeArrowheads="1"/>
+          </p:cNvSpPr>
+          <p:nvPr>
+            <p:ph type="title"/>
+          </p:nvPr>
+        </p:nvSpPr>
+        <p:spPr>
+          <a:ln/>
+        </p:spPr>
+        <p:txBody>
+          <a:bodyPr/>
+          <a:lstStyle/>
+          <a:p>
+            <a:r>
+              <a:rPr lang="en-US" altLang="en-US"/>
+              <a:t>Marginal Thinking</a:t>
             </a:r>
           </a:p>
         </p:txBody>
@@ -11027,30 +12675,6 @@
       </p:grpSpPr>
       <p:sp>
         <p:nvSpPr>
-          <p:cNvPr id="49157" name="Rectangle 5"/>
-          <p:cNvSpPr>
-            <a:spLocks noGrp="1" noChangeArrowheads="1"/>
-          </p:cNvSpPr>
-          <p:nvPr>
-            <p:ph type="title"/>
-          </p:nvPr>
-        </p:nvSpPr>
-        <p:spPr>
-          <a:ln/>
-        </p:spPr>
-        <p:txBody>
-          <a:bodyPr/>
-          <a:lstStyle/>
-          <a:p>
-            <a:r>
-              <a:rPr lang="en-US" altLang="en-US"/>
-              <a:t>Society’s Choices</a:t>
-            </a:r>
-          </a:p>
-        </p:txBody>
-      </p:sp>
-      <p:sp>
-        <p:nvSpPr>
           <p:cNvPr id="49158" name="Rectangle 6"/>
           <p:cNvSpPr>
             <a:spLocks noGrp="1" noChangeArrowheads="1"/>
@@ -11115,6 +12739,30 @@
             <a:r>
               <a:rPr lang="en-US" altLang="en-US" dirty="0"/>
               <a:t>Who consumes the products?</a:t>
+            </a:r>
+          </a:p>
+        </p:txBody>
+      </p:sp>
+      <p:sp>
+        <p:nvSpPr>
+          <p:cNvPr id="49157" name="Rectangle 5"/>
+          <p:cNvSpPr>
+            <a:spLocks noGrp="1" noChangeArrowheads="1"/>
+          </p:cNvSpPr>
+          <p:nvPr>
+            <p:ph type="title"/>
+          </p:nvPr>
+        </p:nvSpPr>
+        <p:spPr>
+          <a:ln/>
+        </p:spPr>
+        <p:txBody>
+          <a:bodyPr/>
+          <a:lstStyle/>
+          <a:p>
+            <a:r>
+              <a:rPr lang="en-US" altLang="en-US"/>
+              <a:t>Society’s Choices</a:t>
             </a:r>
           </a:p>
         </p:txBody>
@@ -11203,30 +12851,6 @@
       </p:grpSpPr>
       <p:sp>
         <p:nvSpPr>
-          <p:cNvPr id="25602" name="Rectangle 2"/>
-          <p:cNvSpPr>
-            <a:spLocks noGrp="1" noChangeArrowheads="1"/>
-          </p:cNvSpPr>
-          <p:nvPr>
-            <p:ph type="title"/>
-          </p:nvPr>
-        </p:nvSpPr>
-        <p:spPr>
-          <a:ln/>
-        </p:spPr>
-        <p:txBody>
-          <a:bodyPr/>
-          <a:lstStyle/>
-          <a:p>
-            <a:r>
-              <a:rPr lang="en-US" altLang="en-US" sz="4000"/>
-              <a:t>Marginal Cost and Marginal Benefit</a:t>
-            </a:r>
-          </a:p>
-        </p:txBody>
-      </p:sp>
-      <p:sp>
-        <p:nvSpPr>
           <p:cNvPr id="25603" name="Rectangle 3"/>
           <p:cNvSpPr>
             <a:spLocks noGrp="1" noChangeArrowheads="1"/>
@@ -11267,6 +12891,30 @@
           </a:p>
           <a:p>
             <a:endParaRPr lang="en-US" altLang="en-US" sz="2800"/>
+          </a:p>
+        </p:txBody>
+      </p:sp>
+      <p:sp>
+        <p:nvSpPr>
+          <p:cNvPr id="25602" name="Rectangle 2"/>
+          <p:cNvSpPr>
+            <a:spLocks noGrp="1" noChangeArrowheads="1"/>
+          </p:cNvSpPr>
+          <p:nvPr>
+            <p:ph type="title"/>
+          </p:nvPr>
+        </p:nvSpPr>
+        <p:spPr>
+          <a:ln/>
+        </p:spPr>
+        <p:txBody>
+          <a:bodyPr/>
+          <a:lstStyle/>
+          <a:p>
+            <a:r>
+              <a:rPr lang="en-US" altLang="en-US" sz="4000"/>
+              <a:t>Marginal Cost and Marginal Benefit</a:t>
+            </a:r>
           </a:p>
         </p:txBody>
       </p:sp>
@@ -11400,6 +13048,34 @@
       </p:sp>
       <p:sp>
         <p:nvSpPr>
+          <p:cNvPr id="3" name="Slide Number Placeholder 2"/>
+          <p:cNvSpPr>
+            <a:spLocks noGrp="1"/>
+          </p:cNvSpPr>
+          <p:nvPr>
+            <p:ph type="sldNum" sz="quarter" idx="12"/>
+          </p:nvPr>
+        </p:nvSpPr>
+        <p:spPr/>
+        <p:txBody>
+          <a:bodyPr/>
+          <a:lstStyle/>
+          <a:p>
+            <a:r>
+              <a:rPr lang="en-US" altLang="en-US" smtClean="0"/>
+              <a:t>/</a:t>
+            </a:r>
+            <a:fld id="{705F6386-E0A0-418F-876F-1CEA219DF3D9}" type="slidenum">
+              <a:rPr lang="en-US" altLang="en-US" smtClean="0"/>
+              <a:pPr/>
+              <a:t>31</a:t>
+            </a:fld>
+            <a:endParaRPr lang="en-US" altLang="en-US"/>
+          </a:p>
+        </p:txBody>
+      </p:sp>
+      <p:sp>
+        <p:nvSpPr>
           <p:cNvPr id="26628" name="Line 4"/>
           <p:cNvSpPr>
             <a:spLocks noChangeShapeType="1"/>
@@ -12366,34 +14042,6 @@
               <a:rPr lang="en-US" altLang="en-US"/>
               <a:t>20</a:t>
             </a:r>
-          </a:p>
-        </p:txBody>
-      </p:sp>
-      <p:sp>
-        <p:nvSpPr>
-          <p:cNvPr id="3" name="Slide Number Placeholder 2"/>
-          <p:cNvSpPr>
-            <a:spLocks noGrp="1"/>
-          </p:cNvSpPr>
-          <p:nvPr>
-            <p:ph type="sldNum" sz="quarter" idx="12"/>
-          </p:nvPr>
-        </p:nvSpPr>
-        <p:spPr/>
-        <p:txBody>
-          <a:bodyPr/>
-          <a:lstStyle/>
-          <a:p>
-            <a:r>
-              <a:rPr lang="en-US" altLang="en-US" smtClean="0"/>
-              <a:t>/</a:t>
-            </a:r>
-            <a:fld id="{705F6386-E0A0-418F-876F-1CEA219DF3D9}" type="slidenum">
-              <a:rPr lang="en-US" altLang="en-US" smtClean="0"/>
-              <a:pPr/>
-              <a:t>31</a:t>
-            </a:fld>
-            <a:endParaRPr lang="en-US" altLang="en-US"/>
           </a:p>
         </p:txBody>
       </p:sp>
@@ -12431,30 +14079,6 @@
       </p:grpSpPr>
       <p:sp>
         <p:nvSpPr>
-          <p:cNvPr id="27650" name="Rectangle 2"/>
-          <p:cNvSpPr>
-            <a:spLocks noGrp="1" noChangeArrowheads="1"/>
-          </p:cNvSpPr>
-          <p:nvPr>
-            <p:ph type="title"/>
-          </p:nvPr>
-        </p:nvSpPr>
-        <p:spPr>
-          <a:ln/>
-        </p:spPr>
-        <p:txBody>
-          <a:bodyPr/>
-          <a:lstStyle/>
-          <a:p>
-            <a:r>
-              <a:rPr lang="en-US" altLang="en-US" sz="4000"/>
-              <a:t>Principle of Diminishing Returns </a:t>
-            </a:r>
-          </a:p>
-        </p:txBody>
-      </p:sp>
-      <p:sp>
-        <p:nvSpPr>
           <p:cNvPr id="27651" name="Rectangle 3"/>
           <p:cNvSpPr>
             <a:spLocks noGrp="1" noChangeArrowheads="1"/>
@@ -12505,6 +14129,30 @@
           <a:p>
             <a:pPr lvl="1"/>
             <a:endParaRPr lang="en-US" altLang="en-US" sz="2400"/>
+          </a:p>
+        </p:txBody>
+      </p:sp>
+      <p:sp>
+        <p:nvSpPr>
+          <p:cNvPr id="27650" name="Rectangle 2"/>
+          <p:cNvSpPr>
+            <a:spLocks noGrp="1" noChangeArrowheads="1"/>
+          </p:cNvSpPr>
+          <p:nvPr>
+            <p:ph type="title"/>
+          </p:nvPr>
+        </p:nvSpPr>
+        <p:spPr>
+          <a:ln/>
+        </p:spPr>
+        <p:txBody>
+          <a:bodyPr/>
+          <a:lstStyle/>
+          <a:p>
+            <a:r>
+              <a:rPr lang="en-US" altLang="en-US" sz="4000"/>
+              <a:t>Principle of Diminishing Returns </a:t>
+            </a:r>
           </a:p>
         </p:txBody>
       </p:sp>
@@ -12585,30 +14233,6 @@
       </p:grpSpPr>
       <p:sp>
         <p:nvSpPr>
-          <p:cNvPr id="28674" name="Rectangle 2"/>
-          <p:cNvSpPr>
-            <a:spLocks noGrp="1" noChangeArrowheads="1"/>
-          </p:cNvSpPr>
-          <p:nvPr>
-            <p:ph type="title"/>
-          </p:nvPr>
-        </p:nvSpPr>
-        <p:spPr>
-          <a:ln/>
-        </p:spPr>
-        <p:txBody>
-          <a:bodyPr/>
-          <a:lstStyle/>
-          <a:p>
-            <a:r>
-              <a:rPr lang="en-US" altLang="en-US"/>
-              <a:t>Production Curve</a:t>
-            </a:r>
-          </a:p>
-        </p:txBody>
-      </p:sp>
-      <p:sp>
-        <p:nvSpPr>
           <p:cNvPr id="28675" name="Rectangle 3"/>
           <p:cNvSpPr>
             <a:spLocks noGrp="1" noChangeArrowheads="1"/>
@@ -12641,6 +14265,30 @@
       </p:sp>
       <p:sp>
         <p:nvSpPr>
+          <p:cNvPr id="28674" name="Rectangle 2"/>
+          <p:cNvSpPr>
+            <a:spLocks noGrp="1" noChangeArrowheads="1"/>
+          </p:cNvSpPr>
+          <p:nvPr>
+            <p:ph type="title"/>
+          </p:nvPr>
+        </p:nvSpPr>
+        <p:spPr>
+          <a:ln/>
+        </p:spPr>
+        <p:txBody>
+          <a:bodyPr/>
+          <a:lstStyle/>
+          <a:p>
+            <a:r>
+              <a:rPr lang="en-US" altLang="en-US"/>
+              <a:t>Production Curve</a:t>
+            </a:r>
+          </a:p>
+        </p:txBody>
+      </p:sp>
+      <p:sp>
+        <p:nvSpPr>
           <p:cNvPr id="18" name="Footer Placeholder 4"/>
           <p:cNvSpPr>
             <a:spLocks noGrp="1"/>
@@ -12658,6 +14306,34 @@
               <a:rPr lang="en-US" altLang="en-US"/>
               <a:t>Basics</a:t>
             </a:r>
+          </a:p>
+        </p:txBody>
+      </p:sp>
+      <p:sp>
+        <p:nvSpPr>
+          <p:cNvPr id="3" name="Slide Number Placeholder 2"/>
+          <p:cNvSpPr>
+            <a:spLocks noGrp="1"/>
+          </p:cNvSpPr>
+          <p:nvPr>
+            <p:ph type="sldNum" sz="quarter" idx="12"/>
+          </p:nvPr>
+        </p:nvSpPr>
+        <p:spPr/>
+        <p:txBody>
+          <a:bodyPr/>
+          <a:lstStyle/>
+          <a:p>
+            <a:r>
+              <a:rPr lang="en-US" altLang="en-US" smtClean="0"/>
+              <a:t>/</a:t>
+            </a:r>
+            <a:fld id="{705F6386-E0A0-418F-876F-1CEA219DF3D9}" type="slidenum">
+              <a:rPr lang="en-US" altLang="en-US" smtClean="0"/>
+              <a:pPr/>
+              <a:t>33</a:t>
+            </a:fld>
+            <a:endParaRPr lang="en-US" altLang="en-US"/>
           </a:p>
         </p:txBody>
       </p:sp>
@@ -13482,34 +15158,6 @@
           </a:p>
         </p:txBody>
       </p:sp>
-      <p:sp>
-        <p:nvSpPr>
-          <p:cNvPr id="3" name="Slide Number Placeholder 2"/>
-          <p:cNvSpPr>
-            <a:spLocks noGrp="1"/>
-          </p:cNvSpPr>
-          <p:nvPr>
-            <p:ph type="sldNum" sz="quarter" idx="12"/>
-          </p:nvPr>
-        </p:nvSpPr>
-        <p:spPr/>
-        <p:txBody>
-          <a:bodyPr/>
-          <a:lstStyle/>
-          <a:p>
-            <a:r>
-              <a:rPr lang="en-US" altLang="en-US" smtClean="0"/>
-              <a:t>/</a:t>
-            </a:r>
-            <a:fld id="{705F6386-E0A0-418F-876F-1CEA219DF3D9}" type="slidenum">
-              <a:rPr lang="en-US" altLang="en-US" smtClean="0"/>
-              <a:pPr/>
-              <a:t>33</a:t>
-            </a:fld>
-            <a:endParaRPr lang="en-US" altLang="en-US"/>
-          </a:p>
-        </p:txBody>
-      </p:sp>
     </p:spTree>
   </p:cSld>
   <p:clrMapOvr>
@@ -13537,30 +15185,6 @@
       </p:grpSpPr>
       <p:sp>
         <p:nvSpPr>
-          <p:cNvPr id="29698" name="Rectangle 2"/>
-          <p:cNvSpPr>
-            <a:spLocks noGrp="1" noChangeArrowheads="1"/>
-          </p:cNvSpPr>
-          <p:nvPr>
-            <p:ph type="title"/>
-          </p:nvPr>
-        </p:nvSpPr>
-        <p:spPr>
-          <a:ln/>
-        </p:spPr>
-        <p:txBody>
-          <a:bodyPr/>
-          <a:lstStyle/>
-          <a:p>
-            <a:r>
-              <a:rPr lang="en-US" altLang="en-US"/>
-              <a:t>Marginal Product of Labor</a:t>
-            </a:r>
-          </a:p>
-        </p:txBody>
-      </p:sp>
-      <p:sp>
-        <p:nvSpPr>
           <p:cNvPr id="29699" name="Rectangle 3"/>
           <p:cNvSpPr>
             <a:spLocks noGrp="1" noChangeArrowheads="1"/>
@@ -13588,6 +15212,30 @@
       </p:sp>
       <p:sp>
         <p:nvSpPr>
+          <p:cNvPr id="29698" name="Rectangle 2"/>
+          <p:cNvSpPr>
+            <a:spLocks noGrp="1" noChangeArrowheads="1"/>
+          </p:cNvSpPr>
+          <p:nvPr>
+            <p:ph type="title"/>
+          </p:nvPr>
+        </p:nvSpPr>
+        <p:spPr>
+          <a:ln/>
+        </p:spPr>
+        <p:txBody>
+          <a:bodyPr/>
+          <a:lstStyle/>
+          <a:p>
+            <a:r>
+              <a:rPr lang="en-US" altLang="en-US"/>
+              <a:t>Marginal Product of Labor</a:t>
+            </a:r>
+          </a:p>
+        </p:txBody>
+      </p:sp>
+      <p:sp>
+        <p:nvSpPr>
           <p:cNvPr id="19" name="Footer Placeholder 4"/>
           <p:cNvSpPr>
             <a:spLocks noGrp="1"/>
@@ -13605,6 +15253,34 @@
               <a:rPr lang="en-US" altLang="en-US"/>
               <a:t>Basics</a:t>
             </a:r>
+          </a:p>
+        </p:txBody>
+      </p:sp>
+      <p:sp>
+        <p:nvSpPr>
+          <p:cNvPr id="3" name="Slide Number Placeholder 2"/>
+          <p:cNvSpPr>
+            <a:spLocks noGrp="1"/>
+          </p:cNvSpPr>
+          <p:nvPr>
+            <p:ph type="sldNum" sz="quarter" idx="12"/>
+          </p:nvPr>
+        </p:nvSpPr>
+        <p:spPr/>
+        <p:txBody>
+          <a:bodyPr/>
+          <a:lstStyle/>
+          <a:p>
+            <a:r>
+              <a:rPr lang="en-US" altLang="en-US" smtClean="0"/>
+              <a:t>/</a:t>
+            </a:r>
+            <a:fld id="{705F6386-E0A0-418F-876F-1CEA219DF3D9}" type="slidenum">
+              <a:rPr lang="en-US" altLang="en-US" smtClean="0"/>
+              <a:pPr/>
+              <a:t>34</a:t>
+            </a:fld>
+            <a:endParaRPr lang="en-US" altLang="en-US"/>
           </a:p>
         </p:txBody>
       </p:sp>
@@ -14481,34 +16157,6 @@
           </a:p>
         </p:txBody>
       </p:sp>
-      <p:sp>
-        <p:nvSpPr>
-          <p:cNvPr id="3" name="Slide Number Placeholder 2"/>
-          <p:cNvSpPr>
-            <a:spLocks noGrp="1"/>
-          </p:cNvSpPr>
-          <p:nvPr>
-            <p:ph type="sldNum" sz="quarter" idx="12"/>
-          </p:nvPr>
-        </p:nvSpPr>
-        <p:spPr/>
-        <p:txBody>
-          <a:bodyPr/>
-          <a:lstStyle/>
-          <a:p>
-            <a:r>
-              <a:rPr lang="en-US" altLang="en-US" smtClean="0"/>
-              <a:t>/</a:t>
-            </a:r>
-            <a:fld id="{705F6386-E0A0-418F-876F-1CEA219DF3D9}" type="slidenum">
-              <a:rPr lang="en-US" altLang="en-US" smtClean="0"/>
-              <a:pPr/>
-              <a:t>34</a:t>
-            </a:fld>
-            <a:endParaRPr lang="en-US" altLang="en-US"/>
-          </a:p>
-        </p:txBody>
-      </p:sp>
     </p:spTree>
   </p:cSld>
   <p:clrMapOvr>
@@ -14543,6 +16191,41 @@
       </p:grpSpPr>
       <p:sp>
         <p:nvSpPr>
+          <p:cNvPr id="30723" name="Rectangle 3"/>
+          <p:cNvSpPr>
+            <a:spLocks noGrp="1" noChangeArrowheads="1"/>
+          </p:cNvSpPr>
+          <p:nvPr>
+            <p:ph idx="1"/>
+          </p:nvPr>
+        </p:nvSpPr>
+        <p:spPr/>
+        <p:txBody>
+          <a:bodyPr/>
+          <a:lstStyle/>
+          <a:p>
+            <a:r>
+              <a:rPr lang="en-US" altLang="en-US"/>
+              <a:t>Is the time period over which one or more variable are fixed (wages, factors of production etc.)</a:t>
+            </a:r>
+          </a:p>
+          <a:p>
+            <a:r>
+              <a:rPr lang="en-US" altLang="en-US"/>
+              <a:t>In the long run most variables are flexible.</a:t>
+            </a:r>
+          </a:p>
+          <a:p>
+            <a:pPr lvl="1"/>
+            <a:r>
+              <a:rPr lang="en-US" altLang="en-US"/>
+              <a:t>In the long run, more photo copy machines would be acquired and we would not see diminishing returns to labor. Since firms can duplicate or replicate production facilities.</a:t>
+            </a:r>
+          </a:p>
+        </p:txBody>
+      </p:sp>
+      <p:sp>
+        <p:nvSpPr>
           <p:cNvPr id="30722" name="Rectangle 2"/>
           <p:cNvSpPr>
             <a:spLocks noGrp="1" noChangeArrowheads="1"/>
@@ -14561,41 +16244,6 @@
             <a:r>
               <a:rPr lang="en-US" altLang="en-US"/>
               <a:t>The Short Run</a:t>
-            </a:r>
-          </a:p>
-        </p:txBody>
-      </p:sp>
-      <p:sp>
-        <p:nvSpPr>
-          <p:cNvPr id="30723" name="Rectangle 3"/>
-          <p:cNvSpPr>
-            <a:spLocks noGrp="1" noChangeArrowheads="1"/>
-          </p:cNvSpPr>
-          <p:nvPr>
-            <p:ph idx="1"/>
-          </p:nvPr>
-        </p:nvSpPr>
-        <p:spPr/>
-        <p:txBody>
-          <a:bodyPr/>
-          <a:lstStyle/>
-          <a:p>
-            <a:r>
-              <a:rPr lang="en-US" altLang="en-US"/>
-              <a:t>Is the time period over which one or more variable are fixed (wages, factors of production etc.)</a:t>
-            </a:r>
-          </a:p>
-          <a:p>
-            <a:r>
-              <a:rPr lang="en-US" altLang="en-US"/>
-              <a:t>In the long run most variables are flexible.</a:t>
-            </a:r>
-          </a:p>
-          <a:p>
-            <a:pPr lvl="1"/>
-            <a:r>
-              <a:rPr lang="en-US" altLang="en-US"/>
-              <a:t>In the long run, more photo copy machines would be acquired and we would not see diminishing returns to labor. Since firms can duplicate or replicate production facilities.</a:t>
             </a:r>
           </a:p>
         </p:txBody>
@@ -14684,30 +16332,6 @@
       </p:grpSpPr>
       <p:sp>
         <p:nvSpPr>
-          <p:cNvPr id="31746" name="Rectangle 2"/>
-          <p:cNvSpPr>
-            <a:spLocks noGrp="1" noChangeArrowheads="1"/>
-          </p:cNvSpPr>
-          <p:nvPr>
-            <p:ph type="title"/>
-          </p:nvPr>
-        </p:nvSpPr>
-        <p:spPr>
-          <a:ln/>
-        </p:spPr>
-        <p:txBody>
-          <a:bodyPr/>
-          <a:lstStyle/>
-          <a:p>
-            <a:r>
-              <a:rPr lang="en-US" altLang="en-US" sz="4000"/>
-              <a:t>Spillover Principle - Externalities</a:t>
-            </a:r>
-          </a:p>
-        </p:txBody>
-      </p:sp>
-      <p:sp>
-        <p:nvSpPr>
           <p:cNvPr id="31747" name="Rectangle 3"/>
           <p:cNvSpPr>
             <a:spLocks noGrp="1" noChangeArrowheads="1"/>
@@ -14757,6 +16381,30 @@
           </a:p>
           <a:p>
             <a:endParaRPr lang="en-US" altLang="en-US" sz="2800"/>
+          </a:p>
+        </p:txBody>
+      </p:sp>
+      <p:sp>
+        <p:nvSpPr>
+          <p:cNvPr id="31746" name="Rectangle 2"/>
+          <p:cNvSpPr>
+            <a:spLocks noGrp="1" noChangeArrowheads="1"/>
+          </p:cNvSpPr>
+          <p:nvPr>
+            <p:ph type="title"/>
+          </p:nvPr>
+        </p:nvSpPr>
+        <p:spPr>
+          <a:ln/>
+        </p:spPr>
+        <p:txBody>
+          <a:bodyPr/>
+          <a:lstStyle/>
+          <a:p>
+            <a:r>
+              <a:rPr lang="en-US" altLang="en-US" sz="4000"/>
+              <a:t>Spillover Principle - Externalities</a:t>
+            </a:r>
           </a:p>
         </p:txBody>
       </p:sp>
@@ -14844,30 +16492,6 @@
       </p:grpSpPr>
       <p:sp>
         <p:nvSpPr>
-          <p:cNvPr id="32770" name="Rectangle 2"/>
-          <p:cNvSpPr>
-            <a:spLocks noGrp="1" noChangeArrowheads="1"/>
-          </p:cNvSpPr>
-          <p:nvPr>
-            <p:ph type="title"/>
-          </p:nvPr>
-        </p:nvSpPr>
-        <p:spPr>
-          <a:ln/>
-        </p:spPr>
-        <p:txBody>
-          <a:bodyPr/>
-          <a:lstStyle/>
-          <a:p>
-            <a:r>
-              <a:rPr lang="en-US" altLang="en-US"/>
-              <a:t>Consumer Demand</a:t>
-            </a:r>
-          </a:p>
-        </p:txBody>
-      </p:sp>
-      <p:sp>
-        <p:nvSpPr>
           <p:cNvPr id="32771" name="Rectangle 3"/>
           <p:cNvSpPr>
             <a:spLocks noGrp="1" noChangeArrowheads="1"/>
@@ -15012,6 +16636,30 @@
             <a:r>
               <a:rPr lang="en-US" altLang="en-US" sz="2800"/>
               <a:t>Item 2 to 6 are held constant in the demand schedule.</a:t>
+            </a:r>
+          </a:p>
+        </p:txBody>
+      </p:sp>
+      <p:sp>
+        <p:nvSpPr>
+          <p:cNvPr id="32770" name="Rectangle 2"/>
+          <p:cNvSpPr>
+            <a:spLocks noGrp="1" noChangeArrowheads="1"/>
+          </p:cNvSpPr>
+          <p:nvPr>
+            <p:ph type="title"/>
+          </p:nvPr>
+        </p:nvSpPr>
+        <p:spPr>
+          <a:ln/>
+        </p:spPr>
+        <p:txBody>
+          <a:bodyPr/>
+          <a:lstStyle/>
+          <a:p>
+            <a:r>
+              <a:rPr lang="en-US" altLang="en-US"/>
+              <a:t>Consumer Demand</a:t>
             </a:r>
           </a:p>
         </p:txBody>
@@ -15093,30 +16741,6 @@
       </p:grpSpPr>
       <p:sp>
         <p:nvSpPr>
-          <p:cNvPr id="33794" name="Rectangle 2"/>
-          <p:cNvSpPr>
-            <a:spLocks noGrp="1" noChangeArrowheads="1"/>
-          </p:cNvSpPr>
-          <p:nvPr>
-            <p:ph type="title"/>
-          </p:nvPr>
-        </p:nvSpPr>
-        <p:spPr>
-          <a:ln/>
-        </p:spPr>
-        <p:txBody>
-          <a:bodyPr/>
-          <a:lstStyle/>
-          <a:p>
-            <a:r>
-              <a:rPr lang="en-US" altLang="en-US"/>
-              <a:t>Law of Demand</a:t>
-            </a:r>
-          </a:p>
-        </p:txBody>
-      </p:sp>
-      <p:sp>
-        <p:nvSpPr>
           <p:cNvPr id="33795" name="Rectangle 3"/>
           <p:cNvSpPr>
             <a:spLocks noGrp="1" noChangeArrowheads="1"/>
@@ -15144,6 +16768,30 @@
             <a:r>
               <a:rPr lang="en-US" altLang="en-US"/>
               <a:t>That is, as prices increase, demand goes down.</a:t>
+            </a:r>
+          </a:p>
+        </p:txBody>
+      </p:sp>
+      <p:sp>
+        <p:nvSpPr>
+          <p:cNvPr id="33794" name="Rectangle 2"/>
+          <p:cNvSpPr>
+            <a:spLocks noGrp="1" noChangeArrowheads="1"/>
+          </p:cNvSpPr>
+          <p:nvPr>
+            <p:ph type="title"/>
+          </p:nvPr>
+        </p:nvSpPr>
+        <p:spPr>
+          <a:ln/>
+        </p:spPr>
+        <p:txBody>
+          <a:bodyPr/>
+          <a:lstStyle/>
+          <a:p>
+            <a:r>
+              <a:rPr lang="en-US" altLang="en-US"/>
+              <a:t>Law of Demand</a:t>
             </a:r>
           </a:p>
         </p:txBody>
@@ -15278,6 +16926,34 @@
       </p:sp>
       <p:sp>
         <p:nvSpPr>
+          <p:cNvPr id="3" name="Slide Number Placeholder 2"/>
+          <p:cNvSpPr>
+            <a:spLocks noGrp="1"/>
+          </p:cNvSpPr>
+          <p:nvPr>
+            <p:ph type="sldNum" sz="quarter" idx="12"/>
+          </p:nvPr>
+        </p:nvSpPr>
+        <p:spPr/>
+        <p:txBody>
+          <a:bodyPr/>
+          <a:lstStyle/>
+          <a:p>
+            <a:r>
+              <a:rPr lang="en-US" altLang="en-US" smtClean="0"/>
+              <a:t>/</a:t>
+            </a:r>
+            <a:fld id="{705F6386-E0A0-418F-876F-1CEA219DF3D9}" type="slidenum">
+              <a:rPr lang="en-US" altLang="en-US" smtClean="0"/>
+              <a:pPr/>
+              <a:t>39</a:t>
+            </a:fld>
+            <a:endParaRPr lang="en-US" altLang="en-US"/>
+          </a:p>
+        </p:txBody>
+      </p:sp>
+      <p:sp>
+        <p:nvSpPr>
           <p:cNvPr id="37892" name="Line 4"/>
           <p:cNvSpPr>
             <a:spLocks noChangeShapeType="1"/>
@@ -16688,34 +18364,6 @@
               <a:rPr lang="en-US" altLang="en-US"/>
               <a:t>Market demand</a:t>
             </a:r>
-          </a:p>
-        </p:txBody>
-      </p:sp>
-      <p:sp>
-        <p:nvSpPr>
-          <p:cNvPr id="3" name="Slide Number Placeholder 2"/>
-          <p:cNvSpPr>
-            <a:spLocks noGrp="1"/>
-          </p:cNvSpPr>
-          <p:nvPr>
-            <p:ph type="sldNum" sz="quarter" idx="12"/>
-          </p:nvPr>
-        </p:nvSpPr>
-        <p:spPr/>
-        <p:txBody>
-          <a:bodyPr/>
-          <a:lstStyle/>
-          <a:p>
-            <a:r>
-              <a:rPr lang="en-US" altLang="en-US" smtClean="0"/>
-              <a:t>/</a:t>
-            </a:r>
-            <a:fld id="{705F6386-E0A0-418F-876F-1CEA219DF3D9}" type="slidenum">
-              <a:rPr lang="en-US" altLang="en-US" smtClean="0"/>
-              <a:pPr/>
-              <a:t>39</a:t>
-            </a:fld>
-            <a:endParaRPr lang="en-US" altLang="en-US"/>
           </a:p>
         </p:txBody>
       </p:sp>
@@ -16753,35 +18401,11 @@
       </p:grpSpPr>
       <p:sp>
         <p:nvSpPr>
-          <p:cNvPr id="12290" name="Rectangle 2"/>
+          <p:cNvPr id="12291" name="Rectangle 3"/>
           <p:cNvSpPr>
             <a:spLocks noGrp="1" noChangeArrowheads="1"/>
           </p:cNvSpPr>
           <p:nvPr>
-            <p:ph type="title"/>
-          </p:nvPr>
-        </p:nvSpPr>
-        <p:spPr>
-          <a:ln/>
-        </p:spPr>
-        <p:txBody>
-          <a:bodyPr/>
-          <a:lstStyle/>
-          <a:p>
-            <a:r>
-              <a:rPr lang="en-US" altLang="en-US"/>
-              <a:t>Factors of Production</a:t>
-            </a:r>
-          </a:p>
-        </p:txBody>
-      </p:sp>
-      <p:sp>
-        <p:nvSpPr>
-          <p:cNvPr id="12291" name="Rectangle 3"/>
-          <p:cNvSpPr>
-            <a:spLocks noGrp="1" noChangeArrowheads="1"/>
-          </p:cNvSpPr>
-          <p:nvPr>
             <p:ph idx="1"/>
           </p:nvPr>
         </p:nvSpPr>
@@ -16790,81 +18414,107 @@
           <a:bodyPr/>
           <a:lstStyle/>
           <a:p>
-            <a:pPr marL="609600" indent="-609600"/>
-            <a:r>
-              <a:rPr lang="en-US" altLang="en-US"/>
-              <a:t>The resources used for production are called factors of production.</a:t>
-            </a:r>
-          </a:p>
-          <a:p>
-            <a:pPr marL="990600" lvl="1" indent="-533400">
-              <a:buClr>
-                <a:srgbClr val="008000"/>
-              </a:buClr>
-              <a:buSzPct val="80000"/>
-              <a:buFont typeface="Wingdings" pitchFamily="2" charset="2"/>
+            <a:pPr marL="0" indent="0">
+              <a:buNone/>
+            </a:pPr>
+            <a:r>
+              <a:rPr lang="en-US" altLang="en-US" dirty="0" smtClean="0"/>
+              <a:t>The resources used for production are called factors of production:</a:t>
+            </a:r>
+          </a:p>
+          <a:p>
+            <a:pPr marL="571500" indent="-514350">
+              <a:buFont typeface="+mj-lt"/>
               <a:buAutoNum type="arabicPeriod"/>
             </a:pPr>
             <a:r>
-              <a:rPr lang="en-US" altLang="en-US"/>
+              <a:rPr lang="en-US" altLang="en-US" dirty="0" smtClean="0"/>
               <a:t>Natural resources</a:t>
             </a:r>
           </a:p>
           <a:p>
-            <a:pPr marL="990600" lvl="1" indent="-533400">
-              <a:buClr>
-                <a:srgbClr val="008000"/>
-              </a:buClr>
-              <a:buSzPct val="80000"/>
-              <a:buFont typeface="Wingdings" pitchFamily="2" charset="2"/>
+            <a:pPr marL="571500" indent="-514350">
+              <a:buFont typeface="+mj-lt"/>
               <a:buAutoNum type="arabicPeriod"/>
             </a:pPr>
             <a:r>
-              <a:rPr lang="en-US" altLang="en-US"/>
+              <a:rPr lang="en-US" altLang="en-US" dirty="0" smtClean="0"/>
               <a:t>Labor</a:t>
             </a:r>
           </a:p>
           <a:p>
-            <a:pPr marL="990600" lvl="1" indent="-533400">
-              <a:buClr>
-                <a:srgbClr val="008000"/>
-              </a:buClr>
-              <a:buSzPct val="80000"/>
-              <a:buFont typeface="Wingdings" pitchFamily="2" charset="2"/>
+            <a:pPr marL="571500" indent="-514350">
+              <a:buFont typeface="+mj-lt"/>
               <a:buAutoNum type="arabicPeriod"/>
             </a:pPr>
             <a:r>
-              <a:rPr lang="en-US" altLang="en-US"/>
-              <a:t>Physical capital</a:t>
-            </a:r>
-          </a:p>
-          <a:p>
-            <a:pPr marL="990600" lvl="1" indent="-533400">
-              <a:buClr>
-                <a:srgbClr val="008000"/>
-              </a:buClr>
-              <a:buSzPct val="80000"/>
-              <a:buFont typeface="Wingdings" pitchFamily="2" charset="2"/>
+              <a:rPr lang="en-US" altLang="en-US" dirty="0" smtClean="0"/>
+              <a:t>Natural resources</a:t>
+            </a:r>
+          </a:p>
+          <a:p>
+            <a:pPr marL="571500" indent="-514350">
+              <a:buFont typeface="+mj-lt"/>
               <a:buAutoNum type="arabicPeriod"/>
             </a:pPr>
             <a:r>
-              <a:rPr lang="en-US" altLang="en-US"/>
-              <a:t>Human capital</a:t>
-            </a:r>
-          </a:p>
-          <a:p>
-            <a:pPr marL="990600" lvl="1" indent="-533400">
-              <a:buClr>
-                <a:srgbClr val="008000"/>
-              </a:buClr>
-              <a:buSzPct val="80000"/>
-              <a:buFont typeface="Wingdings" pitchFamily="2" charset="2"/>
+              <a:rPr lang="en-US" altLang="en-US" dirty="0" smtClean="0"/>
+              <a:t>Labor</a:t>
+            </a:r>
+          </a:p>
+          <a:p>
+            <a:pPr marL="571500" indent="-514350">
+              <a:buFont typeface="+mj-lt"/>
               <a:buAutoNum type="arabicPeriod"/>
             </a:pPr>
             <a:r>
-              <a:rPr lang="en-US" altLang="en-US"/>
+              <a:rPr lang="en-US" altLang="en-US" dirty="0" smtClean="0"/>
+              <a:t>Physical capital</a:t>
+            </a:r>
+          </a:p>
+          <a:p>
+            <a:pPr marL="571500" indent="-514350">
+              <a:buFont typeface="+mj-lt"/>
+              <a:buAutoNum type="arabicPeriod"/>
+            </a:pPr>
+            <a:r>
+              <a:rPr lang="en-US" altLang="en-US" dirty="0" smtClean="0"/>
+              <a:t>Human capital</a:t>
+            </a:r>
+          </a:p>
+          <a:p>
+            <a:pPr marL="571500" indent="-514350">
+              <a:buFont typeface="+mj-lt"/>
+              <a:buAutoNum type="arabicPeriod"/>
+            </a:pPr>
+            <a:r>
+              <a:rPr lang="en-US" altLang="en-US" dirty="0" smtClean="0"/>
               <a:t>Entrepreneurship </a:t>
             </a:r>
+            <a:endParaRPr lang="en-US" altLang="en-US" dirty="0"/>
+          </a:p>
+        </p:txBody>
+      </p:sp>
+      <p:sp>
+        <p:nvSpPr>
+          <p:cNvPr id="12290" name="Rectangle 2"/>
+          <p:cNvSpPr>
+            <a:spLocks noGrp="1" noChangeArrowheads="1"/>
+          </p:cNvSpPr>
+          <p:nvPr>
+            <p:ph type="title"/>
+          </p:nvPr>
+        </p:nvSpPr>
+        <p:spPr/>
+        <p:txBody>
+          <a:bodyPr/>
+          <a:lstStyle/>
+          <a:p>
+            <a:r>
+              <a:rPr lang="en-US" altLang="en-US" smtClean="0"/>
+              <a:t>Factors of Production</a:t>
+            </a:r>
+            <a:endParaRPr lang="en-US" altLang="en-US"/>
           </a:p>
         </p:txBody>
       </p:sp>
@@ -16884,9 +18534,10 @@
           <a:lstStyle/>
           <a:p>
             <a:r>
-              <a:rPr lang="en-US" altLang="en-US"/>
+              <a:rPr lang="en-US" altLang="en-US" smtClean="0"/>
               <a:t>Basics</a:t>
             </a:r>
+            <a:endParaRPr lang="en-US" altLang="en-US"/>
           </a:p>
         </p:txBody>
       </p:sp>
@@ -16952,6 +18603,34 @@
       </p:grpSpPr>
       <p:sp>
         <p:nvSpPr>
+          <p:cNvPr id="34819" name="Rectangle 3"/>
+          <p:cNvSpPr>
+            <a:spLocks noGrp="1" noChangeArrowheads="1"/>
+          </p:cNvSpPr>
+          <p:nvPr>
+            <p:ph idx="1"/>
+          </p:nvPr>
+        </p:nvSpPr>
+        <p:spPr/>
+        <p:txBody>
+          <a:bodyPr/>
+          <a:lstStyle/>
+          <a:p>
+            <a:r>
+              <a:rPr lang="en-US" altLang="en-US"/>
+              <a:t>Income effect</a:t>
+            </a:r>
+          </a:p>
+          <a:p>
+            <a:r>
+              <a:rPr lang="en-US" altLang="en-US"/>
+              <a:t>Substitution effect</a:t>
+            </a:r>
+          </a:p>
+        </p:txBody>
+      </p:sp>
+      <p:sp>
+        <p:nvSpPr>
           <p:cNvPr id="34818" name="Rectangle 2"/>
           <p:cNvSpPr>
             <a:spLocks noGrp="1" noChangeArrowheads="1"/>
@@ -16970,34 +18649,6 @@
             <a:r>
               <a:rPr lang="en-US" altLang="en-US"/>
               <a:t>When Prices Change</a:t>
-            </a:r>
-          </a:p>
-        </p:txBody>
-      </p:sp>
-      <p:sp>
-        <p:nvSpPr>
-          <p:cNvPr id="34819" name="Rectangle 3"/>
-          <p:cNvSpPr>
-            <a:spLocks noGrp="1" noChangeArrowheads="1"/>
-          </p:cNvSpPr>
-          <p:nvPr>
-            <p:ph idx="1"/>
-          </p:nvPr>
-        </p:nvSpPr>
-        <p:spPr/>
-        <p:txBody>
-          <a:bodyPr/>
-          <a:lstStyle/>
-          <a:p>
-            <a:r>
-              <a:rPr lang="en-US" altLang="en-US"/>
-              <a:t>Income effect</a:t>
-            </a:r>
-          </a:p>
-          <a:p>
-            <a:r>
-              <a:rPr lang="en-US" altLang="en-US"/>
-              <a:t>Substitution effect</a:t>
             </a:r>
           </a:p>
         </p:txBody>
@@ -17086,30 +18737,6 @@
       </p:grpSpPr>
       <p:sp>
         <p:nvSpPr>
-          <p:cNvPr id="35842" name="Rectangle 2"/>
-          <p:cNvSpPr>
-            <a:spLocks noGrp="1" noChangeArrowheads="1"/>
-          </p:cNvSpPr>
-          <p:nvPr>
-            <p:ph type="title"/>
-          </p:nvPr>
-        </p:nvSpPr>
-        <p:spPr>
-          <a:ln/>
-        </p:spPr>
-        <p:txBody>
-          <a:bodyPr/>
-          <a:lstStyle/>
-          <a:p>
-            <a:r>
-              <a:rPr lang="en-US" altLang="en-US"/>
-              <a:t>The Supply Curve</a:t>
-            </a:r>
-          </a:p>
-        </p:txBody>
-      </p:sp>
-      <p:sp>
-        <p:nvSpPr>
           <p:cNvPr id="35843" name="Rectangle 3"/>
           <p:cNvSpPr>
             <a:spLocks noGrp="1" noChangeArrowheads="1"/>
@@ -17192,6 +18819,30 @@
           <a:p>
             <a:pPr marL="609600" indent="-609600"/>
             <a:endParaRPr lang="en-US" altLang="en-US"/>
+          </a:p>
+        </p:txBody>
+      </p:sp>
+      <p:sp>
+        <p:nvSpPr>
+          <p:cNvPr id="35842" name="Rectangle 2"/>
+          <p:cNvSpPr>
+            <a:spLocks noGrp="1" noChangeArrowheads="1"/>
+          </p:cNvSpPr>
+          <p:nvPr>
+            <p:ph type="title"/>
+          </p:nvPr>
+        </p:nvSpPr>
+        <p:spPr>
+          <a:ln/>
+        </p:spPr>
+        <p:txBody>
+          <a:bodyPr/>
+          <a:lstStyle/>
+          <a:p>
+            <a:r>
+              <a:rPr lang="en-US" altLang="en-US"/>
+              <a:t>The Supply Curve</a:t>
+            </a:r>
           </a:p>
         </p:txBody>
       </p:sp>
@@ -17272,30 +18923,6 @@
       </p:grpSpPr>
       <p:sp>
         <p:nvSpPr>
-          <p:cNvPr id="38914" name="Rectangle 2"/>
-          <p:cNvSpPr>
-            <a:spLocks noGrp="1" noChangeArrowheads="1"/>
-          </p:cNvSpPr>
-          <p:nvPr>
-            <p:ph type="title"/>
-          </p:nvPr>
-        </p:nvSpPr>
-        <p:spPr>
-          <a:ln/>
-        </p:spPr>
-        <p:txBody>
-          <a:bodyPr/>
-          <a:lstStyle/>
-          <a:p>
-            <a:r>
-              <a:rPr lang="en-US" altLang="en-US"/>
-              <a:t>Law of Supply</a:t>
-            </a:r>
-          </a:p>
-        </p:txBody>
-      </p:sp>
-      <p:sp>
-        <p:nvSpPr>
           <p:cNvPr id="38915" name="Rectangle 3"/>
           <p:cNvSpPr>
             <a:spLocks noGrp="1" noChangeArrowheads="1"/>
@@ -17352,6 +18979,30 @@
       </p:sp>
       <p:sp>
         <p:nvSpPr>
+          <p:cNvPr id="38914" name="Rectangle 2"/>
+          <p:cNvSpPr>
+            <a:spLocks noGrp="1" noChangeArrowheads="1"/>
+          </p:cNvSpPr>
+          <p:nvPr>
+            <p:ph type="title"/>
+          </p:nvPr>
+        </p:nvSpPr>
+        <p:spPr>
+          <a:ln/>
+        </p:spPr>
+        <p:txBody>
+          <a:bodyPr/>
+          <a:lstStyle/>
+          <a:p>
+            <a:r>
+              <a:rPr lang="en-US" altLang="en-US"/>
+              <a:t>Law of Supply</a:t>
+            </a:r>
+          </a:p>
+        </p:txBody>
+      </p:sp>
+      <p:sp>
+        <p:nvSpPr>
           <p:cNvPr id="21" name="Footer Placeholder 4"/>
           <p:cNvSpPr>
             <a:spLocks noGrp="1"/>
@@ -17369,6 +19020,34 @@
               <a:rPr lang="en-US" altLang="en-US"/>
               <a:t>Basics</a:t>
             </a:r>
+          </a:p>
+        </p:txBody>
+      </p:sp>
+      <p:sp>
+        <p:nvSpPr>
+          <p:cNvPr id="3" name="Slide Number Placeholder 2"/>
+          <p:cNvSpPr>
+            <a:spLocks noGrp="1"/>
+          </p:cNvSpPr>
+          <p:nvPr>
+            <p:ph type="sldNum" sz="quarter" idx="12"/>
+          </p:nvPr>
+        </p:nvSpPr>
+        <p:spPr/>
+        <p:txBody>
+          <a:bodyPr/>
+          <a:lstStyle/>
+          <a:p>
+            <a:r>
+              <a:rPr lang="en-US" altLang="en-US" smtClean="0"/>
+              <a:t>/</a:t>
+            </a:r>
+            <a:fld id="{705F6386-E0A0-418F-876F-1CEA219DF3D9}" type="slidenum">
+              <a:rPr lang="en-US" altLang="en-US" smtClean="0"/>
+              <a:pPr/>
+              <a:t>42</a:t>
+            </a:fld>
+            <a:endParaRPr lang="en-US" altLang="en-US"/>
           </a:p>
         </p:txBody>
       </p:sp>
@@ -18306,34 +19985,6 @@
           <a:lstStyle/>
           <a:p>
             <a:endParaRPr lang="en-US"/>
-          </a:p>
-        </p:txBody>
-      </p:sp>
-      <p:sp>
-        <p:nvSpPr>
-          <p:cNvPr id="3" name="Slide Number Placeholder 2"/>
-          <p:cNvSpPr>
-            <a:spLocks noGrp="1"/>
-          </p:cNvSpPr>
-          <p:nvPr>
-            <p:ph type="sldNum" sz="quarter" idx="12"/>
-          </p:nvPr>
-        </p:nvSpPr>
-        <p:spPr/>
-        <p:txBody>
-          <a:bodyPr/>
-          <a:lstStyle/>
-          <a:p>
-            <a:r>
-              <a:rPr lang="en-US" altLang="en-US" smtClean="0"/>
-              <a:t>/</a:t>
-            </a:r>
-            <a:fld id="{705F6386-E0A0-418F-876F-1CEA219DF3D9}" type="slidenum">
-              <a:rPr lang="en-US" altLang="en-US" smtClean="0"/>
-              <a:pPr/>
-              <a:t>42</a:t>
-            </a:fld>
-            <a:endParaRPr lang="en-US" altLang="en-US"/>
           </a:p>
         </p:txBody>
       </p:sp>
@@ -18417,6 +20068,34 @@
       </p:sp>
       <p:sp>
         <p:nvSpPr>
+          <p:cNvPr id="3" name="Slide Number Placeholder 2"/>
+          <p:cNvSpPr>
+            <a:spLocks noGrp="1"/>
+          </p:cNvSpPr>
+          <p:nvPr>
+            <p:ph type="sldNum" sz="quarter" idx="12"/>
+          </p:nvPr>
+        </p:nvSpPr>
+        <p:spPr/>
+        <p:txBody>
+          <a:bodyPr/>
+          <a:lstStyle/>
+          <a:p>
+            <a:r>
+              <a:rPr lang="en-US" altLang="en-US" smtClean="0"/>
+              <a:t>/</a:t>
+            </a:r>
+            <a:fld id="{705F6386-E0A0-418F-876F-1CEA219DF3D9}" type="slidenum">
+              <a:rPr lang="en-US" altLang="en-US" smtClean="0"/>
+              <a:pPr/>
+              <a:t>43</a:t>
+            </a:fld>
+            <a:endParaRPr lang="en-US" altLang="en-US"/>
+          </a:p>
+        </p:txBody>
+      </p:sp>
+      <p:sp>
+        <p:nvSpPr>
           <p:cNvPr id="36868" name="Line 4"/>
           <p:cNvSpPr>
             <a:spLocks noChangeShapeType="1"/>
@@ -19827,34 +21506,6 @@
           <a:lstStyle/>
           <a:p>
             <a:endParaRPr lang="en-US"/>
-          </a:p>
-        </p:txBody>
-      </p:sp>
-      <p:sp>
-        <p:nvSpPr>
-          <p:cNvPr id="3" name="Slide Number Placeholder 2"/>
-          <p:cNvSpPr>
-            <a:spLocks noGrp="1"/>
-          </p:cNvSpPr>
-          <p:nvPr>
-            <p:ph type="sldNum" sz="quarter" idx="12"/>
-          </p:nvPr>
-        </p:nvSpPr>
-        <p:spPr/>
-        <p:txBody>
-          <a:bodyPr/>
-          <a:lstStyle/>
-          <a:p>
-            <a:r>
-              <a:rPr lang="en-US" altLang="en-US" smtClean="0"/>
-              <a:t>/</a:t>
-            </a:r>
-            <a:fld id="{705F6386-E0A0-418F-876F-1CEA219DF3D9}" type="slidenum">
-              <a:rPr lang="en-US" altLang="en-US" smtClean="0"/>
-              <a:pPr/>
-              <a:t>43</a:t>
-            </a:fld>
-            <a:endParaRPr lang="en-US" altLang="en-US"/>
           </a:p>
         </p:txBody>
       </p:sp>
@@ -19885,6 +21536,34 @@
       </p:grpSpPr>
       <p:sp>
         <p:nvSpPr>
+          <p:cNvPr id="39939" name="Rectangle 3"/>
+          <p:cNvSpPr>
+            <a:spLocks noGrp="1" noChangeArrowheads="1"/>
+          </p:cNvSpPr>
+          <p:nvPr>
+            <p:ph idx="1"/>
+          </p:nvPr>
+        </p:nvSpPr>
+        <p:spPr/>
+        <p:txBody>
+          <a:bodyPr/>
+          <a:lstStyle/>
+          <a:p>
+            <a:r>
+              <a:rPr lang="en-US" altLang="en-US"/>
+              <a:t>When the quantity of the product supplied equals the quantity of the product demanded, this is called a market equilibrium.</a:t>
+            </a:r>
+          </a:p>
+          <a:p>
+            <a:r>
+              <a:rPr lang="en-US" altLang="en-US"/>
+              <a:t>In equilibrium there is no pressure to change the price.</a:t>
+            </a:r>
+          </a:p>
+        </p:txBody>
+      </p:sp>
+      <p:sp>
+        <p:nvSpPr>
           <p:cNvPr id="39938" name="Rectangle 2"/>
           <p:cNvSpPr>
             <a:spLocks noGrp="1" noChangeArrowheads="1"/>
@@ -19903,34 +21582,6 @@
             <a:r>
               <a:rPr lang="en-US" altLang="en-US"/>
               <a:t>Market Equilibrium</a:t>
-            </a:r>
-          </a:p>
-        </p:txBody>
-      </p:sp>
-      <p:sp>
-        <p:nvSpPr>
-          <p:cNvPr id="39939" name="Rectangle 3"/>
-          <p:cNvSpPr>
-            <a:spLocks noGrp="1" noChangeArrowheads="1"/>
-          </p:cNvSpPr>
-          <p:nvPr>
-            <p:ph idx="1"/>
-          </p:nvPr>
-        </p:nvSpPr>
-        <p:spPr/>
-        <p:txBody>
-          <a:bodyPr/>
-          <a:lstStyle/>
-          <a:p>
-            <a:r>
-              <a:rPr lang="en-US" altLang="en-US"/>
-              <a:t>When the quantity of the product supplied equals the quantity of the product demanded, this is called a market equilibrium.</a:t>
-            </a:r>
-          </a:p>
-          <a:p>
-            <a:r>
-              <a:rPr lang="en-US" altLang="en-US"/>
-              <a:t>In equilibrium there is no pressure to change the price.</a:t>
             </a:r>
           </a:p>
         </p:txBody>
@@ -20019,6 +21670,46 @@
       </p:grpSpPr>
       <p:sp>
         <p:nvSpPr>
+          <p:cNvPr id="40963" name="Rectangle 3"/>
+          <p:cNvSpPr>
+            <a:spLocks noGrp="1" noChangeArrowheads="1"/>
+          </p:cNvSpPr>
+          <p:nvPr>
+            <p:ph idx="1"/>
+          </p:nvPr>
+        </p:nvSpPr>
+        <p:spPr/>
+        <p:txBody>
+          <a:bodyPr/>
+          <a:lstStyle/>
+          <a:p>
+            <a:r>
+              <a:rPr lang="en-US" altLang="en-US"/>
+              <a:t>Excess demand causes prices to rise.</a:t>
+            </a:r>
+          </a:p>
+          <a:p>
+            <a:r>
+              <a:rPr lang="en-US" altLang="en-US"/>
+              <a:t>Consumers are willing to buy more than producers are willing to sell.</a:t>
+            </a:r>
+          </a:p>
+          <a:p>
+            <a:r>
+              <a:rPr lang="en-US" altLang="en-US"/>
+              <a:t>Firms will increase the selling price for their limited supply of pizza and</a:t>
+            </a:r>
+          </a:p>
+          <a:p>
+            <a:r>
+              <a:rPr lang="en-US" altLang="en-US"/>
+              <a:t>Anxious consumers will pay the higher price to get one of the rare products.</a:t>
+            </a:r>
+          </a:p>
+        </p:txBody>
+      </p:sp>
+      <p:sp>
+        <p:nvSpPr>
           <p:cNvPr id="40962" name="Rectangle 2"/>
           <p:cNvSpPr>
             <a:spLocks noGrp="1" noChangeArrowheads="1"/>
@@ -20037,46 +21728,6 @@
             <a:r>
               <a:rPr lang="en-US" altLang="en-US"/>
               <a:t>Excess Demand</a:t>
-            </a:r>
-          </a:p>
-        </p:txBody>
-      </p:sp>
-      <p:sp>
-        <p:nvSpPr>
-          <p:cNvPr id="40963" name="Rectangle 3"/>
-          <p:cNvSpPr>
-            <a:spLocks noGrp="1" noChangeArrowheads="1"/>
-          </p:cNvSpPr>
-          <p:nvPr>
-            <p:ph idx="1"/>
-          </p:nvPr>
-        </p:nvSpPr>
-        <p:spPr/>
-        <p:txBody>
-          <a:bodyPr/>
-          <a:lstStyle/>
-          <a:p>
-            <a:r>
-              <a:rPr lang="en-US" altLang="en-US"/>
-              <a:t>Excess demand causes prices to rise.</a:t>
-            </a:r>
-          </a:p>
-          <a:p>
-            <a:r>
-              <a:rPr lang="en-US" altLang="en-US"/>
-              <a:t>Consumers are willing to buy more than producers are willing to sell.</a:t>
-            </a:r>
-          </a:p>
-          <a:p>
-            <a:r>
-              <a:rPr lang="en-US" altLang="en-US"/>
-              <a:t>Firms will increase the selling price for their limited supply of pizza and</a:t>
-            </a:r>
-          </a:p>
-          <a:p>
-            <a:r>
-              <a:rPr lang="en-US" altLang="en-US"/>
-              <a:t>Anxious consumers will pay the higher price to get one of the rare products.</a:t>
             </a:r>
           </a:p>
         </p:txBody>
@@ -20158,6 +21809,56 @@
       </p:grpSpPr>
       <p:sp>
         <p:nvSpPr>
+          <p:cNvPr id="41987" name="Rectangle 3"/>
+          <p:cNvSpPr>
+            <a:spLocks noGrp="1" noChangeArrowheads="1"/>
+          </p:cNvSpPr>
+          <p:nvPr>
+            <p:ph idx="1"/>
+          </p:nvPr>
+        </p:nvSpPr>
+        <p:spPr/>
+        <p:txBody>
+          <a:bodyPr/>
+          <a:lstStyle/>
+          <a:p>
+            <a:r>
+              <a:rPr lang="en-US" altLang="en-US"/>
+              <a:t>As prices increase two things will happen,</a:t>
+            </a:r>
+          </a:p>
+          <a:p>
+            <a:pPr lvl="1"/>
+            <a:r>
+              <a:rPr lang="en-US" altLang="en-US"/>
+              <a:t>Fewer goods are demanded as the market moves upward on the demand curve.</a:t>
+            </a:r>
+          </a:p>
+          <a:p>
+            <a:pPr lvl="1"/>
+            <a:r>
+              <a:rPr lang="en-US" altLang="en-US"/>
+              <a:t>More goods are supplied as the market moves up the supply curve.</a:t>
+            </a:r>
+          </a:p>
+          <a:p>
+            <a:pPr lvl="1"/>
+            <a:r>
+              <a:rPr lang="en-US" altLang="en-US"/>
+              <a:t>Hence the gap between quantity demanded and supplied narrows.</a:t>
+            </a:r>
+          </a:p>
+          <a:p>
+            <a:pPr lvl="1"/>
+            <a:r>
+              <a:rPr lang="en-US" altLang="en-US"/>
+              <a:t>Price continuous to rise until excess demand is eliminated.</a:t>
+            </a:r>
+          </a:p>
+        </p:txBody>
+      </p:sp>
+      <p:sp>
+        <p:nvSpPr>
           <p:cNvPr id="41986" name="Rectangle 2"/>
           <p:cNvSpPr>
             <a:spLocks noGrp="1" noChangeArrowheads="1"/>
@@ -20176,56 +21877,6 @@
             <a:r>
               <a:rPr lang="en-US" altLang="en-US"/>
               <a:t>Price Increase</a:t>
-            </a:r>
-          </a:p>
-        </p:txBody>
-      </p:sp>
-      <p:sp>
-        <p:nvSpPr>
-          <p:cNvPr id="41987" name="Rectangle 3"/>
-          <p:cNvSpPr>
-            <a:spLocks noGrp="1" noChangeArrowheads="1"/>
-          </p:cNvSpPr>
-          <p:nvPr>
-            <p:ph idx="1"/>
-          </p:nvPr>
-        </p:nvSpPr>
-        <p:spPr/>
-        <p:txBody>
-          <a:bodyPr/>
-          <a:lstStyle/>
-          <a:p>
-            <a:r>
-              <a:rPr lang="en-US" altLang="en-US"/>
-              <a:t>As prices increase two things will happen,</a:t>
-            </a:r>
-          </a:p>
-          <a:p>
-            <a:pPr lvl="1"/>
-            <a:r>
-              <a:rPr lang="en-US" altLang="en-US"/>
-              <a:t>Fewer goods are demanded as the market moves upward on the demand curve.</a:t>
-            </a:r>
-          </a:p>
-          <a:p>
-            <a:pPr lvl="1"/>
-            <a:r>
-              <a:rPr lang="en-US" altLang="en-US"/>
-              <a:t>More goods are supplied as the market moves up the supply curve.</a:t>
-            </a:r>
-          </a:p>
-          <a:p>
-            <a:pPr lvl="1"/>
-            <a:r>
-              <a:rPr lang="en-US" altLang="en-US"/>
-              <a:t>Hence the gap between quantity demanded and supplied narrows.</a:t>
-            </a:r>
-          </a:p>
-          <a:p>
-            <a:pPr lvl="1"/>
-            <a:r>
-              <a:rPr lang="en-US" altLang="en-US"/>
-              <a:t>Price continuous to rise until excess demand is eliminated.</a:t>
             </a:r>
           </a:p>
         </p:txBody>
@@ -20314,6 +21965,57 @@
       </p:grpSpPr>
       <p:sp>
         <p:nvSpPr>
+          <p:cNvPr id="43011" name="Rectangle 3"/>
+          <p:cNvSpPr>
+            <a:spLocks noGrp="1" noChangeArrowheads="1"/>
+          </p:cNvSpPr>
+          <p:nvPr>
+            <p:ph idx="1"/>
+          </p:nvPr>
+        </p:nvSpPr>
+        <p:spPr/>
+        <p:txBody>
+          <a:bodyPr/>
+          <a:lstStyle/>
+          <a:p>
+            <a:r>
+              <a:rPr lang="en-US" altLang="en-US"/>
+              <a:t>Excess supply causes prices to drop.</a:t>
+            </a:r>
+          </a:p>
+          <a:p>
+            <a:r>
+              <a:rPr lang="en-US" altLang="en-US"/>
+              <a:t>Producers are willing to sell more than consumers are willing to buy.</a:t>
+            </a:r>
+          </a:p>
+          <a:p>
+            <a:r>
+              <a:rPr lang="en-US" altLang="en-US"/>
+              <a:t>To sell the extra goods firms lower prices.</a:t>
+            </a:r>
+          </a:p>
+          <a:p>
+            <a:pPr lvl="1"/>
+            <a:r>
+              <a:rPr lang="en-US" altLang="en-US"/>
+              <a:t>The market moves downward along the demand curve as prices drop.</a:t>
+            </a:r>
+          </a:p>
+          <a:p>
+            <a:pPr lvl="1"/>
+            <a:r>
+              <a:rPr lang="en-US" altLang="en-US"/>
+              <a:t>The market moves downward on the supply curve.</a:t>
+            </a:r>
+          </a:p>
+          <a:p>
+            <a:endParaRPr lang="en-US" altLang="en-US"/>
+          </a:p>
+        </p:txBody>
+      </p:sp>
+      <p:sp>
+        <p:nvSpPr>
           <p:cNvPr id="43010" name="Rectangle 2"/>
           <p:cNvSpPr>
             <a:spLocks noGrp="1" noChangeArrowheads="1"/>
@@ -20333,57 +22035,6 @@
               <a:rPr lang="en-US" altLang="en-US"/>
               <a:t>Excess Supply</a:t>
             </a:r>
-          </a:p>
-        </p:txBody>
-      </p:sp>
-      <p:sp>
-        <p:nvSpPr>
-          <p:cNvPr id="43011" name="Rectangle 3"/>
-          <p:cNvSpPr>
-            <a:spLocks noGrp="1" noChangeArrowheads="1"/>
-          </p:cNvSpPr>
-          <p:nvPr>
-            <p:ph idx="1"/>
-          </p:nvPr>
-        </p:nvSpPr>
-        <p:spPr/>
-        <p:txBody>
-          <a:bodyPr/>
-          <a:lstStyle/>
-          <a:p>
-            <a:r>
-              <a:rPr lang="en-US" altLang="en-US"/>
-              <a:t>Excess supply causes prices to drop.</a:t>
-            </a:r>
-          </a:p>
-          <a:p>
-            <a:r>
-              <a:rPr lang="en-US" altLang="en-US"/>
-              <a:t>Producers are willing to sell more than consumers are willing to buy.</a:t>
-            </a:r>
-          </a:p>
-          <a:p>
-            <a:r>
-              <a:rPr lang="en-US" altLang="en-US"/>
-              <a:t>To sell the extra goods firms lower prices.</a:t>
-            </a:r>
-          </a:p>
-          <a:p>
-            <a:pPr lvl="1"/>
-            <a:r>
-              <a:rPr lang="en-US" altLang="en-US"/>
-              <a:t>The market moves downward along the demand curve as prices drop.</a:t>
-            </a:r>
-          </a:p>
-          <a:p>
-            <a:pPr lvl="1"/>
-            <a:r>
-              <a:rPr lang="en-US" altLang="en-US"/>
-              <a:t>The market moves downward on the supply curve.</a:t>
-            </a:r>
-          </a:p>
-          <a:p>
-            <a:endParaRPr lang="en-US" altLang="en-US"/>
           </a:p>
         </p:txBody>
       </p:sp>
@@ -20510,6 +22161,34 @@
       </p:sp>
       <p:sp>
         <p:nvSpPr>
+          <p:cNvPr id="3" name="Slide Number Placeholder 2"/>
+          <p:cNvSpPr>
+            <a:spLocks noGrp="1"/>
+          </p:cNvSpPr>
+          <p:nvPr>
+            <p:ph type="sldNum" sz="quarter" idx="12"/>
+          </p:nvPr>
+        </p:nvSpPr>
+        <p:spPr/>
+        <p:txBody>
+          <a:bodyPr/>
+          <a:lstStyle/>
+          <a:p>
+            <a:r>
+              <a:rPr lang="en-US" altLang="en-US" smtClean="0"/>
+              <a:t>/</a:t>
+            </a:r>
+            <a:fld id="{705F6386-E0A0-418F-876F-1CEA219DF3D9}" type="slidenum">
+              <a:rPr lang="en-US" altLang="en-US" smtClean="0"/>
+              <a:pPr/>
+              <a:t>48</a:t>
+            </a:fld>
+            <a:endParaRPr lang="en-US" altLang="en-US"/>
+          </a:p>
+        </p:txBody>
+      </p:sp>
+      <p:sp>
+        <p:nvSpPr>
           <p:cNvPr id="44036" name="Line 4"/>
           <p:cNvSpPr>
             <a:spLocks noChangeShapeType="1"/>
@@ -21626,34 +23305,6 @@
               <a:rPr lang="en-US" altLang="en-US"/>
               <a:t>Excess demand at p=6</a:t>
             </a:r>
-          </a:p>
-        </p:txBody>
-      </p:sp>
-      <p:sp>
-        <p:nvSpPr>
-          <p:cNvPr id="3" name="Slide Number Placeholder 2"/>
-          <p:cNvSpPr>
-            <a:spLocks noGrp="1"/>
-          </p:cNvSpPr>
-          <p:nvPr>
-            <p:ph type="sldNum" sz="quarter" idx="12"/>
-          </p:nvPr>
-        </p:nvSpPr>
-        <p:spPr/>
-        <p:txBody>
-          <a:bodyPr/>
-          <a:lstStyle/>
-          <a:p>
-            <a:r>
-              <a:rPr lang="en-US" altLang="en-US" smtClean="0"/>
-              <a:t>/</a:t>
-            </a:r>
-            <a:fld id="{705F6386-E0A0-418F-876F-1CEA219DF3D9}" type="slidenum">
-              <a:rPr lang="en-US" altLang="en-US" smtClean="0"/>
-              <a:pPr/>
-              <a:t>48</a:t>
-            </a:fld>
-            <a:endParaRPr lang="en-US" altLang="en-US"/>
           </a:p>
         </p:txBody>
       </p:sp>
@@ -21684,30 +23335,6 @@
       </p:grpSpPr>
       <p:sp>
         <p:nvSpPr>
-          <p:cNvPr id="45058" name="Rectangle 2"/>
-          <p:cNvSpPr>
-            <a:spLocks noGrp="1" noChangeArrowheads="1"/>
-          </p:cNvSpPr>
-          <p:nvPr>
-            <p:ph type="title"/>
-          </p:nvPr>
-        </p:nvSpPr>
-        <p:spPr>
-          <a:ln/>
-        </p:spPr>
-        <p:txBody>
-          <a:bodyPr/>
-          <a:lstStyle/>
-          <a:p>
-            <a:r>
-              <a:rPr lang="en-US" altLang="en-US" sz="4000"/>
-              <a:t>Market Effects of Demand Changes</a:t>
-            </a:r>
-          </a:p>
-        </p:txBody>
-      </p:sp>
-      <p:sp>
-        <p:nvSpPr>
           <p:cNvPr id="45059" name="Rectangle 3"/>
           <p:cNvSpPr>
             <a:spLocks noGrp="1" noChangeArrowheads="1"/>
@@ -21825,6 +23452,30 @@
               <a:t> prices go up.</a:t>
             </a:r>
             <a:endParaRPr lang="en-US" altLang="en-US"/>
+          </a:p>
+        </p:txBody>
+      </p:sp>
+      <p:sp>
+        <p:nvSpPr>
+          <p:cNvPr id="45058" name="Rectangle 2"/>
+          <p:cNvSpPr>
+            <a:spLocks noGrp="1" noChangeArrowheads="1"/>
+          </p:cNvSpPr>
+          <p:nvPr>
+            <p:ph type="title"/>
+          </p:nvPr>
+        </p:nvSpPr>
+        <p:spPr>
+          <a:ln/>
+        </p:spPr>
+        <p:txBody>
+          <a:bodyPr/>
+          <a:lstStyle/>
+          <a:p>
+            <a:r>
+              <a:rPr lang="en-US" altLang="en-US" sz="4000"/>
+              <a:t>Market Effects of Demand Changes</a:t>
+            </a:r>
           </a:p>
         </p:txBody>
       </p:sp>
@@ -21912,30 +23563,6 @@
       </p:grpSpPr>
       <p:sp>
         <p:nvSpPr>
-          <p:cNvPr id="52226" name="Rectangle 2"/>
-          <p:cNvSpPr>
-            <a:spLocks noGrp="1" noChangeArrowheads="1"/>
-          </p:cNvSpPr>
-          <p:nvPr>
-            <p:ph type="title"/>
-          </p:nvPr>
-        </p:nvSpPr>
-        <p:spPr>
-          <a:ln/>
-        </p:spPr>
-        <p:txBody>
-          <a:bodyPr/>
-          <a:lstStyle/>
-          <a:p>
-            <a:r>
-              <a:rPr lang="en-US" altLang="en-US"/>
-              <a:t>Factors of Production</a:t>
-            </a:r>
-          </a:p>
-        </p:txBody>
-      </p:sp>
-      <p:sp>
-        <p:nvSpPr>
           <p:cNvPr id="52227" name="Rectangle 3"/>
           <p:cNvSpPr>
             <a:spLocks noGrp="1" noChangeArrowheads="1"/>
@@ -21951,15 +23578,15 @@
           </a:bodyPr>
           <a:lstStyle/>
           <a:p>
-            <a:pPr marL="609600" indent="-609600">
+            <a:pPr marL="514350" indent="-514350">
               <a:lnSpc>
                 <a:spcPct val="90000"/>
               </a:lnSpc>
-              <a:buFontTx/>
+              <a:buFont typeface="+mj-lt"/>
               <a:buAutoNum type="arabicPeriod"/>
             </a:pPr>
             <a:r>
-              <a:rPr lang="en-US" altLang="en-US"/>
+              <a:rPr lang="en-US" altLang="en-US" dirty="0"/>
               <a:t>Natural resources:</a:t>
             </a:r>
           </a:p>
@@ -21972,9 +23599,27 @@
               <a:buNone/>
             </a:pPr>
             <a:r>
-              <a:rPr lang="en-US" altLang="en-US" sz="3200"/>
-              <a:t>The things created by acts of nature such as land, water, mineral, oil and gas deposits, renewable and nonrenewable resources.</a:t>
-            </a:r>
+              <a:rPr lang="en-US" altLang="en-US" sz="3200" dirty="0" smtClean="0"/>
+              <a:t>	The </a:t>
+            </a:r>
+            <a:r>
+              <a:rPr lang="en-US" altLang="en-US" sz="3200" dirty="0"/>
+              <a:t>things created by acts of nature such as land, water, mineral, oil and gas deposits, renewable and nonrenewable resources</a:t>
+            </a:r>
+            <a:r>
+              <a:rPr lang="en-US" altLang="en-US" sz="3200" dirty="0" smtClean="0"/>
+              <a:t>.</a:t>
+            </a:r>
+          </a:p>
+          <a:p>
+            <a:pPr marL="990600" lvl="1" indent="-533400">
+              <a:lnSpc>
+                <a:spcPct val="90000"/>
+              </a:lnSpc>
+              <a:buFont typeface="Wingdings" pitchFamily="2" charset="2"/>
+              <a:buNone/>
+            </a:pPr>
+            <a:endParaRPr lang="en-US" altLang="en-US" sz="3200" dirty="0"/>
           </a:p>
           <a:p>
             <a:pPr marL="609600" indent="-609600">
@@ -21988,7 +23633,7 @@
               <a:buAutoNum type="arabicPeriod" startAt="2"/>
             </a:pPr>
             <a:r>
-              <a:rPr lang="en-US" altLang="en-US"/>
+              <a:rPr lang="en-US" altLang="en-US" dirty="0"/>
               <a:t>Labor:</a:t>
             </a:r>
           </a:p>
@@ -22001,8 +23646,12 @@
               <a:buNone/>
             </a:pPr>
             <a:r>
-              <a:rPr lang="en-US" altLang="en-US" sz="3200"/>
-              <a:t>The human effort, physical and mental, used by workers in the production of goods and services.</a:t>
+              <a:rPr lang="en-US" altLang="en-US" sz="3200" dirty="0" smtClean="0"/>
+              <a:t>	The </a:t>
+            </a:r>
+            <a:r>
+              <a:rPr lang="en-US" altLang="en-US" sz="3200" dirty="0"/>
+              <a:t>human effort, physical and mental, used by workers in the production of goods and services.</a:t>
             </a:r>
           </a:p>
           <a:p>
@@ -22011,7 +23660,31 @@
                 <a:spcPct val="90000"/>
               </a:lnSpc>
             </a:pPr>
-            <a:endParaRPr lang="en-US" altLang="en-US" sz="2800"/>
+            <a:endParaRPr lang="en-US" altLang="en-US" sz="2800" dirty="0"/>
+          </a:p>
+        </p:txBody>
+      </p:sp>
+      <p:sp>
+        <p:nvSpPr>
+          <p:cNvPr id="52226" name="Rectangle 2"/>
+          <p:cNvSpPr>
+            <a:spLocks noGrp="1" noChangeArrowheads="1"/>
+          </p:cNvSpPr>
+          <p:nvPr>
+            <p:ph type="title"/>
+          </p:nvPr>
+        </p:nvSpPr>
+        <p:spPr>
+          <a:ln/>
+        </p:spPr>
+        <p:txBody>
+          <a:bodyPr/>
+          <a:lstStyle/>
+          <a:p>
+            <a:r>
+              <a:rPr lang="en-US" altLang="en-US"/>
+              <a:t>Factors of Production</a:t>
+            </a:r>
           </a:p>
         </p:txBody>
       </p:sp>
@@ -22099,6 +23772,56 @@
       </p:grpSpPr>
       <p:sp>
         <p:nvSpPr>
+          <p:cNvPr id="47107" name="Rectangle 3"/>
+          <p:cNvSpPr>
+            <a:spLocks noGrp="1" noChangeArrowheads="1"/>
+          </p:cNvSpPr>
+          <p:nvPr>
+            <p:ph idx="1"/>
+          </p:nvPr>
+        </p:nvSpPr>
+        <p:spPr/>
+        <p:txBody>
+          <a:bodyPr/>
+          <a:lstStyle/>
+          <a:p>
+            <a:r>
+              <a:rPr lang="en-US" altLang="en-US"/>
+              <a:t>As income increases the demand for these goods goes down.</a:t>
+            </a:r>
+          </a:p>
+          <a:p>
+            <a:pPr lvl="1"/>
+            <a:r>
+              <a:rPr lang="en-US" altLang="en-US"/>
+              <a:t>Goods with a more expensive alternative.</a:t>
+            </a:r>
+          </a:p>
+          <a:p>
+            <a:pPr lvl="2"/>
+            <a:r>
+              <a:rPr lang="en-US" altLang="en-US"/>
+              <a:t>E.g. margarine and butter. If you have a higher income you might switch to the better quality product.</a:t>
+            </a:r>
+          </a:p>
+          <a:p>
+            <a:pPr lvl="2"/>
+            <a:r>
+              <a:rPr lang="en-US" altLang="en-US"/>
+              <a:t>Used clothing</a:t>
+            </a:r>
+          </a:p>
+          <a:p>
+            <a:pPr lvl="2"/>
+            <a:r>
+              <a:rPr lang="en-US" altLang="en-US"/>
+              <a:t>Intercity bus travel</a:t>
+            </a:r>
+          </a:p>
+        </p:txBody>
+      </p:sp>
+      <p:sp>
+        <p:nvSpPr>
           <p:cNvPr id="47106" name="Rectangle 2"/>
           <p:cNvSpPr>
             <a:spLocks noGrp="1" noChangeArrowheads="1"/>
@@ -22117,56 +23840,6 @@
             <a:r>
               <a:rPr lang="en-US" altLang="en-US"/>
               <a:t>Inferior Goods</a:t>
-            </a:r>
-          </a:p>
-        </p:txBody>
-      </p:sp>
-      <p:sp>
-        <p:nvSpPr>
-          <p:cNvPr id="47107" name="Rectangle 3"/>
-          <p:cNvSpPr>
-            <a:spLocks noGrp="1" noChangeArrowheads="1"/>
-          </p:cNvSpPr>
-          <p:nvPr>
-            <p:ph idx="1"/>
-          </p:nvPr>
-        </p:nvSpPr>
-        <p:spPr/>
-        <p:txBody>
-          <a:bodyPr/>
-          <a:lstStyle/>
-          <a:p>
-            <a:r>
-              <a:rPr lang="en-US" altLang="en-US"/>
-              <a:t>As income increases the demand for these goods goes down.</a:t>
-            </a:r>
-          </a:p>
-          <a:p>
-            <a:pPr lvl="1"/>
-            <a:r>
-              <a:rPr lang="en-US" altLang="en-US"/>
-              <a:t>Goods with a more expensive alternative.</a:t>
-            </a:r>
-          </a:p>
-          <a:p>
-            <a:pPr lvl="2"/>
-            <a:r>
-              <a:rPr lang="en-US" altLang="en-US"/>
-              <a:t>E.g. margarine and butter. If you have a higher income you might switch to the better quality product.</a:t>
-            </a:r>
-          </a:p>
-          <a:p>
-            <a:pPr lvl="2"/>
-            <a:r>
-              <a:rPr lang="en-US" altLang="en-US"/>
-              <a:t>Used clothing</a:t>
-            </a:r>
-          </a:p>
-          <a:p>
-            <a:pPr lvl="2"/>
-            <a:r>
-              <a:rPr lang="en-US" altLang="en-US"/>
-              <a:t>Intercity bus travel</a:t>
             </a:r>
           </a:p>
         </p:txBody>
@@ -22248,30 +23921,6 @@
       </p:grpSpPr>
       <p:sp>
         <p:nvSpPr>
-          <p:cNvPr id="46082" name="Rectangle 2"/>
-          <p:cNvSpPr>
-            <a:spLocks noGrp="1" noChangeArrowheads="1"/>
-          </p:cNvSpPr>
-          <p:nvPr>
-            <p:ph type="title"/>
-          </p:nvPr>
-        </p:nvSpPr>
-        <p:spPr>
-          <a:ln/>
-        </p:spPr>
-        <p:txBody>
-          <a:bodyPr/>
-          <a:lstStyle/>
-          <a:p>
-            <a:r>
-              <a:rPr lang="en-US" altLang="en-US" sz="4000"/>
-              <a:t>Market Effects of Supply Changes</a:t>
-            </a:r>
-          </a:p>
-        </p:txBody>
-      </p:sp>
-      <p:sp>
-        <p:nvSpPr>
           <p:cNvPr id="46083" name="Rectangle 3"/>
           <p:cNvSpPr>
             <a:spLocks noGrp="1" noChangeArrowheads="1"/>
@@ -22337,6 +23986,30 @@
               <a:t> prices drop.</a:t>
             </a:r>
             <a:endParaRPr lang="en-US" altLang="en-US"/>
+          </a:p>
+        </p:txBody>
+      </p:sp>
+      <p:sp>
+        <p:nvSpPr>
+          <p:cNvPr id="46082" name="Rectangle 2"/>
+          <p:cNvSpPr>
+            <a:spLocks noGrp="1" noChangeArrowheads="1"/>
+          </p:cNvSpPr>
+          <p:nvPr>
+            <p:ph type="title"/>
+          </p:nvPr>
+        </p:nvSpPr>
+        <p:spPr>
+          <a:ln/>
+        </p:spPr>
+        <p:txBody>
+          <a:bodyPr/>
+          <a:lstStyle/>
+          <a:p>
+            <a:r>
+              <a:rPr lang="en-US" altLang="en-US" sz="4000"/>
+              <a:t>Market Effects of Supply Changes</a:t>
+            </a:r>
           </a:p>
         </p:txBody>
       </p:sp>
@@ -22424,6 +24097,34 @@
       </p:grpSpPr>
       <p:sp>
         <p:nvSpPr>
+          <p:cNvPr id="48131" name="Rectangle 3"/>
+          <p:cNvSpPr>
+            <a:spLocks noGrp="1" noChangeArrowheads="1"/>
+          </p:cNvSpPr>
+          <p:nvPr>
+            <p:ph idx="1"/>
+          </p:nvPr>
+        </p:nvSpPr>
+        <p:spPr/>
+        <p:txBody>
+          <a:bodyPr/>
+          <a:lstStyle/>
+          <a:p>
+            <a:r>
+              <a:rPr lang="en-US" altLang="en-US"/>
+              <a:t>When both, demand and supply increase, then the quantity ‘traded’ increases.</a:t>
+            </a:r>
+          </a:p>
+          <a:p>
+            <a:r>
+              <a:rPr lang="en-US" altLang="en-US"/>
+              <a:t>The price depends on the magnitude of supply change vs. demand change.</a:t>
+            </a:r>
+          </a:p>
+        </p:txBody>
+      </p:sp>
+      <p:sp>
+        <p:nvSpPr>
           <p:cNvPr id="48130" name="Rectangle 2"/>
           <p:cNvSpPr>
             <a:spLocks noGrp="1" noChangeArrowheads="1"/>
@@ -22442,34 +24143,6 @@
             <a:r>
               <a:rPr lang="en-US" altLang="en-US" dirty="0"/>
               <a:t>Demand And Supply Shifts</a:t>
-            </a:r>
-          </a:p>
-        </p:txBody>
-      </p:sp>
-      <p:sp>
-        <p:nvSpPr>
-          <p:cNvPr id="48131" name="Rectangle 3"/>
-          <p:cNvSpPr>
-            <a:spLocks noGrp="1" noChangeArrowheads="1"/>
-          </p:cNvSpPr>
-          <p:nvPr>
-            <p:ph idx="1"/>
-          </p:nvPr>
-        </p:nvSpPr>
-        <p:spPr/>
-        <p:txBody>
-          <a:bodyPr/>
-          <a:lstStyle/>
-          <a:p>
-            <a:r>
-              <a:rPr lang="en-US" altLang="en-US"/>
-              <a:t>When both, demand and supply increase, then the quantity ‘traded’ increases.</a:t>
-            </a:r>
-          </a:p>
-          <a:p>
-            <a:r>
-              <a:rPr lang="en-US" altLang="en-US"/>
-              <a:t>The price depends on the magnitude of supply change vs. demand change.</a:t>
             </a:r>
           </a:p>
         </p:txBody>
@@ -22558,30 +24231,6 @@
       </p:grpSpPr>
       <p:sp>
         <p:nvSpPr>
-          <p:cNvPr id="53250" name="Rectangle 2"/>
-          <p:cNvSpPr>
-            <a:spLocks noGrp="1" noChangeArrowheads="1"/>
-          </p:cNvSpPr>
-          <p:nvPr>
-            <p:ph type="title"/>
-          </p:nvPr>
-        </p:nvSpPr>
-        <p:spPr>
-          <a:ln/>
-        </p:spPr>
-        <p:txBody>
-          <a:bodyPr/>
-          <a:lstStyle/>
-          <a:p>
-            <a:r>
-              <a:rPr lang="en-US" altLang="en-US"/>
-              <a:t>Factors of Production</a:t>
-            </a:r>
-          </a:p>
-        </p:txBody>
-      </p:sp>
-      <p:sp>
-        <p:nvSpPr>
           <p:cNvPr id="53251" name="Rectangle 3"/>
           <p:cNvSpPr>
             <a:spLocks noGrp="1" noChangeArrowheads="1"/>
@@ -22608,9 +24257,14 @@
               <a:buAutoNum type="arabicPeriod" startAt="3"/>
             </a:pPr>
             <a:r>
-              <a:rPr lang="en-US" altLang="en-US"/>
-              <a:t>Physical capital.</a:t>
-            </a:r>
+              <a:rPr lang="en-US" altLang="en-US" dirty="0"/>
+              <a:t>Physical </a:t>
+            </a:r>
+            <a:r>
+              <a:rPr lang="en-US" altLang="en-US" dirty="0" smtClean="0"/>
+              <a:t>capital:</a:t>
+            </a:r>
+            <a:endParaRPr lang="en-US" altLang="en-US" dirty="0"/>
           </a:p>
           <a:p>
             <a:pPr marL="990600" lvl="1" indent="-533400">
@@ -22621,8 +24275,12 @@
               <a:buNone/>
             </a:pPr>
             <a:r>
-              <a:rPr lang="en-US" altLang="en-US" sz="3200"/>
-              <a:t>All the machines, buildings, equipment, roads and other objects made by human beings to produce goods and services.</a:t>
+              <a:rPr lang="en-US" altLang="en-US" sz="3200" dirty="0" smtClean="0"/>
+              <a:t>	All </a:t>
+            </a:r>
+            <a:r>
+              <a:rPr lang="en-US" altLang="en-US" sz="3200" dirty="0"/>
+              <a:t>the machines, buildings, equipment, roads and other objects made by human beings to produce goods and services.</a:t>
             </a:r>
           </a:p>
           <a:p>
@@ -22637,9 +24295,14 @@
               <a:buAutoNum type="arabicPeriod" startAt="4"/>
             </a:pPr>
             <a:r>
-              <a:rPr lang="en-US" altLang="en-US"/>
-              <a:t>Human capital:</a:t>
-            </a:r>
+              <a:rPr lang="en-US" altLang="en-US" dirty="0"/>
+              <a:t>Human </a:t>
+            </a:r>
+            <a:r>
+              <a:rPr lang="en-US" altLang="en-US" dirty="0" smtClean="0"/>
+              <a:t>capital:</a:t>
+            </a:r>
+            <a:endParaRPr lang="en-US" altLang="en-US" dirty="0"/>
           </a:p>
           <a:p>
             <a:pPr marL="990600" lvl="1" indent="-533400">
@@ -22650,10 +24313,38 @@
               <a:buNone/>
             </a:pPr>
             <a:r>
-              <a:rPr lang="en-US" altLang="en-US" sz="3200"/>
-              <a:t>The knowledge and skills acquired by a worker through education and experience.</a:t>
-            </a:r>
-            <a:endParaRPr lang="en-US" altLang="en-US" sz="2400"/>
+              <a:rPr lang="en-US" altLang="en-US" sz="3200" dirty="0" smtClean="0"/>
+              <a:t>	The </a:t>
+            </a:r>
+            <a:r>
+              <a:rPr lang="en-US" altLang="en-US" sz="3200" dirty="0"/>
+              <a:t>knowledge and skills acquired by a worker through education and experience.</a:t>
+            </a:r>
+            <a:endParaRPr lang="en-US" altLang="en-US" sz="2400" dirty="0"/>
+          </a:p>
+        </p:txBody>
+      </p:sp>
+      <p:sp>
+        <p:nvSpPr>
+          <p:cNvPr id="53250" name="Rectangle 2"/>
+          <p:cNvSpPr>
+            <a:spLocks noGrp="1" noChangeArrowheads="1"/>
+          </p:cNvSpPr>
+          <p:nvPr>
+            <p:ph type="title"/>
+          </p:nvPr>
+        </p:nvSpPr>
+        <p:spPr>
+          <a:ln/>
+        </p:spPr>
+        <p:txBody>
+          <a:bodyPr/>
+          <a:lstStyle/>
+          <a:p>
+            <a:r>
+              <a:rPr lang="en-US" altLang="en-US"/>
+              <a:t>Factors of Production</a:t>
+            </a:r>
           </a:p>
         </p:txBody>
       </p:sp>
@@ -22741,30 +24432,6 @@
       </p:grpSpPr>
       <p:sp>
         <p:nvSpPr>
-          <p:cNvPr id="54274" name="Rectangle 2"/>
-          <p:cNvSpPr>
-            <a:spLocks noGrp="1" noChangeArrowheads="1"/>
-          </p:cNvSpPr>
-          <p:nvPr>
-            <p:ph type="title"/>
-          </p:nvPr>
-        </p:nvSpPr>
-        <p:spPr>
-          <a:ln/>
-        </p:spPr>
-        <p:txBody>
-          <a:bodyPr/>
-          <a:lstStyle/>
-          <a:p>
-            <a:r>
-              <a:rPr lang="en-US" altLang="en-US"/>
-              <a:t>Factors of Production</a:t>
-            </a:r>
-          </a:p>
-        </p:txBody>
-      </p:sp>
-      <p:sp>
-        <p:nvSpPr>
           <p:cNvPr id="54275" name="Rectangle 3"/>
           <p:cNvSpPr>
             <a:spLocks noGrp="1" noChangeArrowheads="1"/>
@@ -22788,7 +24455,7 @@
               <a:buAutoNum type="arabicPeriod" startAt="5"/>
             </a:pPr>
             <a:r>
-              <a:rPr lang="en-US" altLang="en-US" sz="3600"/>
+              <a:rPr lang="en-US" altLang="en-US" sz="3600" dirty="0"/>
               <a:t>Entrepreneurship:</a:t>
             </a:r>
           </a:p>
@@ -22798,13 +24465,41 @@
               <a:buNone/>
             </a:pPr>
             <a:r>
-              <a:rPr lang="en-US" altLang="en-US" sz="3600"/>
-              <a:t>The effort to coordinate the  production and sale of goods and services.  Entrepreneurs take risk and commit time and money to a business without any guarantee of profit.</a:t>
+              <a:rPr lang="en-US" altLang="en-US" sz="3600" dirty="0" smtClean="0"/>
+              <a:t>	The </a:t>
+            </a:r>
+            <a:r>
+              <a:rPr lang="en-US" altLang="en-US" sz="3600" dirty="0"/>
+              <a:t>effort to coordinate the  production and sale of goods and services.  Entrepreneurs take risk and commit time and money to a business without any guarantee of profit.</a:t>
             </a:r>
           </a:p>
           <a:p>
             <a:pPr marL="609600" indent="-609600"/>
-            <a:endParaRPr lang="en-US" altLang="en-US"/>
+            <a:endParaRPr lang="en-US" altLang="en-US" dirty="0"/>
+          </a:p>
+        </p:txBody>
+      </p:sp>
+      <p:sp>
+        <p:nvSpPr>
+          <p:cNvPr id="54274" name="Rectangle 2"/>
+          <p:cNvSpPr>
+            <a:spLocks noGrp="1" noChangeArrowheads="1"/>
+          </p:cNvSpPr>
+          <p:nvPr>
+            <p:ph type="title"/>
+          </p:nvPr>
+        </p:nvSpPr>
+        <p:spPr>
+          <a:ln/>
+        </p:spPr>
+        <p:txBody>
+          <a:bodyPr/>
+          <a:lstStyle/>
+          <a:p>
+            <a:r>
+              <a:rPr lang="en-US" altLang="en-US"/>
+              <a:t>Factors of Production</a:t>
+            </a:r>
           </a:p>
         </p:txBody>
       </p:sp>
@@ -22892,6 +24587,63 @@
       </p:grpSpPr>
       <p:sp>
         <p:nvSpPr>
+          <p:cNvPr id="13315" name="Rectangle 3"/>
+          <p:cNvSpPr>
+            <a:spLocks noGrp="1" noChangeArrowheads="1"/>
+          </p:cNvSpPr>
+          <p:nvPr>
+            <p:ph idx="1"/>
+          </p:nvPr>
+        </p:nvSpPr>
+        <p:spPr/>
+        <p:txBody>
+          <a:bodyPr/>
+          <a:lstStyle/>
+          <a:p>
+            <a:r>
+              <a:rPr lang="en-US" altLang="en-US" dirty="0"/>
+              <a:t>Describes the combinations of products that are possible given </a:t>
+            </a:r>
+            <a:r>
+              <a:rPr lang="en-US" altLang="en-US" dirty="0" smtClean="0"/>
+              <a:t>resources </a:t>
+            </a:r>
+            <a:r>
+              <a:rPr lang="en-US" altLang="en-US" dirty="0"/>
+              <a:t>and </a:t>
+            </a:r>
+            <a:r>
+              <a:rPr lang="en-US" altLang="en-US" dirty="0" smtClean="0"/>
+              <a:t>technological know-how</a:t>
+            </a:r>
+            <a:endParaRPr lang="en-US" altLang="en-US" dirty="0"/>
+          </a:p>
+          <a:p>
+            <a:r>
+              <a:rPr lang="en-US" altLang="en-US" dirty="0"/>
+              <a:t>Shows the production </a:t>
+            </a:r>
+            <a:r>
+              <a:rPr lang="en-US" altLang="en-US" dirty="0" smtClean="0"/>
+              <a:t>options</a:t>
+            </a:r>
+            <a:endParaRPr lang="en-US" altLang="en-US" dirty="0"/>
+          </a:p>
+          <a:p>
+            <a:r>
+              <a:rPr lang="en-US" altLang="en-US" dirty="0"/>
+              <a:t>An economy should always produce “on the curve</a:t>
+            </a:r>
+            <a:r>
+              <a:rPr lang="en-US" altLang="en-US" dirty="0" smtClean="0"/>
+              <a:t>”</a:t>
+            </a:r>
+            <a:endParaRPr lang="en-US" altLang="en-US" dirty="0"/>
+          </a:p>
+        </p:txBody>
+      </p:sp>
+      <p:sp>
+        <p:nvSpPr>
           <p:cNvPr id="13314" name="Rectangle 2"/>
           <p:cNvSpPr>
             <a:spLocks noGrp="1" noChangeArrowheads="1"/>
@@ -22908,43 +24660,14 @@
           <a:lstStyle/>
           <a:p>
             <a:r>
-              <a:rPr lang="en-US" altLang="en-US"/>
-              <a:t>Production Possibility Curve</a:t>
-            </a:r>
-          </a:p>
-        </p:txBody>
-      </p:sp>
-      <p:sp>
-        <p:nvSpPr>
-          <p:cNvPr id="13315" name="Rectangle 3"/>
-          <p:cNvSpPr>
-            <a:spLocks noGrp="1" noChangeArrowheads="1"/>
-          </p:cNvSpPr>
-          <p:nvPr>
-            <p:ph idx="1"/>
-          </p:nvPr>
-        </p:nvSpPr>
-        <p:spPr/>
-        <p:txBody>
-          <a:bodyPr/>
-          <a:lstStyle/>
-          <a:p>
-            <a:r>
-              <a:rPr lang="en-US" altLang="en-US"/>
-              <a:t>Describes the combinations of products that are possible given our resources and our technological know-how.</a:t>
-            </a:r>
-          </a:p>
-          <a:p>
-            <a:r>
-              <a:rPr lang="en-US" altLang="en-US"/>
-              <a:t>Shows the production options.</a:t>
-            </a:r>
-          </a:p>
-          <a:p>
-            <a:r>
-              <a:rPr lang="en-US" altLang="en-US"/>
-              <a:t>An economy should always produce “on the curve”.</a:t>
-            </a:r>
+              <a:rPr lang="en-US" altLang="en-US" dirty="0"/>
+              <a:t>Production Possibility </a:t>
+            </a:r>
+            <a:r>
+              <a:rPr lang="en-US" altLang="en-US" dirty="0" smtClean="0"/>
+              <a:t>Frontier (PPF)</a:t>
+            </a:r>
+            <a:endParaRPr lang="en-US" altLang="en-US" dirty="0"/>
           </a:p>
         </p:txBody>
       </p:sp>
@@ -23032,30 +24755,6 @@
       </p:grpSpPr>
       <p:sp>
         <p:nvSpPr>
-          <p:cNvPr id="14338" name="Rectangle 2"/>
-          <p:cNvSpPr>
-            <a:spLocks noGrp="1" noChangeArrowheads="1"/>
-          </p:cNvSpPr>
-          <p:nvPr>
-            <p:ph type="title"/>
-          </p:nvPr>
-        </p:nvSpPr>
-        <p:spPr>
-          <a:ln/>
-        </p:spPr>
-        <p:txBody>
-          <a:bodyPr/>
-          <a:lstStyle/>
-          <a:p>
-            <a:r>
-              <a:rPr lang="en-US" altLang="en-US"/>
-              <a:t>Production Possibility Curve</a:t>
-            </a:r>
-          </a:p>
-        </p:txBody>
-      </p:sp>
-      <p:sp>
-        <p:nvSpPr>
           <p:cNvPr id="14339" name="Rectangle 3"/>
           <p:cNvSpPr>
             <a:spLocks noGrp="1" noChangeArrowheads="1"/>
@@ -23082,21 +24781,50 @@
               </a:spcBef>
             </a:pPr>
             <a:r>
-              <a:rPr lang="en-US" altLang="en-US" sz="2800"/>
+              <a:rPr lang="en-US" altLang="en-US" sz="2800" dirty="0"/>
               <a:t>The PPF curve shows the possible combinations of goods and services available to an economy, given that all productive resources are </a:t>
             </a:r>
             <a:r>
-              <a:rPr lang="en-US" altLang="en-US" sz="2800" b="1"/>
+              <a:rPr lang="en-US" altLang="en-US" sz="2800" b="1" dirty="0"/>
               <a:t>fully and efficiently</a:t>
             </a:r>
             <a:r>
-              <a:rPr lang="en-US" altLang="en-US" sz="2800"/>
+              <a:rPr lang="en-US" altLang="en-US" sz="2800" dirty="0"/>
               <a:t> employed.</a:t>
             </a:r>
-            <a:endParaRPr lang="en-US" altLang="en-US" sz="2400"/>
-          </a:p>
-          <a:p>
-            <a:endParaRPr lang="en-US" altLang="en-US" sz="2800"/>
+            <a:endParaRPr lang="en-US" altLang="en-US" sz="2400" dirty="0"/>
+          </a:p>
+          <a:p>
+            <a:endParaRPr lang="en-US" altLang="en-US" sz="2800" dirty="0"/>
+          </a:p>
+        </p:txBody>
+      </p:sp>
+      <p:sp>
+        <p:nvSpPr>
+          <p:cNvPr id="14338" name="Rectangle 2"/>
+          <p:cNvSpPr>
+            <a:spLocks noGrp="1" noChangeArrowheads="1"/>
+          </p:cNvSpPr>
+          <p:nvPr>
+            <p:ph type="title"/>
+          </p:nvPr>
+        </p:nvSpPr>
+        <p:spPr>
+          <a:ln/>
+        </p:spPr>
+        <p:txBody>
+          <a:bodyPr/>
+          <a:lstStyle/>
+          <a:p>
+            <a:r>
+              <a:rPr lang="en-US" altLang="en-US" dirty="0"/>
+              <a:t>Production Possibility </a:t>
+            </a:r>
+            <a:r>
+              <a:rPr lang="en-US" altLang="en-US" dirty="0" smtClean="0"/>
+              <a:t>Frontier (PPF)</a:t>
+            </a:r>
+            <a:endParaRPr lang="en-US" altLang="en-US" dirty="0"/>
           </a:p>
         </p:txBody>
       </p:sp>
@@ -23119,6 +24847,34 @@
               <a:rPr lang="en-US" altLang="en-US"/>
               <a:t>Basics</a:t>
             </a:r>
+          </a:p>
+        </p:txBody>
+      </p:sp>
+      <p:sp>
+        <p:nvSpPr>
+          <p:cNvPr id="3" name="Slide Number Placeholder 2"/>
+          <p:cNvSpPr>
+            <a:spLocks noGrp="1"/>
+          </p:cNvSpPr>
+          <p:nvPr>
+            <p:ph type="sldNum" sz="quarter" idx="12"/>
+          </p:nvPr>
+        </p:nvSpPr>
+        <p:spPr/>
+        <p:txBody>
+          <a:bodyPr/>
+          <a:lstStyle/>
+          <a:p>
+            <a:r>
+              <a:rPr lang="en-US" altLang="en-US" smtClean="0"/>
+              <a:t>/</a:t>
+            </a:r>
+            <a:fld id="{705F6386-E0A0-418F-876F-1CEA219DF3D9}" type="slidenum">
+              <a:rPr lang="en-US" altLang="en-US" smtClean="0"/>
+              <a:pPr/>
+              <a:t>9</a:t>
+            </a:fld>
+            <a:endParaRPr lang="en-US" altLang="en-US"/>
           </a:p>
         </p:txBody>
       </p:sp>
@@ -23879,34 +25635,6 @@
           </a:p>
         </p:txBody>
       </p:sp>
-      <p:sp>
-        <p:nvSpPr>
-          <p:cNvPr id="3" name="Slide Number Placeholder 2"/>
-          <p:cNvSpPr>
-            <a:spLocks noGrp="1"/>
-          </p:cNvSpPr>
-          <p:nvPr>
-            <p:ph type="sldNum" sz="quarter" idx="12"/>
-          </p:nvPr>
-        </p:nvSpPr>
-        <p:spPr/>
-        <p:txBody>
-          <a:bodyPr/>
-          <a:lstStyle/>
-          <a:p>
-            <a:r>
-              <a:rPr lang="en-US" altLang="en-US" smtClean="0"/>
-              <a:t>/</a:t>
-            </a:r>
-            <a:fld id="{705F6386-E0A0-418F-876F-1CEA219DF3D9}" type="slidenum">
-              <a:rPr lang="en-US" altLang="en-US" smtClean="0"/>
-              <a:pPr/>
-              <a:t>9</a:t>
-            </a:fld>
-            <a:endParaRPr lang="en-US" altLang="en-US"/>
-          </a:p>
-        </p:txBody>
-      </p:sp>
     </p:spTree>
   </p:cSld>
   <p:clrMapOvr>
@@ -23923,7 +25651,7 @@
 </file>
 
 <file path=ppt/theme/theme1.xml><?xml version="1.0" encoding="utf-8"?>
-<a:theme xmlns:a="http://schemas.openxmlformats.org/drawingml/2006/main" name="Office Theme">
+<a:theme xmlns:a="http://schemas.openxmlformats.org/drawingml/2006/main" name="juergenMacroBeamerTheme">
   <a:themeElements>
     <a:clrScheme name="Office">
       <a:dk1>
@@ -23997,7 +25725,6 @@
         <a:font script="Mong" typeface="Mongolian Baiti"/>
         <a:font script="Viet" typeface="Times New Roman"/>
         <a:font script="Uigh" typeface="Microsoft Uighur"/>
-        <a:font script="Geor" typeface="Sylfaen"/>
       </a:majorFont>
       <a:minorFont>
         <a:latin typeface="Calibri"/>
@@ -24032,7 +25759,6 @@
         <a:font script="Mong" typeface="Mongolian Baiti"/>
         <a:font script="Viet" typeface="Arial"/>
         <a:font script="Uigh" typeface="Microsoft Uighur"/>
-        <a:font script="Geor" typeface="Sylfaen"/>
       </a:minorFont>
     </a:fontScheme>
     <a:fmtScheme name="Office">
